--- a/IOTdigrams.pptx
+++ b/IOTdigrams.pptx
@@ -8,6 +8,10 @@
     <p:sldId id="256" r:id="rId2"/>
     <p:sldId id="257" r:id="rId3"/>
     <p:sldId id="258" r:id="rId4"/>
+    <p:sldId id="259" r:id="rId5"/>
+    <p:sldId id="260" r:id="rId6"/>
+    <p:sldId id="261" r:id="rId7"/>
+    <p:sldId id="262" r:id="rId8"/>
   </p:sldIdLst>
   <p:sldSz cx="9144000" cy="6858000" type="screen4x3"/>
   <p:notesSz cx="6858000" cy="9144000"/>
@@ -15,7 +19,7 @@
     <a:defPPr>
       <a:defRPr lang="en-US"/>
     </a:defPPr>
-    <a:lvl1pPr marL="0" algn="l" defTabSz="914400" rtl="0" eaLnBrk="1" latinLnBrk="0" hangingPunct="1">
+    <a:lvl1pPr marL="0" algn="l" defTabSz="914309" rtl="0" eaLnBrk="1" latinLnBrk="0" hangingPunct="1">
       <a:defRPr sz="1800" kern="1200">
         <a:solidFill>
           <a:schemeClr val="tx1"/>
@@ -25,7 +29,7 @@
         <a:cs typeface="+mn-cs"/>
       </a:defRPr>
     </a:lvl1pPr>
-    <a:lvl2pPr marL="457200" algn="l" defTabSz="914400" rtl="0" eaLnBrk="1" latinLnBrk="0" hangingPunct="1">
+    <a:lvl2pPr marL="457154" algn="l" defTabSz="914309" rtl="0" eaLnBrk="1" latinLnBrk="0" hangingPunct="1">
       <a:defRPr sz="1800" kern="1200">
         <a:solidFill>
           <a:schemeClr val="tx1"/>
@@ -35,7 +39,7 @@
         <a:cs typeface="+mn-cs"/>
       </a:defRPr>
     </a:lvl2pPr>
-    <a:lvl3pPr marL="914400" algn="l" defTabSz="914400" rtl="0" eaLnBrk="1" latinLnBrk="0" hangingPunct="1">
+    <a:lvl3pPr marL="914309" algn="l" defTabSz="914309" rtl="0" eaLnBrk="1" latinLnBrk="0" hangingPunct="1">
       <a:defRPr sz="1800" kern="1200">
         <a:solidFill>
           <a:schemeClr val="tx1"/>
@@ -45,7 +49,7 @@
         <a:cs typeface="+mn-cs"/>
       </a:defRPr>
     </a:lvl3pPr>
-    <a:lvl4pPr marL="1371600" algn="l" defTabSz="914400" rtl="0" eaLnBrk="1" latinLnBrk="0" hangingPunct="1">
+    <a:lvl4pPr marL="1371463" algn="l" defTabSz="914309" rtl="0" eaLnBrk="1" latinLnBrk="0" hangingPunct="1">
       <a:defRPr sz="1800" kern="1200">
         <a:solidFill>
           <a:schemeClr val="tx1"/>
@@ -55,7 +59,7 @@
         <a:cs typeface="+mn-cs"/>
       </a:defRPr>
     </a:lvl4pPr>
-    <a:lvl5pPr marL="1828800" algn="l" defTabSz="914400" rtl="0" eaLnBrk="1" latinLnBrk="0" hangingPunct="1">
+    <a:lvl5pPr marL="1828617" algn="l" defTabSz="914309" rtl="0" eaLnBrk="1" latinLnBrk="0" hangingPunct="1">
       <a:defRPr sz="1800" kern="1200">
         <a:solidFill>
           <a:schemeClr val="tx1"/>
@@ -65,7 +69,7 @@
         <a:cs typeface="+mn-cs"/>
       </a:defRPr>
     </a:lvl5pPr>
-    <a:lvl6pPr marL="2286000" algn="l" defTabSz="914400" rtl="0" eaLnBrk="1" latinLnBrk="0" hangingPunct="1">
+    <a:lvl6pPr marL="2285771" algn="l" defTabSz="914309" rtl="0" eaLnBrk="1" latinLnBrk="0" hangingPunct="1">
       <a:defRPr sz="1800" kern="1200">
         <a:solidFill>
           <a:schemeClr val="tx1"/>
@@ -75,7 +79,7 @@
         <a:cs typeface="+mn-cs"/>
       </a:defRPr>
     </a:lvl6pPr>
-    <a:lvl7pPr marL="2743200" algn="l" defTabSz="914400" rtl="0" eaLnBrk="1" latinLnBrk="0" hangingPunct="1">
+    <a:lvl7pPr marL="2742926" algn="l" defTabSz="914309" rtl="0" eaLnBrk="1" latinLnBrk="0" hangingPunct="1">
       <a:defRPr sz="1800" kern="1200">
         <a:solidFill>
           <a:schemeClr val="tx1"/>
@@ -85,7 +89,7 @@
         <a:cs typeface="+mn-cs"/>
       </a:defRPr>
     </a:lvl7pPr>
-    <a:lvl8pPr marL="3200400" algn="l" defTabSz="914400" rtl="0" eaLnBrk="1" latinLnBrk="0" hangingPunct="1">
+    <a:lvl8pPr marL="3200080" algn="l" defTabSz="914309" rtl="0" eaLnBrk="1" latinLnBrk="0" hangingPunct="1">
       <a:defRPr sz="1800" kern="1200">
         <a:solidFill>
           <a:schemeClr val="tx1"/>
@@ -95,7 +99,7 @@
         <a:cs typeface="+mn-cs"/>
       </a:defRPr>
     </a:lvl8pPr>
-    <a:lvl9pPr marL="3657600" algn="l" defTabSz="914400" rtl="0" eaLnBrk="1" latinLnBrk="0" hangingPunct="1">
+    <a:lvl9pPr marL="3657234" algn="l" defTabSz="914309" rtl="0" eaLnBrk="1" latinLnBrk="0" hangingPunct="1">
       <a:defRPr sz="1800" kern="1200">
         <a:solidFill>
           <a:schemeClr val="tx1"/>
@@ -138,7 +142,7 @@
         </p:nvSpPr>
         <p:spPr>
           <a:xfrm>
-            <a:off x="685800" y="2130425"/>
+            <a:off x="685800" y="2130426"/>
             <a:ext cx="7772400" cy="1470025"/>
           </a:xfrm>
         </p:spPr>
@@ -183,7 +187,7 @@
                 </a:solidFill>
               </a:defRPr>
             </a:lvl1pPr>
-            <a:lvl2pPr marL="457200" indent="0" algn="ctr">
+            <a:lvl2pPr marL="457154" indent="0" algn="ctr">
               <a:buNone/>
               <a:defRPr>
                 <a:solidFill>
@@ -193,7 +197,7 @@
                 </a:solidFill>
               </a:defRPr>
             </a:lvl2pPr>
-            <a:lvl3pPr marL="914400" indent="0" algn="ctr">
+            <a:lvl3pPr marL="914309" indent="0" algn="ctr">
               <a:buNone/>
               <a:defRPr>
                 <a:solidFill>
@@ -203,7 +207,7 @@
                 </a:solidFill>
               </a:defRPr>
             </a:lvl3pPr>
-            <a:lvl4pPr marL="1371600" indent="0" algn="ctr">
+            <a:lvl4pPr marL="1371463" indent="0" algn="ctr">
               <a:buNone/>
               <a:defRPr>
                 <a:solidFill>
@@ -213,7 +217,7 @@
                 </a:solidFill>
               </a:defRPr>
             </a:lvl4pPr>
-            <a:lvl5pPr marL="1828800" indent="0" algn="ctr">
+            <a:lvl5pPr marL="1828617" indent="0" algn="ctr">
               <a:buNone/>
               <a:defRPr>
                 <a:solidFill>
@@ -223,7 +227,7 @@
                 </a:solidFill>
               </a:defRPr>
             </a:lvl5pPr>
-            <a:lvl6pPr marL="2286000" indent="0" algn="ctr">
+            <a:lvl6pPr marL="2285771" indent="0" algn="ctr">
               <a:buNone/>
               <a:defRPr>
                 <a:solidFill>
@@ -233,7 +237,7 @@
                 </a:solidFill>
               </a:defRPr>
             </a:lvl6pPr>
-            <a:lvl7pPr marL="2743200" indent="0" algn="ctr">
+            <a:lvl7pPr marL="2742926" indent="0" algn="ctr">
               <a:buNone/>
               <a:defRPr>
                 <a:solidFill>
@@ -243,7 +247,7 @@
                 </a:solidFill>
               </a:defRPr>
             </a:lvl7pPr>
-            <a:lvl8pPr marL="3200400" indent="0" algn="ctr">
+            <a:lvl8pPr marL="3200080" indent="0" algn="ctr">
               <a:buNone/>
               <a:defRPr>
                 <a:solidFill>
@@ -253,7 +257,7 @@
                 </a:solidFill>
               </a:defRPr>
             </a:lvl8pPr>
-            <a:lvl9pPr marL="3657600" indent="0" algn="ctr">
+            <a:lvl9pPr marL="3657234" indent="0" algn="ctr">
               <a:buNone/>
               <a:defRPr>
                 <a:solidFill>
@@ -290,7 +294,7 @@
           <a:p>
             <a:fld id="{A364144B-B1E6-40FD-8ECD-0ED433C47FB7}" type="datetimeFigureOut">
               <a:rPr lang="en-GB" smtClean="0"/>
-              <a:t>23/03/2023</a:t>
+              <a:t>02/04/2023</a:t>
             </a:fld>
             <a:endParaRPr lang="en-GB"/>
           </a:p>
@@ -460,7 +464,7 @@
           <a:p>
             <a:fld id="{A364144B-B1E6-40FD-8ECD-0ED433C47FB7}" type="datetimeFigureOut">
               <a:rPr lang="en-GB" smtClean="0"/>
-              <a:t>23/03/2023</a:t>
+              <a:t>02/04/2023</a:t>
             </a:fld>
             <a:endParaRPr lang="en-GB"/>
           </a:p>
@@ -550,7 +554,7 @@
         </p:nvSpPr>
         <p:spPr>
           <a:xfrm>
-            <a:off x="6629400" y="274638"/>
+            <a:off x="6629400" y="274639"/>
             <a:ext cx="2057400" cy="5851525"/>
           </a:xfrm>
         </p:spPr>
@@ -578,7 +582,7 @@
         </p:nvSpPr>
         <p:spPr>
           <a:xfrm>
-            <a:off x="457200" y="274638"/>
+            <a:off x="457200" y="274639"/>
             <a:ext cx="6019800" cy="5851525"/>
           </a:xfrm>
         </p:spPr>
@@ -640,7 +644,7 @@
           <a:p>
             <a:fld id="{A364144B-B1E6-40FD-8ECD-0ED433C47FB7}" type="datetimeFigureOut">
               <a:rPr lang="en-GB" smtClean="0"/>
-              <a:t>23/03/2023</a:t>
+              <a:t>02/04/2023</a:t>
             </a:fld>
             <a:endParaRPr lang="en-GB"/>
           </a:p>
@@ -810,7 +814,7 @@
           <a:p>
             <a:fld id="{A364144B-B1E6-40FD-8ECD-0ED433C47FB7}" type="datetimeFigureOut">
               <a:rPr lang="en-GB" smtClean="0"/>
-              <a:t>23/03/2023</a:t>
+              <a:t>02/04/2023</a:t>
             </a:fld>
             <a:endParaRPr lang="en-GB"/>
           </a:p>
@@ -900,7 +904,7 @@
         </p:nvSpPr>
         <p:spPr>
           <a:xfrm>
-            <a:off x="722313" y="4406900"/>
+            <a:off x="722313" y="4406901"/>
             <a:ext cx="7772400" cy="1362075"/>
           </a:xfrm>
         </p:spPr>
@@ -932,7 +936,7 @@
         </p:nvSpPr>
         <p:spPr>
           <a:xfrm>
-            <a:off x="722313" y="2906713"/>
+            <a:off x="722313" y="2906714"/>
             <a:ext cx="7772400" cy="1500187"/>
           </a:xfrm>
         </p:spPr>
@@ -949,7 +953,7 @@
                 </a:solidFill>
               </a:defRPr>
             </a:lvl1pPr>
-            <a:lvl2pPr marL="457200" indent="0">
+            <a:lvl2pPr marL="457154" indent="0">
               <a:buNone/>
               <a:defRPr sz="1800">
                 <a:solidFill>
@@ -959,7 +963,7 @@
                 </a:solidFill>
               </a:defRPr>
             </a:lvl2pPr>
-            <a:lvl3pPr marL="914400" indent="0">
+            <a:lvl3pPr marL="914309" indent="0">
               <a:buNone/>
               <a:defRPr sz="1600">
                 <a:solidFill>
@@ -969,7 +973,7 @@
                 </a:solidFill>
               </a:defRPr>
             </a:lvl3pPr>
-            <a:lvl4pPr marL="1371600" indent="0">
+            <a:lvl4pPr marL="1371463" indent="0">
               <a:buNone/>
               <a:defRPr sz="1400">
                 <a:solidFill>
@@ -979,7 +983,7 @@
                 </a:solidFill>
               </a:defRPr>
             </a:lvl4pPr>
-            <a:lvl5pPr marL="1828800" indent="0">
+            <a:lvl5pPr marL="1828617" indent="0">
               <a:buNone/>
               <a:defRPr sz="1400">
                 <a:solidFill>
@@ -989,7 +993,7 @@
                 </a:solidFill>
               </a:defRPr>
             </a:lvl5pPr>
-            <a:lvl6pPr marL="2286000" indent="0">
+            <a:lvl6pPr marL="2285771" indent="0">
               <a:buNone/>
               <a:defRPr sz="1400">
                 <a:solidFill>
@@ -999,7 +1003,7 @@
                 </a:solidFill>
               </a:defRPr>
             </a:lvl6pPr>
-            <a:lvl7pPr marL="2743200" indent="0">
+            <a:lvl7pPr marL="2742926" indent="0">
               <a:buNone/>
               <a:defRPr sz="1400">
                 <a:solidFill>
@@ -1009,7 +1013,7 @@
                 </a:solidFill>
               </a:defRPr>
             </a:lvl7pPr>
-            <a:lvl8pPr marL="3200400" indent="0">
+            <a:lvl8pPr marL="3200080" indent="0">
               <a:buNone/>
               <a:defRPr sz="1400">
                 <a:solidFill>
@@ -1019,7 +1023,7 @@
                 </a:solidFill>
               </a:defRPr>
             </a:lvl8pPr>
-            <a:lvl9pPr marL="3657600" indent="0">
+            <a:lvl9pPr marL="3657234" indent="0">
               <a:buNone/>
               <a:defRPr sz="1400">
                 <a:solidFill>
@@ -1056,7 +1060,7 @@
           <a:p>
             <a:fld id="{A364144B-B1E6-40FD-8ECD-0ED433C47FB7}" type="datetimeFigureOut">
               <a:rPr lang="en-GB" smtClean="0"/>
-              <a:t>23/03/2023</a:t>
+              <a:t>02/04/2023</a:t>
             </a:fld>
             <a:endParaRPr lang="en-GB"/>
           </a:p>
@@ -1344,7 +1348,7 @@
           <a:p>
             <a:fld id="{A364144B-B1E6-40FD-8ECD-0ED433C47FB7}" type="datetimeFigureOut">
               <a:rPr lang="en-GB" smtClean="0"/>
-              <a:t>23/03/2023</a:t>
+              <a:t>02/04/2023</a:t>
             </a:fld>
             <a:endParaRPr lang="en-GB"/>
           </a:p>
@@ -1472,35 +1476,35 @@
               <a:buNone/>
               <a:defRPr sz="2400" b="1"/>
             </a:lvl1pPr>
-            <a:lvl2pPr marL="457200" indent="0">
+            <a:lvl2pPr marL="457154" indent="0">
               <a:buNone/>
               <a:defRPr sz="2000" b="1"/>
             </a:lvl2pPr>
-            <a:lvl3pPr marL="914400" indent="0">
+            <a:lvl3pPr marL="914309" indent="0">
               <a:buNone/>
               <a:defRPr sz="1800" b="1"/>
             </a:lvl3pPr>
-            <a:lvl4pPr marL="1371600" indent="0">
+            <a:lvl4pPr marL="1371463" indent="0">
               <a:buNone/>
               <a:defRPr sz="1600" b="1"/>
             </a:lvl4pPr>
-            <a:lvl5pPr marL="1828800" indent="0">
+            <a:lvl5pPr marL="1828617" indent="0">
               <a:buNone/>
               <a:defRPr sz="1600" b="1"/>
             </a:lvl5pPr>
-            <a:lvl6pPr marL="2286000" indent="0">
+            <a:lvl6pPr marL="2285771" indent="0">
               <a:buNone/>
               <a:defRPr sz="1600" b="1"/>
             </a:lvl6pPr>
-            <a:lvl7pPr marL="2743200" indent="0">
+            <a:lvl7pPr marL="2742926" indent="0">
               <a:buNone/>
               <a:defRPr sz="1600" b="1"/>
             </a:lvl7pPr>
-            <a:lvl8pPr marL="3200400" indent="0">
+            <a:lvl8pPr marL="3200080" indent="0">
               <a:buNone/>
               <a:defRPr sz="1600" b="1"/>
             </a:lvl8pPr>
-            <a:lvl9pPr marL="3657600" indent="0">
+            <a:lvl9pPr marL="3657234" indent="0">
               <a:buNone/>
               <a:defRPr sz="1600" b="1"/>
             </a:lvl9pPr>
@@ -1611,7 +1615,7 @@
         </p:nvSpPr>
         <p:spPr>
           <a:xfrm>
-            <a:off x="4645025" y="1535113"/>
+            <a:off x="4645026" y="1535113"/>
             <a:ext cx="4041775" cy="639762"/>
           </a:xfrm>
         </p:spPr>
@@ -1622,35 +1626,35 @@
               <a:buNone/>
               <a:defRPr sz="2400" b="1"/>
             </a:lvl1pPr>
-            <a:lvl2pPr marL="457200" indent="0">
+            <a:lvl2pPr marL="457154" indent="0">
               <a:buNone/>
               <a:defRPr sz="2000" b="1"/>
             </a:lvl2pPr>
-            <a:lvl3pPr marL="914400" indent="0">
+            <a:lvl3pPr marL="914309" indent="0">
               <a:buNone/>
               <a:defRPr sz="1800" b="1"/>
             </a:lvl3pPr>
-            <a:lvl4pPr marL="1371600" indent="0">
+            <a:lvl4pPr marL="1371463" indent="0">
               <a:buNone/>
               <a:defRPr sz="1600" b="1"/>
             </a:lvl4pPr>
-            <a:lvl5pPr marL="1828800" indent="0">
+            <a:lvl5pPr marL="1828617" indent="0">
               <a:buNone/>
               <a:defRPr sz="1600" b="1"/>
             </a:lvl5pPr>
-            <a:lvl6pPr marL="2286000" indent="0">
+            <a:lvl6pPr marL="2285771" indent="0">
               <a:buNone/>
               <a:defRPr sz="1600" b="1"/>
             </a:lvl6pPr>
-            <a:lvl7pPr marL="2743200" indent="0">
+            <a:lvl7pPr marL="2742926" indent="0">
               <a:buNone/>
               <a:defRPr sz="1600" b="1"/>
             </a:lvl7pPr>
-            <a:lvl8pPr marL="3200400" indent="0">
+            <a:lvl8pPr marL="3200080" indent="0">
               <a:buNone/>
               <a:defRPr sz="1600" b="1"/>
             </a:lvl8pPr>
-            <a:lvl9pPr marL="3657600" indent="0">
+            <a:lvl9pPr marL="3657234" indent="0">
               <a:buNone/>
               <a:defRPr sz="1600" b="1"/>
             </a:lvl9pPr>
@@ -1676,7 +1680,7 @@
         </p:nvSpPr>
         <p:spPr>
           <a:xfrm>
-            <a:off x="4645025" y="2174875"/>
+            <a:off x="4645026" y="2174875"/>
             <a:ext cx="4041775" cy="3951288"/>
           </a:xfrm>
         </p:spPr>
@@ -1766,7 +1770,7 @@
           <a:p>
             <a:fld id="{A364144B-B1E6-40FD-8ECD-0ED433C47FB7}" type="datetimeFigureOut">
               <a:rPr lang="en-GB" smtClean="0"/>
-              <a:t>23/03/2023</a:t>
+              <a:t>02/04/2023</a:t>
             </a:fld>
             <a:endParaRPr lang="en-GB"/>
           </a:p>
@@ -1884,7 +1888,7 @@
           <a:p>
             <a:fld id="{A364144B-B1E6-40FD-8ECD-0ED433C47FB7}" type="datetimeFigureOut">
               <a:rPr lang="en-GB" smtClean="0"/>
-              <a:t>23/03/2023</a:t>
+              <a:t>02/04/2023</a:t>
             </a:fld>
             <a:endParaRPr lang="en-GB"/>
           </a:p>
@@ -1979,7 +1983,7 @@
           <a:p>
             <a:fld id="{A364144B-B1E6-40FD-8ECD-0ED433C47FB7}" type="datetimeFigureOut">
               <a:rPr lang="en-GB" smtClean="0"/>
-              <a:t>23/03/2023</a:t>
+              <a:t>02/04/2023</a:t>
             </a:fld>
             <a:endParaRPr lang="en-GB"/>
           </a:p>
@@ -2069,7 +2073,7 @@
         </p:nvSpPr>
         <p:spPr>
           <a:xfrm>
-            <a:off x="457200" y="273050"/>
+            <a:off x="457201" y="273050"/>
             <a:ext cx="3008313" cy="1162050"/>
           </a:xfrm>
         </p:spPr>
@@ -2101,7 +2105,7 @@
         </p:nvSpPr>
         <p:spPr>
           <a:xfrm>
-            <a:off x="3575050" y="273050"/>
+            <a:off x="3575050" y="273051"/>
             <a:ext cx="5111750" cy="5853113"/>
           </a:xfrm>
         </p:spPr>
@@ -2186,7 +2190,7 @@
         </p:nvSpPr>
         <p:spPr>
           <a:xfrm>
-            <a:off x="457200" y="1435100"/>
+            <a:off x="457201" y="1435100"/>
             <a:ext cx="3008313" cy="4691063"/>
           </a:xfrm>
         </p:spPr>
@@ -2197,35 +2201,35 @@
               <a:buNone/>
               <a:defRPr sz="1400"/>
             </a:lvl1pPr>
-            <a:lvl2pPr marL="457200" indent="0">
+            <a:lvl2pPr marL="457154" indent="0">
               <a:buNone/>
               <a:defRPr sz="1200"/>
             </a:lvl2pPr>
-            <a:lvl3pPr marL="914400" indent="0">
+            <a:lvl3pPr marL="914309" indent="0">
               <a:buNone/>
               <a:defRPr sz="1000"/>
             </a:lvl3pPr>
-            <a:lvl4pPr marL="1371600" indent="0">
+            <a:lvl4pPr marL="1371463" indent="0">
               <a:buNone/>
               <a:defRPr sz="900"/>
             </a:lvl4pPr>
-            <a:lvl5pPr marL="1828800" indent="0">
+            <a:lvl5pPr marL="1828617" indent="0">
               <a:buNone/>
               <a:defRPr sz="900"/>
             </a:lvl5pPr>
-            <a:lvl6pPr marL="2286000" indent="0">
+            <a:lvl6pPr marL="2285771" indent="0">
               <a:buNone/>
               <a:defRPr sz="900"/>
             </a:lvl6pPr>
-            <a:lvl7pPr marL="2743200" indent="0">
+            <a:lvl7pPr marL="2742926" indent="0">
               <a:buNone/>
               <a:defRPr sz="900"/>
             </a:lvl7pPr>
-            <a:lvl8pPr marL="3200400" indent="0">
+            <a:lvl8pPr marL="3200080" indent="0">
               <a:buNone/>
               <a:defRPr sz="900"/>
             </a:lvl8pPr>
-            <a:lvl9pPr marL="3657600" indent="0">
+            <a:lvl9pPr marL="3657234" indent="0">
               <a:buNone/>
               <a:defRPr sz="900"/>
             </a:lvl9pPr>
@@ -2256,7 +2260,7 @@
           <a:p>
             <a:fld id="{A364144B-B1E6-40FD-8ECD-0ED433C47FB7}" type="datetimeFigureOut">
               <a:rPr lang="en-GB" smtClean="0"/>
-              <a:t>23/03/2023</a:t>
+              <a:t>02/04/2023</a:t>
             </a:fld>
             <a:endParaRPr lang="en-GB"/>
           </a:p>
@@ -2389,35 +2393,35 @@
               <a:buNone/>
               <a:defRPr sz="3200"/>
             </a:lvl1pPr>
-            <a:lvl2pPr marL="457200" indent="0">
+            <a:lvl2pPr marL="457154" indent="0">
               <a:buNone/>
               <a:defRPr sz="2800"/>
             </a:lvl2pPr>
-            <a:lvl3pPr marL="914400" indent="0">
+            <a:lvl3pPr marL="914309" indent="0">
               <a:buNone/>
               <a:defRPr sz="2400"/>
             </a:lvl3pPr>
-            <a:lvl4pPr marL="1371600" indent="0">
+            <a:lvl4pPr marL="1371463" indent="0">
               <a:buNone/>
               <a:defRPr sz="2000"/>
             </a:lvl4pPr>
-            <a:lvl5pPr marL="1828800" indent="0">
+            <a:lvl5pPr marL="1828617" indent="0">
               <a:buNone/>
               <a:defRPr sz="2000"/>
             </a:lvl5pPr>
-            <a:lvl6pPr marL="2286000" indent="0">
+            <a:lvl6pPr marL="2285771" indent="0">
               <a:buNone/>
               <a:defRPr sz="2000"/>
             </a:lvl6pPr>
-            <a:lvl7pPr marL="2743200" indent="0">
+            <a:lvl7pPr marL="2742926" indent="0">
               <a:buNone/>
               <a:defRPr sz="2000"/>
             </a:lvl7pPr>
-            <a:lvl8pPr marL="3200400" indent="0">
+            <a:lvl8pPr marL="3200080" indent="0">
               <a:buNone/>
               <a:defRPr sz="2000"/>
             </a:lvl8pPr>
-            <a:lvl9pPr marL="3657600" indent="0">
+            <a:lvl9pPr marL="3657234" indent="0">
               <a:buNone/>
               <a:defRPr sz="2000"/>
             </a:lvl9pPr>
@@ -2450,35 +2454,35 @@
               <a:buNone/>
               <a:defRPr sz="1400"/>
             </a:lvl1pPr>
-            <a:lvl2pPr marL="457200" indent="0">
+            <a:lvl2pPr marL="457154" indent="0">
               <a:buNone/>
               <a:defRPr sz="1200"/>
             </a:lvl2pPr>
-            <a:lvl3pPr marL="914400" indent="0">
+            <a:lvl3pPr marL="914309" indent="0">
               <a:buNone/>
               <a:defRPr sz="1000"/>
             </a:lvl3pPr>
-            <a:lvl4pPr marL="1371600" indent="0">
+            <a:lvl4pPr marL="1371463" indent="0">
               <a:buNone/>
               <a:defRPr sz="900"/>
             </a:lvl4pPr>
-            <a:lvl5pPr marL="1828800" indent="0">
+            <a:lvl5pPr marL="1828617" indent="0">
               <a:buNone/>
               <a:defRPr sz="900"/>
             </a:lvl5pPr>
-            <a:lvl6pPr marL="2286000" indent="0">
+            <a:lvl6pPr marL="2285771" indent="0">
               <a:buNone/>
               <a:defRPr sz="900"/>
             </a:lvl6pPr>
-            <a:lvl7pPr marL="2743200" indent="0">
+            <a:lvl7pPr marL="2742926" indent="0">
               <a:buNone/>
               <a:defRPr sz="900"/>
             </a:lvl7pPr>
-            <a:lvl8pPr marL="3200400" indent="0">
+            <a:lvl8pPr marL="3200080" indent="0">
               <a:buNone/>
               <a:defRPr sz="900"/>
             </a:lvl8pPr>
-            <a:lvl9pPr marL="3657600" indent="0">
+            <a:lvl9pPr marL="3657234" indent="0">
               <a:buNone/>
               <a:defRPr sz="900"/>
             </a:lvl9pPr>
@@ -2509,7 +2513,7 @@
           <a:p>
             <a:fld id="{A364144B-B1E6-40FD-8ECD-0ED433C47FB7}" type="datetimeFigureOut">
               <a:rPr lang="en-GB" smtClean="0"/>
-              <a:t>23/03/2023</a:t>
+              <a:t>02/04/2023</a:t>
             </a:fld>
             <a:endParaRPr lang="en-GB"/>
           </a:p>
@@ -2612,7 +2616,7 @@
           </a:prstGeom>
         </p:spPr>
         <p:txBody>
-          <a:bodyPr vert="horz" lIns="91440" tIns="45720" rIns="91440" bIns="45720" rtlCol="0" anchor="ctr">
+          <a:bodyPr vert="horz" lIns="91431" tIns="45715" rIns="91431" bIns="45715" rtlCol="0" anchor="ctr">
             <a:normAutofit/>
           </a:bodyPr>
           <a:lstStyle/>
@@ -2645,7 +2649,7 @@
           </a:prstGeom>
         </p:spPr>
         <p:txBody>
-          <a:bodyPr vert="horz" lIns="91440" tIns="45720" rIns="91440" bIns="45720" rtlCol="0">
+          <a:bodyPr vert="horz" lIns="91431" tIns="45715" rIns="91431" bIns="45715" rtlCol="0">
             <a:normAutofit/>
           </a:bodyPr>
           <a:lstStyle/>
@@ -2699,7 +2703,7 @@
         </p:nvSpPr>
         <p:spPr>
           <a:xfrm>
-            <a:off x="457200" y="6356350"/>
+            <a:off x="457200" y="6356351"/>
             <a:ext cx="2133600" cy="365125"/>
           </a:xfrm>
           <a:prstGeom prst="rect">
@@ -2707,7 +2711,7 @@
           </a:prstGeom>
         </p:spPr>
         <p:txBody>
-          <a:bodyPr vert="horz" lIns="91440" tIns="45720" rIns="91440" bIns="45720" rtlCol="0" anchor="ctr"/>
+          <a:bodyPr vert="horz" lIns="91431" tIns="45715" rIns="91431" bIns="45715" rtlCol="0" anchor="ctr"/>
           <a:lstStyle>
             <a:lvl1pPr algn="l">
               <a:defRPr sz="1200">
@@ -2722,7 +2726,7 @@
           <a:p>
             <a:fld id="{A364144B-B1E6-40FD-8ECD-0ED433C47FB7}" type="datetimeFigureOut">
               <a:rPr lang="en-GB" smtClean="0"/>
-              <a:t>23/03/2023</a:t>
+              <a:t>02/04/2023</a:t>
             </a:fld>
             <a:endParaRPr lang="en-GB"/>
           </a:p>
@@ -2740,7 +2744,7 @@
         </p:nvSpPr>
         <p:spPr>
           <a:xfrm>
-            <a:off x="3124200" y="6356350"/>
+            <a:off x="3124200" y="6356351"/>
             <a:ext cx="2895600" cy="365125"/>
           </a:xfrm>
           <a:prstGeom prst="rect">
@@ -2748,7 +2752,7 @@
           </a:prstGeom>
         </p:spPr>
         <p:txBody>
-          <a:bodyPr vert="horz" lIns="91440" tIns="45720" rIns="91440" bIns="45720" rtlCol="0" anchor="ctr"/>
+          <a:bodyPr vert="horz" lIns="91431" tIns="45715" rIns="91431" bIns="45715" rtlCol="0" anchor="ctr"/>
           <a:lstStyle>
             <a:lvl1pPr algn="ctr">
               <a:defRPr sz="1200">
@@ -2777,7 +2781,7 @@
         </p:nvSpPr>
         <p:spPr>
           <a:xfrm>
-            <a:off x="6553200" y="6356350"/>
+            <a:off x="6553200" y="6356351"/>
             <a:ext cx="2133600" cy="365125"/>
           </a:xfrm>
           <a:prstGeom prst="rect">
@@ -2785,7 +2789,7 @@
           </a:prstGeom>
         </p:spPr>
         <p:txBody>
-          <a:bodyPr vert="horz" lIns="91440" tIns="45720" rIns="91440" bIns="45720" rtlCol="0" anchor="ctr"/>
+          <a:bodyPr vert="horz" lIns="91431" tIns="45715" rIns="91431" bIns="45715" rtlCol="0" anchor="ctr"/>
           <a:lstStyle>
             <a:lvl1pPr algn="r">
               <a:defRPr sz="1200">
@@ -2829,7 +2833,7 @@
   </p:sldLayoutIdLst>
   <p:txStyles>
     <p:titleStyle>
-      <a:lvl1pPr algn="ctr" defTabSz="914400" rtl="0" eaLnBrk="1" latinLnBrk="0" hangingPunct="1">
+      <a:lvl1pPr algn="ctr" defTabSz="914309" rtl="0" eaLnBrk="1" latinLnBrk="0" hangingPunct="1">
         <a:spcBef>
           <a:spcPct val="0"/>
         </a:spcBef>
@@ -2845,7 +2849,7 @@
       </a:lvl1pPr>
     </p:titleStyle>
     <p:bodyStyle>
-      <a:lvl1pPr marL="342900" indent="-342900" algn="l" defTabSz="914400" rtl="0" eaLnBrk="1" latinLnBrk="0" hangingPunct="1">
+      <a:lvl1pPr marL="342866" indent="-342866" algn="l" defTabSz="914309" rtl="0" eaLnBrk="1" latinLnBrk="0" hangingPunct="1">
         <a:spcBef>
           <a:spcPct val="20000"/>
         </a:spcBef>
@@ -2860,7 +2864,7 @@
           <a:cs typeface="+mn-cs"/>
         </a:defRPr>
       </a:lvl1pPr>
-      <a:lvl2pPr marL="742950" indent="-285750" algn="l" defTabSz="914400" rtl="0" eaLnBrk="1" latinLnBrk="0" hangingPunct="1">
+      <a:lvl2pPr marL="742876" indent="-285721" algn="l" defTabSz="914309" rtl="0" eaLnBrk="1" latinLnBrk="0" hangingPunct="1">
         <a:spcBef>
           <a:spcPct val="20000"/>
         </a:spcBef>
@@ -2875,7 +2879,7 @@
           <a:cs typeface="+mn-cs"/>
         </a:defRPr>
       </a:lvl2pPr>
-      <a:lvl3pPr marL="1143000" indent="-228600" algn="l" defTabSz="914400" rtl="0" eaLnBrk="1" latinLnBrk="0" hangingPunct="1">
+      <a:lvl3pPr marL="1142886" indent="-228577" algn="l" defTabSz="914309" rtl="0" eaLnBrk="1" latinLnBrk="0" hangingPunct="1">
         <a:spcBef>
           <a:spcPct val="20000"/>
         </a:spcBef>
@@ -2890,7 +2894,7 @@
           <a:cs typeface="+mn-cs"/>
         </a:defRPr>
       </a:lvl3pPr>
-      <a:lvl4pPr marL="1600200" indent="-228600" algn="l" defTabSz="914400" rtl="0" eaLnBrk="1" latinLnBrk="0" hangingPunct="1">
+      <a:lvl4pPr marL="1600040" indent="-228577" algn="l" defTabSz="914309" rtl="0" eaLnBrk="1" latinLnBrk="0" hangingPunct="1">
         <a:spcBef>
           <a:spcPct val="20000"/>
         </a:spcBef>
@@ -2905,7 +2909,7 @@
           <a:cs typeface="+mn-cs"/>
         </a:defRPr>
       </a:lvl4pPr>
-      <a:lvl5pPr marL="2057400" indent="-228600" algn="l" defTabSz="914400" rtl="0" eaLnBrk="1" latinLnBrk="0" hangingPunct="1">
+      <a:lvl5pPr marL="2057194" indent="-228577" algn="l" defTabSz="914309" rtl="0" eaLnBrk="1" latinLnBrk="0" hangingPunct="1">
         <a:spcBef>
           <a:spcPct val="20000"/>
         </a:spcBef>
@@ -2920,7 +2924,7 @@
           <a:cs typeface="+mn-cs"/>
         </a:defRPr>
       </a:lvl5pPr>
-      <a:lvl6pPr marL="2514600" indent="-228600" algn="l" defTabSz="914400" rtl="0" eaLnBrk="1" latinLnBrk="0" hangingPunct="1">
+      <a:lvl6pPr marL="2514349" indent="-228577" algn="l" defTabSz="914309" rtl="0" eaLnBrk="1" latinLnBrk="0" hangingPunct="1">
         <a:spcBef>
           <a:spcPct val="20000"/>
         </a:spcBef>
@@ -2935,7 +2939,7 @@
           <a:cs typeface="+mn-cs"/>
         </a:defRPr>
       </a:lvl6pPr>
-      <a:lvl7pPr marL="2971800" indent="-228600" algn="l" defTabSz="914400" rtl="0" eaLnBrk="1" latinLnBrk="0" hangingPunct="1">
+      <a:lvl7pPr marL="2971503" indent="-228577" algn="l" defTabSz="914309" rtl="0" eaLnBrk="1" latinLnBrk="0" hangingPunct="1">
         <a:spcBef>
           <a:spcPct val="20000"/>
         </a:spcBef>
@@ -2950,7 +2954,7 @@
           <a:cs typeface="+mn-cs"/>
         </a:defRPr>
       </a:lvl7pPr>
-      <a:lvl8pPr marL="3429000" indent="-228600" algn="l" defTabSz="914400" rtl="0" eaLnBrk="1" latinLnBrk="0" hangingPunct="1">
+      <a:lvl8pPr marL="3428657" indent="-228577" algn="l" defTabSz="914309" rtl="0" eaLnBrk="1" latinLnBrk="0" hangingPunct="1">
         <a:spcBef>
           <a:spcPct val="20000"/>
         </a:spcBef>
@@ -2965,7 +2969,7 @@
           <a:cs typeface="+mn-cs"/>
         </a:defRPr>
       </a:lvl8pPr>
-      <a:lvl9pPr marL="3886200" indent="-228600" algn="l" defTabSz="914400" rtl="0" eaLnBrk="1" latinLnBrk="0" hangingPunct="1">
+      <a:lvl9pPr marL="3885811" indent="-228577" algn="l" defTabSz="914309" rtl="0" eaLnBrk="1" latinLnBrk="0" hangingPunct="1">
         <a:spcBef>
           <a:spcPct val="20000"/>
         </a:spcBef>
@@ -2985,7 +2989,7 @@
       <a:defPPr>
         <a:defRPr lang="en-US"/>
       </a:defPPr>
-      <a:lvl1pPr marL="0" algn="l" defTabSz="914400" rtl="0" eaLnBrk="1" latinLnBrk="0" hangingPunct="1">
+      <a:lvl1pPr marL="0" algn="l" defTabSz="914309" rtl="0" eaLnBrk="1" latinLnBrk="0" hangingPunct="1">
         <a:defRPr sz="1800" kern="1200">
           <a:solidFill>
             <a:schemeClr val="tx1"/>
@@ -2995,7 +2999,7 @@
           <a:cs typeface="+mn-cs"/>
         </a:defRPr>
       </a:lvl1pPr>
-      <a:lvl2pPr marL="457200" algn="l" defTabSz="914400" rtl="0" eaLnBrk="1" latinLnBrk="0" hangingPunct="1">
+      <a:lvl2pPr marL="457154" algn="l" defTabSz="914309" rtl="0" eaLnBrk="1" latinLnBrk="0" hangingPunct="1">
         <a:defRPr sz="1800" kern="1200">
           <a:solidFill>
             <a:schemeClr val="tx1"/>
@@ -3005,7 +3009,7 @@
           <a:cs typeface="+mn-cs"/>
         </a:defRPr>
       </a:lvl2pPr>
-      <a:lvl3pPr marL="914400" algn="l" defTabSz="914400" rtl="0" eaLnBrk="1" latinLnBrk="0" hangingPunct="1">
+      <a:lvl3pPr marL="914309" algn="l" defTabSz="914309" rtl="0" eaLnBrk="1" latinLnBrk="0" hangingPunct="1">
         <a:defRPr sz="1800" kern="1200">
           <a:solidFill>
             <a:schemeClr val="tx1"/>
@@ -3015,7 +3019,7 @@
           <a:cs typeface="+mn-cs"/>
         </a:defRPr>
       </a:lvl3pPr>
-      <a:lvl4pPr marL="1371600" algn="l" defTabSz="914400" rtl="0" eaLnBrk="1" latinLnBrk="0" hangingPunct="1">
+      <a:lvl4pPr marL="1371463" algn="l" defTabSz="914309" rtl="0" eaLnBrk="1" latinLnBrk="0" hangingPunct="1">
         <a:defRPr sz="1800" kern="1200">
           <a:solidFill>
             <a:schemeClr val="tx1"/>
@@ -3025,7 +3029,7 @@
           <a:cs typeface="+mn-cs"/>
         </a:defRPr>
       </a:lvl4pPr>
-      <a:lvl5pPr marL="1828800" algn="l" defTabSz="914400" rtl="0" eaLnBrk="1" latinLnBrk="0" hangingPunct="1">
+      <a:lvl5pPr marL="1828617" algn="l" defTabSz="914309" rtl="0" eaLnBrk="1" latinLnBrk="0" hangingPunct="1">
         <a:defRPr sz="1800" kern="1200">
           <a:solidFill>
             <a:schemeClr val="tx1"/>
@@ -3035,7 +3039,7 @@
           <a:cs typeface="+mn-cs"/>
         </a:defRPr>
       </a:lvl5pPr>
-      <a:lvl6pPr marL="2286000" algn="l" defTabSz="914400" rtl="0" eaLnBrk="1" latinLnBrk="0" hangingPunct="1">
+      <a:lvl6pPr marL="2285771" algn="l" defTabSz="914309" rtl="0" eaLnBrk="1" latinLnBrk="0" hangingPunct="1">
         <a:defRPr sz="1800" kern="1200">
           <a:solidFill>
             <a:schemeClr val="tx1"/>
@@ -3045,7 +3049,7 @@
           <a:cs typeface="+mn-cs"/>
         </a:defRPr>
       </a:lvl6pPr>
-      <a:lvl7pPr marL="2743200" algn="l" defTabSz="914400" rtl="0" eaLnBrk="1" latinLnBrk="0" hangingPunct="1">
+      <a:lvl7pPr marL="2742926" algn="l" defTabSz="914309" rtl="0" eaLnBrk="1" latinLnBrk="0" hangingPunct="1">
         <a:defRPr sz="1800" kern="1200">
           <a:solidFill>
             <a:schemeClr val="tx1"/>
@@ -3055,7 +3059,7 @@
           <a:cs typeface="+mn-cs"/>
         </a:defRPr>
       </a:lvl7pPr>
-      <a:lvl8pPr marL="3200400" algn="l" defTabSz="914400" rtl="0" eaLnBrk="1" latinLnBrk="0" hangingPunct="1">
+      <a:lvl8pPr marL="3200080" algn="l" defTabSz="914309" rtl="0" eaLnBrk="1" latinLnBrk="0" hangingPunct="1">
         <a:defRPr sz="1800" kern="1200">
           <a:solidFill>
             <a:schemeClr val="tx1"/>
@@ -3065,7 +3069,7 @@
           <a:cs typeface="+mn-cs"/>
         </a:defRPr>
       </a:lvl8pPr>
-      <a:lvl9pPr marL="3657600" algn="l" defTabSz="914400" rtl="0" eaLnBrk="1" latinLnBrk="0" hangingPunct="1">
+      <a:lvl9pPr marL="3657234" algn="l" defTabSz="914309" rtl="0" eaLnBrk="1" latinLnBrk="0" hangingPunct="1">
         <a:defRPr sz="1800" kern="1200">
           <a:solidFill>
             <a:schemeClr val="tx1"/>
@@ -3140,7 +3144,7 @@
           </a:fontRef>
         </p:style>
         <p:txBody>
-          <a:bodyPr rot="0" spcFirstLastPara="0" vertOverflow="overflow" horzOverflow="overflow" vert="horz" wrap="square" lIns="91440" tIns="45720" rIns="91440" bIns="45720" numCol="1" spcCol="0" rtlCol="0" fromWordArt="0" anchor="ctr" anchorCtr="0" forceAA="0" compatLnSpc="1">
+          <a:bodyPr rot="0" spcFirstLastPara="0" vertOverflow="overflow" horzOverflow="overflow" vert="horz" wrap="square" lIns="91431" tIns="45715" rIns="91431" bIns="45715" numCol="1" spcCol="0" rtlCol="0" fromWordArt="0" anchor="ctr" anchorCtr="0" forceAA="0" compatLnSpc="1">
             <a:prstTxWarp prst="textNoShape">
               <a:avLst/>
             </a:prstTxWarp>
@@ -3197,7 +3201,7 @@
           </a:fontRef>
         </p:style>
         <p:txBody>
-          <a:bodyPr rtlCol="0" anchor="ctr"/>
+          <a:bodyPr lIns="91431" tIns="45715" rIns="91431" bIns="45715" rtlCol="0" anchor="ctr"/>
           <a:lstStyle/>
           <a:p>
             <a:pPr algn="ctr"/>
@@ -3256,33 +3260,25 @@
         </p:nvSpPr>
         <p:spPr>
           <a:xfrm>
-            <a:off x="2072701" y="692696"/>
-            <a:ext cx="1830246" cy="338554"/>
+            <a:off x="2072711" y="692696"/>
+            <a:ext cx="1830226" cy="338544"/>
           </a:xfrm>
           <a:prstGeom prst="rect">
             <a:avLst/>
           </a:prstGeom>
         </p:spPr>
         <p:txBody>
-          <a:bodyPr wrap="none">
+          <a:bodyPr wrap="none" lIns="91431" tIns="45715" rIns="91431" bIns="45715">
             <a:spAutoFit/>
           </a:bodyPr>
           <a:lstStyle/>
           <a:p>
             <a:pPr algn="ctr"/>
             <a:r>
-              <a:rPr lang="en-GB" sz="1600" dirty="0" smtClean="0">
-                <a:solidFill>
-                  <a:schemeClr val="tx1"/>
-                </a:solidFill>
-              </a:rPr>
+              <a:rPr lang="en-GB" sz="1600" dirty="0"/>
               <a:t>Shower Control Box</a:t>
             </a:r>
-            <a:endParaRPr lang="en-GB" sz="1600" dirty="0">
-              <a:solidFill>
-                <a:schemeClr val="tx1"/>
-              </a:solidFill>
-            </a:endParaRPr>
+            <a:endParaRPr lang="en-GB" sz="1600" dirty="0"/>
           </a:p>
         </p:txBody>
       </p:sp>
@@ -3326,7 +3322,7 @@
           </a:fontRef>
         </p:style>
         <p:txBody>
-          <a:bodyPr rot="0" spcFirstLastPara="0" vertOverflow="overflow" horzOverflow="overflow" vert="horz" wrap="square" lIns="91440" tIns="45720" rIns="91440" bIns="45720" numCol="1" spcCol="0" rtlCol="0" fromWordArt="0" anchor="ctr" anchorCtr="0" forceAA="0" compatLnSpc="1">
+          <a:bodyPr rot="0" spcFirstLastPara="0" vertOverflow="overflow" horzOverflow="overflow" vert="horz" wrap="square" lIns="91431" tIns="45715" rIns="91431" bIns="45715" numCol="1" spcCol="0" rtlCol="0" fromWordArt="0" anchor="ctr" anchorCtr="0" forceAA="0" compatLnSpc="1">
             <a:prstTxWarp prst="textNoShape">
               <a:avLst/>
             </a:prstTxWarp>
@@ -3336,7 +3332,7 @@
           <a:p>
             <a:pPr algn="ctr"/>
             <a:r>
-              <a:rPr lang="en-GB" sz="1200" dirty="0" smtClean="0">
+              <a:rPr lang="en-GB" sz="1200" dirty="0">
                 <a:solidFill>
                   <a:schemeClr val="tx1"/>
                 </a:solidFill>
@@ -3391,7 +3387,7 @@
           </a:fontRef>
         </p:style>
         <p:txBody>
-          <a:bodyPr rot="0" spcFirstLastPara="0" vertOverflow="overflow" horzOverflow="overflow" vert="horz" wrap="square" lIns="91440" tIns="45720" rIns="91440" bIns="45720" numCol="1" spcCol="0" rtlCol="0" fromWordArt="0" anchor="ctr" anchorCtr="0" forceAA="0" compatLnSpc="1">
+          <a:bodyPr rot="0" spcFirstLastPara="0" vertOverflow="overflow" horzOverflow="overflow" vert="horz" wrap="square" lIns="91431" tIns="45715" rIns="91431" bIns="45715" numCol="1" spcCol="0" rtlCol="0" fromWordArt="0" anchor="ctr" anchorCtr="0" forceAA="0" compatLnSpc="1">
             <a:prstTxWarp prst="textNoShape">
               <a:avLst/>
             </a:prstTxWarp>
@@ -3401,7 +3397,7 @@
           <a:p>
             <a:pPr algn="ctr"/>
             <a:r>
-              <a:rPr lang="en-GB" sz="1200" dirty="0" smtClean="0">
+              <a:rPr lang="en-GB" sz="1200" dirty="0">
                 <a:solidFill>
                   <a:schemeClr val="tx1"/>
                 </a:solidFill>
@@ -3456,7 +3452,7 @@
           </a:fontRef>
         </p:style>
         <p:txBody>
-          <a:bodyPr rot="0" spcFirstLastPara="0" vertOverflow="overflow" horzOverflow="overflow" vert="horz" wrap="square" lIns="91440" tIns="45720" rIns="91440" bIns="45720" numCol="1" spcCol="0" rtlCol="0" fromWordArt="0" anchor="ctr" anchorCtr="0" forceAA="0" compatLnSpc="1">
+          <a:bodyPr rot="0" spcFirstLastPara="0" vertOverflow="overflow" horzOverflow="overflow" vert="horz" wrap="square" lIns="91431" tIns="45715" rIns="91431" bIns="45715" numCol="1" spcCol="0" rtlCol="0" fromWordArt="0" anchor="ctr" anchorCtr="0" forceAA="0" compatLnSpc="1">
             <a:prstTxWarp prst="textNoShape">
               <a:avLst/>
             </a:prstTxWarp>
@@ -3466,7 +3462,7 @@
           <a:p>
             <a:pPr algn="ctr"/>
             <a:r>
-              <a:rPr lang="en-GB" sz="1200" dirty="0" smtClean="0">
+              <a:rPr lang="en-GB" sz="1200" dirty="0">
                 <a:solidFill>
                   <a:schemeClr val="tx1"/>
                 </a:solidFill>
@@ -3521,7 +3517,7 @@
           </a:fontRef>
         </p:style>
         <p:txBody>
-          <a:bodyPr rot="0" spcFirstLastPara="0" vertOverflow="overflow" horzOverflow="overflow" vert="horz" wrap="square" lIns="91440" tIns="45720" rIns="91440" bIns="45720" numCol="1" spcCol="0" rtlCol="0" fromWordArt="0" anchor="ctr" anchorCtr="0" forceAA="0" compatLnSpc="1">
+          <a:bodyPr rot="0" spcFirstLastPara="0" vertOverflow="overflow" horzOverflow="overflow" vert="horz" wrap="square" lIns="91431" tIns="45715" rIns="91431" bIns="45715" numCol="1" spcCol="0" rtlCol="0" fromWordArt="0" anchor="ctr" anchorCtr="0" forceAA="0" compatLnSpc="1">
             <a:prstTxWarp prst="textNoShape">
               <a:avLst/>
             </a:prstTxWarp>
@@ -3531,7 +3527,7 @@
           <a:p>
             <a:pPr algn="ctr"/>
             <a:r>
-              <a:rPr lang="en-GB" sz="1200" dirty="0" smtClean="0">
+              <a:rPr lang="en-GB" sz="1200" dirty="0">
                 <a:solidFill>
                   <a:schemeClr val="tx1"/>
                 </a:solidFill>
@@ -3555,7 +3551,7 @@
         <p:spPr>
           <a:xfrm>
             <a:off x="2081439" y="2636912"/>
-            <a:ext cx="1296144" cy="261610"/>
+            <a:ext cx="1296144" cy="261600"/>
           </a:xfrm>
           <a:prstGeom prst="rect">
             <a:avLst/>
@@ -3563,13 +3559,13 @@
           <a:noFill/>
         </p:spPr>
         <p:txBody>
-          <a:bodyPr wrap="square" rtlCol="0">
+          <a:bodyPr wrap="square" lIns="91431" tIns="45715" rIns="91431" bIns="45715" rtlCol="0">
             <a:spAutoFit/>
           </a:bodyPr>
           <a:lstStyle/>
           <a:p>
             <a:r>
-              <a:rPr lang="en-GB" sz="1100" dirty="0" smtClean="0"/>
+              <a:rPr lang="en-GB" sz="1100" dirty="0"/>
               <a:t>WiFi REST API</a:t>
             </a:r>
             <a:endParaRPr lang="en-GB" sz="1100" dirty="0"/>
@@ -3616,7 +3612,7 @@
           </a:fontRef>
         </p:style>
         <p:txBody>
-          <a:bodyPr rtlCol="0" anchor="ctr"/>
+          <a:bodyPr lIns="91431" tIns="45715" rIns="91431" bIns="45715" rtlCol="0" anchor="ctr"/>
           <a:lstStyle/>
           <a:p>
             <a:pPr algn="ctr"/>
@@ -3636,33 +3632,25 @@
         </p:nvSpPr>
         <p:spPr>
           <a:xfrm>
-            <a:off x="2429083" y="3367735"/>
-            <a:ext cx="1176925" cy="338554"/>
+            <a:off x="2429093" y="3367735"/>
+            <a:ext cx="1176906" cy="338544"/>
           </a:xfrm>
           <a:prstGeom prst="rect">
             <a:avLst/>
           </a:prstGeom>
         </p:spPr>
         <p:txBody>
-          <a:bodyPr wrap="none">
+          <a:bodyPr wrap="none" lIns="91431" tIns="45715" rIns="91431" bIns="45715">
             <a:spAutoFit/>
           </a:bodyPr>
           <a:lstStyle/>
           <a:p>
             <a:pPr algn="ctr"/>
             <a:r>
-              <a:rPr lang="en-GB" sz="1600" dirty="0" smtClean="0">
-                <a:solidFill>
-                  <a:schemeClr val="tx1"/>
-                </a:solidFill>
-              </a:rPr>
+              <a:rPr lang="en-GB" sz="1600" dirty="0"/>
               <a:t>Receive Box</a:t>
             </a:r>
-            <a:endParaRPr lang="en-GB" sz="1600" dirty="0">
-              <a:solidFill>
-                <a:schemeClr val="tx1"/>
-              </a:solidFill>
-            </a:endParaRPr>
+            <a:endParaRPr lang="en-GB" sz="1600" dirty="0"/>
           </a:p>
         </p:txBody>
       </p:sp>
@@ -3706,7 +3694,7 @@
           </a:fontRef>
         </p:style>
         <p:txBody>
-          <a:bodyPr rot="0" spcFirstLastPara="0" vertOverflow="overflow" horzOverflow="overflow" vert="horz" wrap="square" lIns="91440" tIns="45720" rIns="91440" bIns="45720" numCol="1" spcCol="0" rtlCol="0" fromWordArt="0" anchor="ctr" anchorCtr="0" forceAA="0" compatLnSpc="1">
+          <a:bodyPr rot="0" spcFirstLastPara="0" vertOverflow="overflow" horzOverflow="overflow" vert="horz" wrap="square" lIns="91431" tIns="45715" rIns="91431" bIns="45715" numCol="1" spcCol="0" rtlCol="0" fromWordArt="0" anchor="ctr" anchorCtr="0" forceAA="0" compatLnSpc="1">
             <a:prstTxWarp prst="textNoShape">
               <a:avLst/>
             </a:prstTxWarp>
@@ -3716,7 +3704,7 @@
           <a:p>
             <a:pPr algn="ctr"/>
             <a:r>
-              <a:rPr lang="en-GB" sz="1200" dirty="0" smtClean="0">
+              <a:rPr lang="en-GB" sz="1200" dirty="0">
                 <a:solidFill>
                   <a:schemeClr val="tx1"/>
                 </a:solidFill>
@@ -3771,7 +3759,7 @@
           </a:fontRef>
         </p:style>
         <p:txBody>
-          <a:bodyPr rot="0" spcFirstLastPara="0" vertOverflow="overflow" horzOverflow="overflow" vert="horz" wrap="square" lIns="91440" tIns="45720" rIns="91440" bIns="45720" numCol="1" spcCol="0" rtlCol="0" fromWordArt="0" anchor="ctr" anchorCtr="0" forceAA="0" compatLnSpc="1">
+          <a:bodyPr rot="0" spcFirstLastPara="0" vertOverflow="overflow" horzOverflow="overflow" vert="horz" wrap="square" lIns="91431" tIns="45715" rIns="91431" bIns="45715" numCol="1" spcCol="0" rtlCol="0" fromWordArt="0" anchor="ctr" anchorCtr="0" forceAA="0" compatLnSpc="1">
             <a:prstTxWarp prst="textNoShape">
               <a:avLst/>
             </a:prstTxWarp>
@@ -3781,7 +3769,7 @@
           <a:p>
             <a:pPr algn="ctr"/>
             <a:r>
-              <a:rPr lang="en-GB" sz="1200" dirty="0" smtClean="0">
+              <a:rPr lang="en-GB" sz="1200" dirty="0">
                 <a:solidFill>
                   <a:schemeClr val="tx1"/>
                 </a:solidFill>
@@ -3836,7 +3824,7 @@
           </a:fontRef>
         </p:style>
         <p:txBody>
-          <a:bodyPr rot="0" spcFirstLastPara="0" vertOverflow="overflow" horzOverflow="overflow" vert="horz" wrap="square" lIns="91440" tIns="45720" rIns="91440" bIns="45720" numCol="1" spcCol="0" rtlCol="0" fromWordArt="0" anchor="ctr" anchorCtr="0" forceAA="0" compatLnSpc="1">
+          <a:bodyPr rot="0" spcFirstLastPara="0" vertOverflow="overflow" horzOverflow="overflow" vert="horz" wrap="square" lIns="91431" tIns="45715" rIns="91431" bIns="45715" numCol="1" spcCol="0" rtlCol="0" fromWordArt="0" anchor="ctr" anchorCtr="0" forceAA="0" compatLnSpc="1">
             <a:prstTxWarp prst="textNoShape">
               <a:avLst/>
             </a:prstTxWarp>
@@ -3846,7 +3834,7 @@
           <a:p>
             <a:pPr algn="ctr"/>
             <a:r>
-              <a:rPr lang="en-GB" sz="1200" dirty="0" smtClean="0">
+              <a:rPr lang="en-GB" sz="1200" dirty="0">
                 <a:solidFill>
                   <a:schemeClr val="tx1"/>
                 </a:solidFill>
@@ -3901,7 +3889,7 @@
           </a:fontRef>
         </p:style>
         <p:txBody>
-          <a:bodyPr rot="0" spcFirstLastPara="0" vertOverflow="overflow" horzOverflow="overflow" vert="horz" wrap="square" lIns="91440" tIns="45720" rIns="91440" bIns="45720" numCol="1" spcCol="0" rtlCol="0" fromWordArt="0" anchor="ctr" anchorCtr="0" forceAA="0" compatLnSpc="1">
+          <a:bodyPr rot="0" spcFirstLastPara="0" vertOverflow="overflow" horzOverflow="overflow" vert="horz" wrap="square" lIns="91431" tIns="45715" rIns="91431" bIns="45715" numCol="1" spcCol="0" rtlCol="0" fromWordArt="0" anchor="ctr" anchorCtr="0" forceAA="0" compatLnSpc="1">
             <a:prstTxWarp prst="textNoShape">
               <a:avLst/>
             </a:prstTxWarp>
@@ -3911,7 +3899,7 @@
           <a:p>
             <a:pPr algn="ctr"/>
             <a:r>
-              <a:rPr lang="en-GB" sz="1200" dirty="0" smtClean="0">
+              <a:rPr lang="en-GB" sz="1200" dirty="0">
                 <a:solidFill>
                   <a:schemeClr val="tx1"/>
                 </a:solidFill>
@@ -3966,7 +3954,7 @@
           </a:fontRef>
         </p:style>
         <p:txBody>
-          <a:bodyPr rot="0" spcFirstLastPara="0" vertOverflow="overflow" horzOverflow="overflow" vert="horz" wrap="square" lIns="91440" tIns="45720" rIns="91440" bIns="45720" numCol="1" spcCol="0" rtlCol="0" fromWordArt="0" anchor="ctr" anchorCtr="0" forceAA="0" compatLnSpc="1">
+          <a:bodyPr rot="0" spcFirstLastPara="0" vertOverflow="overflow" horzOverflow="overflow" vert="horz" wrap="square" lIns="91431" tIns="45715" rIns="91431" bIns="45715" numCol="1" spcCol="0" rtlCol="0" fromWordArt="0" anchor="ctr" anchorCtr="0" forceAA="0" compatLnSpc="1">
             <a:prstTxWarp prst="textNoShape">
               <a:avLst/>
             </a:prstTxWarp>
@@ -3976,7 +3964,7 @@
           <a:p>
             <a:pPr algn="ctr"/>
             <a:r>
-              <a:rPr lang="en-GB" sz="1200" dirty="0" smtClean="0">
+              <a:rPr lang="en-GB" sz="1200" dirty="0">
                 <a:solidFill>
                   <a:schemeClr val="tx1"/>
                 </a:solidFill>
@@ -4000,7 +3988,7 @@
         <p:spPr>
           <a:xfrm>
             <a:off x="3014431" y="3068960"/>
-            <a:ext cx="1296144" cy="261610"/>
+            <a:ext cx="1296144" cy="261600"/>
           </a:xfrm>
           <a:prstGeom prst="rect">
             <a:avLst/>
@@ -4008,13 +3996,13 @@
           <a:noFill/>
         </p:spPr>
         <p:txBody>
-          <a:bodyPr wrap="square" rtlCol="0">
+          <a:bodyPr wrap="square" lIns="91431" tIns="45715" rIns="91431" bIns="45715" rtlCol="0">
             <a:spAutoFit/>
           </a:bodyPr>
           <a:lstStyle/>
           <a:p>
             <a:r>
-              <a:rPr lang="en-GB" sz="1100" dirty="0" smtClean="0"/>
+              <a:rPr lang="en-GB" sz="1100" dirty="0"/>
               <a:t>*x</a:t>
             </a:r>
             <a:endParaRPr lang="en-GB" sz="1100" dirty="0"/>
@@ -4032,7 +4020,7 @@
         </p:nvCxnSpPr>
         <p:spPr>
           <a:xfrm flipV="1">
-            <a:off x="3923928" y="1547791"/>
+            <a:off x="3923928" y="1547792"/>
             <a:ext cx="655911" cy="81009"/>
           </a:xfrm>
           <a:prstGeom prst="straightConnector1">
@@ -4069,33 +4057,25 @@
         </p:nvSpPr>
         <p:spPr>
           <a:xfrm>
-            <a:off x="5325645" y="971681"/>
-            <a:ext cx="1019831" cy="338554"/>
+            <a:off x="5325655" y="971681"/>
+            <a:ext cx="1019812" cy="338544"/>
           </a:xfrm>
           <a:prstGeom prst="rect">
             <a:avLst/>
           </a:prstGeom>
         </p:spPr>
         <p:txBody>
-          <a:bodyPr wrap="none">
+          <a:bodyPr wrap="none" lIns="91431" tIns="45715" rIns="91431" bIns="45715">
             <a:spAutoFit/>
           </a:bodyPr>
           <a:lstStyle/>
           <a:p>
             <a:pPr algn="ctr"/>
             <a:r>
-              <a:rPr lang="en-GB" sz="1600" smtClean="0">
-                <a:solidFill>
-                  <a:schemeClr val="tx1"/>
-                </a:solidFill>
-              </a:rPr>
+              <a:rPr lang="en-GB" sz="1600"/>
               <a:t>The Cloud</a:t>
             </a:r>
-            <a:endParaRPr lang="en-GB" sz="1600" dirty="0">
-              <a:solidFill>
-                <a:schemeClr val="tx1"/>
-              </a:solidFill>
-            </a:endParaRPr>
+            <a:endParaRPr lang="en-GB" sz="1600" dirty="0"/>
           </a:p>
         </p:txBody>
       </p:sp>
@@ -4139,7 +4119,7 @@
           </a:fontRef>
         </p:style>
         <p:txBody>
-          <a:bodyPr rot="0" spcFirstLastPara="0" vertOverflow="overflow" horzOverflow="overflow" vert="horz" wrap="square" lIns="91440" tIns="45720" rIns="91440" bIns="45720" numCol="1" spcCol="0" rtlCol="0" fromWordArt="0" anchor="ctr" anchorCtr="0" forceAA="0" compatLnSpc="1">
+          <a:bodyPr rot="0" spcFirstLastPara="0" vertOverflow="overflow" horzOverflow="overflow" vert="horz" wrap="square" lIns="91431" tIns="45715" rIns="91431" bIns="45715" numCol="1" spcCol="0" rtlCol="0" fromWordArt="0" anchor="ctr" anchorCtr="0" forceAA="0" compatLnSpc="1">
             <a:prstTxWarp prst="textNoShape">
               <a:avLst/>
             </a:prstTxWarp>
@@ -4149,7 +4129,7 @@
           <a:p>
             <a:pPr algn="ctr"/>
             <a:r>
-              <a:rPr lang="en-GB" sz="1200" dirty="0" smtClean="0">
+              <a:rPr lang="en-GB" sz="1200" dirty="0">
                 <a:solidFill>
                   <a:schemeClr val="tx1"/>
                 </a:solidFill>
@@ -4204,7 +4184,7 @@
           </a:fontRef>
         </p:style>
         <p:txBody>
-          <a:bodyPr rot="0" spcFirstLastPara="0" vertOverflow="overflow" horzOverflow="overflow" vert="horz" wrap="square" lIns="91440" tIns="45720" rIns="91440" bIns="45720" numCol="1" spcCol="0" rtlCol="0" fromWordArt="0" anchor="ctr" anchorCtr="0" forceAA="0" compatLnSpc="1">
+          <a:bodyPr rot="0" spcFirstLastPara="0" vertOverflow="overflow" horzOverflow="overflow" vert="horz" wrap="square" lIns="91431" tIns="45715" rIns="91431" bIns="45715" numCol="1" spcCol="0" rtlCol="0" fromWordArt="0" anchor="ctr" anchorCtr="0" forceAA="0" compatLnSpc="1">
             <a:prstTxWarp prst="textNoShape">
               <a:avLst/>
             </a:prstTxWarp>
@@ -4214,7 +4194,7 @@
           <a:p>
             <a:pPr algn="ctr"/>
             <a:r>
-              <a:rPr lang="en-GB" sz="1200" smtClean="0">
+              <a:rPr lang="en-GB" sz="1200">
                 <a:solidFill>
                   <a:schemeClr val="tx1"/>
                 </a:solidFill>
@@ -4342,12 +4322,12 @@
           </a:fontRef>
         </p:style>
         <p:txBody>
-          <a:bodyPr rtlCol="0" anchor="ctr"/>
+          <a:bodyPr lIns="91431" tIns="45715" rIns="91431" bIns="45715" rtlCol="0" anchor="ctr"/>
           <a:lstStyle/>
           <a:p>
             <a:pPr algn="ctr"/>
             <a:r>
-              <a:rPr lang="en-GB" sz="1000" dirty="0" smtClean="0">
+              <a:rPr lang="en-GB" sz="1000" dirty="0">
                 <a:solidFill>
                   <a:schemeClr val="tx1"/>
                 </a:solidFill>
@@ -4438,12 +4418,12 @@
           </a:fontRef>
         </p:style>
         <p:txBody>
-          <a:bodyPr rtlCol="0" anchor="ctr"/>
+          <a:bodyPr lIns="91431" tIns="45715" rIns="91431" bIns="45715" rtlCol="0" anchor="ctr"/>
           <a:lstStyle/>
           <a:p>
             <a:pPr algn="ctr"/>
             <a:r>
-              <a:rPr lang="en-GB" sz="1200" dirty="0" smtClean="0">
+              <a:rPr lang="en-GB" sz="1200" dirty="0">
                 <a:solidFill>
                   <a:schemeClr val="tx1"/>
                 </a:solidFill>
@@ -4466,7 +4446,7 @@
         </p:nvSpPr>
         <p:spPr>
           <a:xfrm rot="2700000">
-            <a:off x="2472997" y="600939"/>
+            <a:off x="2472998" y="600940"/>
             <a:ext cx="509173" cy="509173"/>
           </a:xfrm>
           <a:prstGeom prst="rect">
@@ -4498,7 +4478,7 @@
           </a:fontRef>
         </p:style>
         <p:txBody>
-          <a:bodyPr rtlCol="0" anchor="ctr"/>
+          <a:bodyPr lIns="91431" tIns="45715" rIns="91431" bIns="45715" rtlCol="0" anchor="ctr"/>
           <a:lstStyle/>
           <a:p>
             <a:pPr algn="ctr"/>
@@ -4518,8 +4498,8 @@
         </p:nvSpPr>
         <p:spPr>
           <a:xfrm>
-            <a:off x="2413319" y="687940"/>
-            <a:ext cx="674305" cy="276999"/>
+            <a:off x="2413319" y="687941"/>
+            <a:ext cx="674305" cy="276989"/>
           </a:xfrm>
           <a:prstGeom prst="rect">
             <a:avLst/>
@@ -4527,13 +4507,13 @@
           <a:noFill/>
         </p:spPr>
         <p:txBody>
-          <a:bodyPr wrap="square" rtlCol="0">
+          <a:bodyPr wrap="square" lIns="91431" tIns="45715" rIns="91431" bIns="45715" rtlCol="0">
             <a:spAutoFit/>
           </a:bodyPr>
           <a:lstStyle/>
           <a:p>
             <a:r>
-              <a:rPr lang="en-GB" sz="1200" dirty="0" smtClean="0"/>
+              <a:rPr lang="en-GB" sz="1200" dirty="0"/>
               <a:t>Joystick</a:t>
             </a:r>
             <a:endParaRPr lang="en-GB" sz="1200" dirty="0"/>
@@ -4548,7 +4528,7 @@
         </p:nvCxnSpPr>
         <p:spPr>
           <a:xfrm>
-            <a:off x="3087624" y="855525"/>
+            <a:off x="3087625" y="855525"/>
             <a:ext cx="576064" cy="0"/>
           </a:xfrm>
           <a:prstGeom prst="straightConnector1">
@@ -4584,8 +4564,8 @@
         </p:nvSpPr>
         <p:spPr>
           <a:xfrm>
-            <a:off x="3123628" y="625007"/>
-            <a:ext cx="360040" cy="246221"/>
+            <a:off x="3123628" y="625008"/>
+            <a:ext cx="360040" cy="246211"/>
           </a:xfrm>
           <a:prstGeom prst="rect">
             <a:avLst/>
@@ -4593,13 +4573,13 @@
           <a:noFill/>
         </p:spPr>
         <p:txBody>
-          <a:bodyPr wrap="square" rtlCol="0">
+          <a:bodyPr wrap="square" lIns="91431" tIns="45715" rIns="91431" bIns="45715" rtlCol="0">
             <a:spAutoFit/>
           </a:bodyPr>
           <a:lstStyle/>
           <a:p>
             <a:r>
-              <a:rPr lang="en-GB" sz="1000" dirty="0" smtClean="0"/>
+              <a:rPr lang="en-GB" sz="1000" dirty="0"/>
               <a:t>Up</a:t>
             </a:r>
             <a:endParaRPr lang="en-GB" sz="1000" dirty="0"/>
@@ -4646,12 +4626,12 @@
           </a:fontRef>
         </p:style>
         <p:txBody>
-          <a:bodyPr rtlCol="0" anchor="ctr"/>
+          <a:bodyPr lIns="91431" tIns="45715" rIns="91431" bIns="45715" rtlCol="0" anchor="ctr"/>
           <a:lstStyle/>
           <a:p>
             <a:pPr algn="ctr"/>
             <a:r>
-              <a:rPr lang="en-GB" sz="1000" dirty="0" smtClean="0">
+              <a:rPr lang="en-GB" sz="1000" dirty="0">
                 <a:solidFill>
                   <a:schemeClr val="tx1"/>
                 </a:solidFill>
@@ -4744,12 +4724,12 @@
           </a:fontRef>
         </p:style>
         <p:txBody>
-          <a:bodyPr rtlCol="0" anchor="ctr"/>
+          <a:bodyPr lIns="91431" tIns="45715" rIns="91431" bIns="45715" rtlCol="0" anchor="ctr"/>
           <a:lstStyle/>
           <a:p>
             <a:pPr algn="ctr"/>
             <a:r>
-              <a:rPr lang="en-GB" sz="1000" dirty="0" smtClean="0">
+              <a:rPr lang="en-GB" sz="1000" dirty="0">
                 <a:solidFill>
                   <a:schemeClr val="tx1"/>
                 </a:solidFill>
@@ -4772,7 +4752,7 @@
         </p:nvCxnSpPr>
         <p:spPr>
           <a:xfrm flipH="1">
-            <a:off x="1719472" y="855525"/>
+            <a:off x="1719473" y="855525"/>
             <a:ext cx="648072" cy="0"/>
           </a:xfrm>
           <a:prstGeom prst="straightConnector1">
@@ -4808,8 +4788,8 @@
         </p:nvSpPr>
         <p:spPr>
           <a:xfrm>
-            <a:off x="1863487" y="622178"/>
-            <a:ext cx="549831" cy="246221"/>
+            <a:off x="1863488" y="622179"/>
+            <a:ext cx="549831" cy="246211"/>
           </a:xfrm>
           <a:prstGeom prst="rect">
             <a:avLst/>
@@ -4817,13 +4797,13 @@
           <a:noFill/>
         </p:spPr>
         <p:txBody>
-          <a:bodyPr wrap="square" rtlCol="0">
+          <a:bodyPr wrap="square" lIns="91431" tIns="45715" rIns="91431" bIns="45715" rtlCol="0">
             <a:spAutoFit/>
           </a:bodyPr>
           <a:lstStyle/>
           <a:p>
             <a:r>
-              <a:rPr lang="en-GB" sz="1000" dirty="0" smtClean="0"/>
+              <a:rPr lang="en-GB" sz="1000" dirty="0"/>
               <a:t>Down</a:t>
             </a:r>
             <a:endParaRPr lang="en-GB" sz="1000" dirty="0"/>
@@ -4838,8 +4818,8 @@
         </p:nvSpPr>
         <p:spPr>
           <a:xfrm>
-            <a:off x="2729671" y="1215566"/>
-            <a:ext cx="549831" cy="246221"/>
+            <a:off x="2729672" y="1215567"/>
+            <a:ext cx="549831" cy="246211"/>
           </a:xfrm>
           <a:prstGeom prst="rect">
             <a:avLst/>
@@ -4847,13 +4827,13 @@
           <a:noFill/>
         </p:spPr>
         <p:txBody>
-          <a:bodyPr wrap="square" rtlCol="0">
+          <a:bodyPr wrap="square" lIns="91431" tIns="45715" rIns="91431" bIns="45715" rtlCol="0">
             <a:spAutoFit/>
           </a:bodyPr>
           <a:lstStyle/>
           <a:p>
             <a:r>
-              <a:rPr lang="en-GB" sz="1000" dirty="0" smtClean="0"/>
+              <a:rPr lang="en-GB" sz="1000" dirty="0"/>
               <a:t>Enter</a:t>
             </a:r>
             <a:endParaRPr lang="en-GB" sz="1000" dirty="0"/>
@@ -4900,12 +4880,12 @@
           </a:fontRef>
         </p:style>
         <p:txBody>
-          <a:bodyPr rtlCol="0" anchor="ctr"/>
+          <a:bodyPr lIns="91431" tIns="45715" rIns="91431" bIns="45715" rtlCol="0" anchor="ctr"/>
           <a:lstStyle/>
           <a:p>
             <a:pPr algn="ctr"/>
             <a:r>
-              <a:rPr lang="en-GB" sz="1000" dirty="0" smtClean="0">
+              <a:rPr lang="en-GB" sz="1000" dirty="0">
                 <a:solidFill>
                   <a:schemeClr val="tx1"/>
                 </a:solidFill>
@@ -4928,7 +4908,7 @@
         </p:nvGrpSpPr>
         <p:grpSpPr>
           <a:xfrm>
-            <a:off x="2436342" y="3082657"/>
+            <a:off x="2436342" y="3082658"/>
             <a:ext cx="681362" cy="509173"/>
             <a:chOff x="2486482" y="2896979"/>
             <a:chExt cx="681362" cy="509173"/>
@@ -5009,7 +4989,7 @@
             <a:lstStyle/>
             <a:p>
               <a:r>
-                <a:rPr lang="en-GB" sz="700" dirty="0" smtClean="0"/>
+                <a:rPr lang="en-GB" sz="700" dirty="0"/>
                 <a:t>Washing machine running?</a:t>
               </a:r>
               <a:endParaRPr lang="en-GB" sz="700" dirty="0"/>
@@ -5093,12 +5073,12 @@
           </a:fontRef>
         </p:style>
         <p:txBody>
-          <a:bodyPr rtlCol="0" anchor="ctr"/>
+          <a:bodyPr lIns="91431" tIns="45715" rIns="91431" bIns="45715" rtlCol="0" anchor="ctr"/>
           <a:lstStyle/>
           <a:p>
             <a:pPr algn="ctr"/>
             <a:r>
-              <a:rPr lang="en-GB" sz="1000" dirty="0" smtClean="0">
+              <a:rPr lang="en-GB" sz="1000" dirty="0">
                 <a:solidFill>
                   <a:schemeClr val="tx1"/>
                 </a:solidFill>
@@ -5189,12 +5169,12 @@
           </a:fontRef>
         </p:style>
         <p:txBody>
-          <a:bodyPr rtlCol="0" anchor="ctr"/>
+          <a:bodyPr lIns="91431" tIns="45715" rIns="91431" bIns="45715" rtlCol="0" anchor="ctr"/>
           <a:lstStyle/>
           <a:p>
             <a:pPr algn="ctr"/>
             <a:r>
-              <a:rPr lang="en-GB" sz="1000" dirty="0" smtClean="0">
+              <a:rPr lang="en-GB" sz="1000" dirty="0">
                 <a:solidFill>
                   <a:schemeClr val="tx1"/>
                 </a:solidFill>
@@ -5254,7 +5234,7 @@
         <p:spPr>
           <a:xfrm>
             <a:off x="2009154" y="3107271"/>
-            <a:ext cx="549831" cy="246221"/>
+            <a:ext cx="549831" cy="246211"/>
           </a:xfrm>
           <a:prstGeom prst="rect">
             <a:avLst/>
@@ -5262,13 +5242,13 @@
           <a:noFill/>
         </p:spPr>
         <p:txBody>
-          <a:bodyPr wrap="square" rtlCol="0">
+          <a:bodyPr wrap="square" lIns="91431" tIns="45715" rIns="91431" bIns="45715" rtlCol="0">
             <a:spAutoFit/>
           </a:bodyPr>
           <a:lstStyle/>
           <a:p>
             <a:r>
-              <a:rPr lang="en-GB" sz="1000" dirty="0" smtClean="0"/>
+              <a:rPr lang="en-GB" sz="1000" dirty="0"/>
               <a:t>Yes</a:t>
             </a:r>
             <a:endParaRPr lang="en-GB" sz="1000" dirty="0"/>
@@ -5283,8 +5263,8 @@
         </p:nvSpPr>
         <p:spPr>
           <a:xfrm>
-            <a:off x="2727583" y="3615685"/>
-            <a:ext cx="549831" cy="246221"/>
+            <a:off x="2727584" y="3615686"/>
+            <a:ext cx="549831" cy="246211"/>
           </a:xfrm>
           <a:prstGeom prst="rect">
             <a:avLst/>
@@ -5292,13 +5272,13 @@
           <a:noFill/>
         </p:spPr>
         <p:txBody>
-          <a:bodyPr wrap="square" rtlCol="0">
+          <a:bodyPr wrap="square" lIns="91431" tIns="45715" rIns="91431" bIns="45715" rtlCol="0">
             <a:spAutoFit/>
           </a:bodyPr>
           <a:lstStyle/>
           <a:p>
             <a:r>
-              <a:rPr lang="en-GB" sz="1000" dirty="0" smtClean="0"/>
+              <a:rPr lang="en-GB" sz="1000" dirty="0"/>
               <a:t>No</a:t>
             </a:r>
             <a:endParaRPr lang="en-GB" sz="1000" dirty="0"/>
@@ -5349,7 +5329,7 @@
         </p:nvGrpSpPr>
         <p:grpSpPr>
           <a:xfrm>
-            <a:off x="2391396" y="4627590"/>
+            <a:off x="2391396" y="4627591"/>
             <a:ext cx="681362" cy="509173"/>
             <a:chOff x="2486482" y="2896979"/>
             <a:chExt cx="681362" cy="509173"/>
@@ -5430,13 +5410,13 @@
             <a:lstStyle/>
             <a:p>
               <a:r>
-                <a:rPr lang="en-GB" sz="700" dirty="0" smtClean="0"/>
+                <a:rPr lang="en-GB" sz="700" dirty="0"/>
                 <a:t>Dish</a:t>
               </a:r>
             </a:p>
             <a:p>
               <a:r>
-                <a:rPr lang="en-GB" sz="700" dirty="0" smtClean="0"/>
+                <a:rPr lang="en-GB" sz="700" dirty="0"/>
                 <a:t>washer running?</a:t>
               </a:r>
               <a:endParaRPr lang="en-GB" sz="700" dirty="0"/>
@@ -5484,12 +5464,12 @@
           </a:fontRef>
         </p:style>
         <p:txBody>
-          <a:bodyPr rtlCol="0" anchor="ctr"/>
+          <a:bodyPr lIns="91431" tIns="45715" rIns="91431" bIns="45715" rtlCol="0" anchor="ctr"/>
           <a:lstStyle/>
           <a:p>
             <a:pPr algn="ctr"/>
             <a:r>
-              <a:rPr lang="en-GB" sz="1000" dirty="0" smtClean="0">
+              <a:rPr lang="en-GB" sz="1000" dirty="0">
                 <a:solidFill>
                   <a:schemeClr val="tx1"/>
                 </a:solidFill>
@@ -5580,12 +5560,12 @@
           </a:fontRef>
         </p:style>
         <p:txBody>
-          <a:bodyPr rtlCol="0" anchor="ctr"/>
+          <a:bodyPr lIns="91431" tIns="45715" rIns="91431" bIns="45715" rtlCol="0" anchor="ctr"/>
           <a:lstStyle/>
           <a:p>
             <a:pPr algn="ctr"/>
             <a:r>
-              <a:rPr lang="en-GB" sz="1000" dirty="0" smtClean="0">
+              <a:rPr lang="en-GB" sz="1000" dirty="0">
                 <a:solidFill>
                   <a:schemeClr val="tx1"/>
                 </a:solidFill>
@@ -5644,8 +5624,8 @@
         </p:nvSpPr>
         <p:spPr>
           <a:xfrm>
-            <a:off x="1959546" y="4650833"/>
-            <a:ext cx="549831" cy="246221"/>
+            <a:off x="1959547" y="4650833"/>
+            <a:ext cx="549831" cy="246211"/>
           </a:xfrm>
           <a:prstGeom prst="rect">
             <a:avLst/>
@@ -5653,13 +5633,13 @@
           <a:noFill/>
         </p:spPr>
         <p:txBody>
-          <a:bodyPr wrap="square" rtlCol="0">
+          <a:bodyPr wrap="square" lIns="91431" tIns="45715" rIns="91431" bIns="45715" rtlCol="0">
             <a:spAutoFit/>
           </a:bodyPr>
           <a:lstStyle/>
           <a:p>
             <a:r>
-              <a:rPr lang="en-GB" sz="1000" dirty="0" smtClean="0"/>
+              <a:rPr lang="en-GB" sz="1000" dirty="0"/>
               <a:t>Yes</a:t>
             </a:r>
             <a:endParaRPr lang="en-GB" sz="1000" dirty="0"/>
@@ -5710,8 +5690,8 @@
         </p:nvSpPr>
         <p:spPr>
           <a:xfrm>
-            <a:off x="2644546" y="5159666"/>
-            <a:ext cx="549831" cy="246221"/>
+            <a:off x="2644547" y="5159667"/>
+            <a:ext cx="549831" cy="246211"/>
           </a:xfrm>
           <a:prstGeom prst="rect">
             <a:avLst/>
@@ -5719,13 +5699,13 @@
           <a:noFill/>
         </p:spPr>
         <p:txBody>
-          <a:bodyPr wrap="square" rtlCol="0">
+          <a:bodyPr wrap="square" lIns="91431" tIns="45715" rIns="91431" bIns="45715" rtlCol="0">
             <a:spAutoFit/>
           </a:bodyPr>
           <a:lstStyle/>
           <a:p>
             <a:r>
-              <a:rPr lang="en-GB" sz="1000" dirty="0" smtClean="0"/>
+              <a:rPr lang="en-GB" sz="1000" dirty="0"/>
               <a:t>No</a:t>
             </a:r>
             <a:endParaRPr lang="en-GB" sz="1000" dirty="0"/>
@@ -5743,7 +5723,7 @@
         </p:nvCxnSpPr>
         <p:spPr>
           <a:xfrm rot="16200000" flipH="1">
-            <a:off x="1505018" y="3487103"/>
+            <a:off x="1505019" y="3487103"/>
             <a:ext cx="605389" cy="647672"/>
           </a:xfrm>
           <a:prstGeom prst="bentConnector2">
@@ -5782,7 +5762,7 @@
         </p:nvCxnSpPr>
         <p:spPr>
           <a:xfrm rot="16200000" flipH="1">
-            <a:off x="1537440" y="4954668"/>
+            <a:off x="1537441" y="4954668"/>
             <a:ext cx="540545" cy="737564"/>
           </a:xfrm>
           <a:prstGeom prst="bentConnector2">
@@ -5818,7 +5798,7 @@
         </p:nvGrpSpPr>
         <p:grpSpPr>
           <a:xfrm>
-            <a:off x="2389524" y="6051523"/>
+            <a:off x="2389524" y="6051524"/>
             <a:ext cx="681362" cy="509173"/>
             <a:chOff x="2486482" y="2896979"/>
             <a:chExt cx="681362" cy="509173"/>
@@ -5899,7 +5879,7 @@
             <a:lstStyle/>
             <a:p>
               <a:r>
-                <a:rPr lang="en-GB" sz="700" dirty="0" smtClean="0"/>
+                <a:rPr lang="en-GB" sz="700" dirty="0"/>
                 <a:t>Timer finished?</a:t>
               </a:r>
               <a:endParaRPr lang="en-GB" sz="700" dirty="0"/>
@@ -5947,12 +5927,12 @@
           </a:fontRef>
         </p:style>
         <p:txBody>
-          <a:bodyPr rtlCol="0" anchor="ctr"/>
+          <a:bodyPr lIns="91431" tIns="45715" rIns="91431" bIns="45715" rtlCol="0" anchor="ctr"/>
           <a:lstStyle/>
           <a:p>
             <a:pPr algn="ctr"/>
             <a:r>
-              <a:rPr lang="en-GB" sz="1000" dirty="0" smtClean="0">
+              <a:rPr lang="en-GB" sz="1000" dirty="0">
                 <a:solidFill>
                   <a:schemeClr val="tx1"/>
                 </a:solidFill>
@@ -6011,8 +5991,8 @@
         </p:nvSpPr>
         <p:spPr>
           <a:xfrm>
-            <a:off x="2650063" y="6583598"/>
-            <a:ext cx="549831" cy="246221"/>
+            <a:off x="2650064" y="6583598"/>
+            <a:ext cx="549831" cy="246211"/>
           </a:xfrm>
           <a:prstGeom prst="rect">
             <a:avLst/>
@@ -6020,13 +6000,13 @@
           <a:noFill/>
         </p:spPr>
         <p:txBody>
-          <a:bodyPr wrap="square" rtlCol="0">
+          <a:bodyPr wrap="square" lIns="91431" tIns="45715" rIns="91431" bIns="45715" rtlCol="0">
             <a:spAutoFit/>
           </a:bodyPr>
           <a:lstStyle/>
           <a:p>
             <a:r>
-              <a:rPr lang="en-GB" sz="1000" dirty="0" smtClean="0"/>
+              <a:rPr lang="en-GB" sz="1000" dirty="0"/>
               <a:t>No</a:t>
             </a:r>
             <a:endParaRPr lang="en-GB" sz="1000" dirty="0"/>
@@ -6041,8 +6021,8 @@
         </p:nvSpPr>
         <p:spPr>
           <a:xfrm>
-            <a:off x="1959546" y="6067523"/>
-            <a:ext cx="549831" cy="246221"/>
+            <a:off x="1959547" y="6067523"/>
+            <a:ext cx="549831" cy="246211"/>
           </a:xfrm>
           <a:prstGeom prst="rect">
             <a:avLst/>
@@ -6050,13 +6030,13 @@
           <a:noFill/>
         </p:spPr>
         <p:txBody>
-          <a:bodyPr wrap="square" rtlCol="0">
+          <a:bodyPr wrap="square" lIns="91431" tIns="45715" rIns="91431" bIns="45715" rtlCol="0">
             <a:spAutoFit/>
           </a:bodyPr>
           <a:lstStyle/>
           <a:p>
             <a:r>
-              <a:rPr lang="en-GB" sz="1000" dirty="0" smtClean="0"/>
+              <a:rPr lang="en-GB" sz="1000" dirty="0"/>
               <a:t>Yes</a:t>
             </a:r>
             <a:endParaRPr lang="en-GB" sz="1000" dirty="0"/>
@@ -6107,7 +6087,7 @@
         </p:nvCxnSpPr>
         <p:spPr>
           <a:xfrm>
-            <a:off x="2642674" y="6666150"/>
+            <a:off x="2642674" y="6666151"/>
             <a:ext cx="0" cy="163669"/>
           </a:xfrm>
           <a:prstGeom prst="line">
@@ -6222,8 +6202,8 @@
         </p:nvSpPr>
         <p:spPr>
           <a:xfrm>
-            <a:off x="7452320" y="1427194"/>
-            <a:ext cx="1656184" cy="646331"/>
+            <a:off x="7452320" y="1427195"/>
+            <a:ext cx="1656184" cy="646321"/>
           </a:xfrm>
           <a:prstGeom prst="rect">
             <a:avLst/>
@@ -6231,7 +6211,7 @@
           <a:noFill/>
         </p:spPr>
         <p:txBody>
-          <a:bodyPr wrap="square" rtlCol="0">
+          <a:bodyPr wrap="square" lIns="91431" tIns="45715" rIns="91431" bIns="45715" rtlCol="0">
             <a:spAutoFit/>
           </a:bodyPr>
           <a:lstStyle/>
@@ -6290,12 +6270,12 @@
           </a:fontRef>
         </p:style>
         <p:txBody>
-          <a:bodyPr rtlCol="0" anchor="ctr"/>
+          <a:bodyPr lIns="91431" tIns="45715" rIns="91431" bIns="45715" rtlCol="0" anchor="ctr"/>
           <a:lstStyle/>
           <a:p>
             <a:pPr algn="ctr"/>
             <a:r>
-              <a:rPr lang="en-GB" sz="1000" dirty="0" smtClean="0">
+              <a:rPr lang="en-GB" sz="1000" dirty="0">
                 <a:solidFill>
                   <a:schemeClr val="tx1"/>
                 </a:solidFill>
@@ -6499,7 +6479,7 @@
         </p:nvCxnSpPr>
         <p:spPr>
           <a:xfrm flipH="1">
-            <a:off x="3957911" y="3729050"/>
+            <a:off x="3957912" y="3729050"/>
             <a:ext cx="350742" cy="1"/>
           </a:xfrm>
           <a:prstGeom prst="straightConnector1">
@@ -6535,7 +6515,7 @@
         </p:nvSpPr>
         <p:spPr>
           <a:xfrm rot="2700000">
-            <a:off x="4396343" y="3474464"/>
+            <a:off x="4396344" y="3474465"/>
             <a:ext cx="509173" cy="509173"/>
           </a:xfrm>
           <a:prstGeom prst="rect">
@@ -6567,7 +6547,7 @@
           </a:fontRef>
         </p:style>
         <p:txBody>
-          <a:bodyPr rtlCol="0" anchor="ctr"/>
+          <a:bodyPr lIns="91431" tIns="45715" rIns="91431" bIns="45715" rtlCol="0" anchor="ctr"/>
           <a:lstStyle/>
           <a:p>
             <a:pPr algn="ctr"/>
@@ -6623,7 +6603,7 @@
         </p:nvSpPr>
         <p:spPr>
           <a:xfrm>
-            <a:off x="3760341" y="178357"/>
+            <a:off x="3760342" y="178357"/>
             <a:ext cx="1683975" cy="360040"/>
           </a:xfrm>
           <a:prstGeom prst="ellipse">
@@ -6655,12 +6635,12 @@
           </a:fontRef>
         </p:style>
         <p:txBody>
-          <a:bodyPr rtlCol="0" anchor="ctr"/>
+          <a:bodyPr lIns="91431" tIns="45715" rIns="91431" bIns="45715" rtlCol="0" anchor="ctr"/>
           <a:lstStyle/>
           <a:p>
             <a:pPr algn="ctr"/>
             <a:r>
-              <a:rPr lang="en-GB" sz="800" dirty="0" smtClean="0">
+              <a:rPr lang="en-GB" sz="800" dirty="0">
                 <a:solidFill>
                   <a:schemeClr val="tx1"/>
                 </a:solidFill>
@@ -6683,7 +6663,7 @@
         </p:nvSpPr>
         <p:spPr>
           <a:xfrm>
-            <a:off x="3832351" y="701463"/>
+            <a:off x="3832352" y="701463"/>
             <a:ext cx="1539957" cy="470861"/>
           </a:xfrm>
           <a:prstGeom prst="roundRect">
@@ -6715,12 +6695,12 @@
           </a:fontRef>
         </p:style>
         <p:txBody>
-          <a:bodyPr rtlCol="0" anchor="ctr"/>
+          <a:bodyPr lIns="91431" tIns="45715" rIns="91431" bIns="45715" rtlCol="0" anchor="ctr"/>
           <a:lstStyle/>
           <a:p>
             <a:pPr algn="ctr"/>
             <a:r>
-              <a:rPr lang="en-GB" sz="1000" dirty="0" smtClean="0">
+              <a:rPr lang="en-GB" sz="1000" dirty="0">
                 <a:solidFill>
                   <a:schemeClr val="tx1"/>
                 </a:solidFill>
@@ -6743,7 +6723,7 @@
         </p:nvSpPr>
         <p:spPr>
           <a:xfrm>
-            <a:off x="3823281" y="2060848"/>
+            <a:off x="3823282" y="2060848"/>
             <a:ext cx="1539957" cy="387454"/>
           </a:xfrm>
           <a:prstGeom prst="roundRect">
@@ -6775,12 +6755,12 @@
           </a:fontRef>
         </p:style>
         <p:txBody>
-          <a:bodyPr rtlCol="0" anchor="ctr"/>
+          <a:bodyPr lIns="91431" tIns="45715" rIns="91431" bIns="45715" rtlCol="0" anchor="ctr"/>
           <a:lstStyle/>
           <a:p>
             <a:pPr algn="ctr"/>
             <a:r>
-              <a:rPr lang="en-GB" sz="1000" dirty="0" smtClean="0">
+              <a:rPr lang="en-GB" sz="1000" dirty="0">
                 <a:solidFill>
                   <a:schemeClr val="tx1"/>
                 </a:solidFill>
@@ -6835,12 +6815,12 @@
           </a:fontRef>
         </p:style>
         <p:txBody>
-          <a:bodyPr rtlCol="0" anchor="ctr"/>
+          <a:bodyPr lIns="91431" tIns="45715" rIns="91431" bIns="45715" rtlCol="0" anchor="ctr"/>
           <a:lstStyle/>
           <a:p>
             <a:pPr algn="ctr"/>
             <a:r>
-              <a:rPr lang="en-GB" sz="1000" dirty="0" smtClean="0">
+              <a:rPr lang="en-GB" sz="1000" dirty="0">
                 <a:solidFill>
                   <a:schemeClr val="tx1"/>
                 </a:solidFill>
@@ -6863,8 +6843,8 @@
         </p:nvSpPr>
         <p:spPr>
           <a:xfrm>
-            <a:off x="4431677" y="3515830"/>
-            <a:ext cx="674305" cy="507831"/>
+            <a:off x="4431677" y="3515831"/>
+            <a:ext cx="674305" cy="507821"/>
           </a:xfrm>
           <a:prstGeom prst="rect">
             <a:avLst/>
@@ -6872,13 +6852,13 @@
           <a:noFill/>
         </p:spPr>
         <p:txBody>
-          <a:bodyPr wrap="square" rtlCol="0">
+          <a:bodyPr wrap="square" lIns="91431" tIns="45715" rIns="91431" bIns="45715" rtlCol="0">
             <a:spAutoFit/>
           </a:bodyPr>
           <a:lstStyle/>
           <a:p>
             <a:r>
-              <a:rPr lang="en-GB" sz="900" dirty="0" smtClean="0"/>
+              <a:rPr lang="en-GB" sz="900" dirty="0"/>
               <a:t>Water sensor wet?</a:t>
             </a:r>
             <a:endParaRPr lang="en-GB" sz="900" dirty="0"/>
@@ -6893,8 +6873,8 @@
         </p:nvSpPr>
         <p:spPr>
           <a:xfrm>
-            <a:off x="3997506" y="3482830"/>
-            <a:ext cx="360040" cy="246221"/>
+            <a:off x="3997506" y="3482831"/>
+            <a:ext cx="360040" cy="246211"/>
           </a:xfrm>
           <a:prstGeom prst="rect">
             <a:avLst/>
@@ -6902,13 +6882,13 @@
           <a:noFill/>
         </p:spPr>
         <p:txBody>
-          <a:bodyPr wrap="square" rtlCol="0">
+          <a:bodyPr wrap="square" lIns="91431" tIns="45715" rIns="91431" bIns="45715" rtlCol="0">
             <a:spAutoFit/>
           </a:bodyPr>
           <a:lstStyle/>
           <a:p>
             <a:r>
-              <a:rPr lang="en-GB" sz="1000" dirty="0" smtClean="0"/>
+              <a:rPr lang="en-GB" sz="1000" dirty="0"/>
               <a:t>Yes</a:t>
             </a:r>
             <a:endParaRPr lang="en-GB" sz="1000" dirty="0"/>
@@ -6923,7 +6903,7 @@
         </p:nvSpPr>
         <p:spPr>
           <a:xfrm rot="2700000">
-            <a:off x="6276209" y="3894493"/>
+            <a:off x="6276210" y="3894494"/>
             <a:ext cx="509173" cy="509173"/>
           </a:xfrm>
           <a:prstGeom prst="rect">
@@ -6955,7 +6935,7 @@
           </a:fontRef>
         </p:style>
         <p:txBody>
-          <a:bodyPr rtlCol="0" anchor="ctr"/>
+          <a:bodyPr lIns="91431" tIns="45715" rIns="91431" bIns="45715" rtlCol="0" anchor="ctr"/>
           <a:lstStyle/>
           <a:p>
             <a:pPr algn="ctr"/>
@@ -6975,8 +6955,8 @@
         </p:nvSpPr>
         <p:spPr>
           <a:xfrm>
-            <a:off x="6258982" y="3935859"/>
-            <a:ext cx="674305" cy="369332"/>
+            <a:off x="6258983" y="3935859"/>
+            <a:ext cx="674305" cy="369322"/>
           </a:xfrm>
           <a:prstGeom prst="rect">
             <a:avLst/>
@@ -6984,13 +6964,13 @@
           <a:noFill/>
         </p:spPr>
         <p:txBody>
-          <a:bodyPr wrap="square" rtlCol="0">
+          <a:bodyPr wrap="square" lIns="91431" tIns="45715" rIns="91431" bIns="45715" rtlCol="0">
             <a:spAutoFit/>
           </a:bodyPr>
           <a:lstStyle/>
           <a:p>
             <a:r>
-              <a:rPr lang="en-GB" sz="900" dirty="0" smtClean="0"/>
+              <a:rPr lang="en-GB" sz="900" dirty="0"/>
               <a:t>Timer finished?</a:t>
             </a:r>
             <a:endParaRPr lang="en-GB" sz="900" dirty="0"/>
@@ -7005,7 +6985,7 @@
         </p:nvCxnSpPr>
         <p:spPr>
           <a:xfrm>
-            <a:off x="6890836" y="4149079"/>
+            <a:off x="6890837" y="4149079"/>
             <a:ext cx="576064" cy="0"/>
           </a:xfrm>
           <a:prstGeom prst="straightConnector1">
@@ -7041,8 +7021,8 @@
         </p:nvSpPr>
         <p:spPr>
           <a:xfrm>
-            <a:off x="6841246" y="3859621"/>
-            <a:ext cx="360040" cy="246221"/>
+            <a:off x="6841246" y="3859622"/>
+            <a:ext cx="360040" cy="246211"/>
           </a:xfrm>
           <a:prstGeom prst="rect">
             <a:avLst/>
@@ -7050,13 +7030,13 @@
           <a:noFill/>
         </p:spPr>
         <p:txBody>
-          <a:bodyPr wrap="square" rtlCol="0">
+          <a:bodyPr wrap="square" lIns="91431" tIns="45715" rIns="91431" bIns="45715" rtlCol="0">
             <a:spAutoFit/>
           </a:bodyPr>
           <a:lstStyle/>
           <a:p>
             <a:r>
-              <a:rPr lang="en-GB" sz="1000" dirty="0" smtClean="0"/>
+              <a:rPr lang="en-GB" sz="1000" dirty="0"/>
               <a:t>No</a:t>
             </a:r>
             <a:endParaRPr lang="en-GB" sz="1000" dirty="0"/>
@@ -7071,7 +7051,7 @@
         </p:nvSpPr>
         <p:spPr>
           <a:xfrm>
-            <a:off x="3832351" y="1348503"/>
+            <a:off x="3832352" y="1348503"/>
             <a:ext cx="1539957" cy="387454"/>
           </a:xfrm>
           <a:prstGeom prst="roundRect">
@@ -7103,12 +7083,12 @@
           </a:fontRef>
         </p:style>
         <p:txBody>
-          <a:bodyPr rtlCol="0" anchor="ctr"/>
+          <a:bodyPr lIns="91431" tIns="45715" rIns="91431" bIns="45715" rtlCol="0" anchor="ctr"/>
           <a:lstStyle/>
           <a:p>
             <a:pPr algn="ctr"/>
             <a:r>
-              <a:rPr lang="en-GB" sz="1000" dirty="0" smtClean="0">
+              <a:rPr lang="en-GB" sz="1000" dirty="0">
                 <a:solidFill>
                   <a:schemeClr val="tx1"/>
                 </a:solidFill>
@@ -7169,7 +7149,7 @@
         </p:nvCxnSpPr>
         <p:spPr>
           <a:xfrm rot="16200000" flipV="1">
-            <a:off x="5978161" y="2679387"/>
+            <a:off x="5978161" y="2679388"/>
             <a:ext cx="2020754" cy="918629"/>
           </a:xfrm>
           <a:prstGeom prst="bentConnector3">
@@ -7243,7 +7223,7 @@
         </p:nvCxnSpPr>
         <p:spPr>
           <a:xfrm>
-            <a:off x="6529223" y="2779288"/>
+            <a:off x="6529223" y="2779289"/>
             <a:ext cx="0" cy="176179"/>
           </a:xfrm>
           <a:prstGeom prst="straightConnector1">
@@ -7279,7 +7259,7 @@
         </p:nvCxnSpPr>
         <p:spPr>
           <a:xfrm>
-            <a:off x="6529223" y="3193105"/>
+            <a:off x="6529223" y="3193106"/>
             <a:ext cx="0" cy="176179"/>
           </a:xfrm>
           <a:prstGeom prst="straightConnector1">
@@ -7383,12 +7363,12 @@
           </a:fontRef>
         </p:style>
         <p:txBody>
-          <a:bodyPr rtlCol="0" anchor="ctr"/>
+          <a:bodyPr lIns="91431" tIns="45715" rIns="91431" bIns="45715" rtlCol="0" anchor="ctr"/>
           <a:lstStyle/>
           <a:p>
             <a:pPr algn="ctr"/>
             <a:r>
-              <a:rPr lang="en-GB" sz="1000" dirty="0" smtClean="0">
+              <a:rPr lang="en-GB" sz="1000" dirty="0">
                 <a:solidFill>
                   <a:schemeClr val="tx1"/>
                 </a:solidFill>
@@ -7443,12 +7423,12 @@
           </a:fontRef>
         </p:style>
         <p:txBody>
-          <a:bodyPr rtlCol="0" anchor="ctr"/>
+          <a:bodyPr lIns="91431" tIns="45715" rIns="91431" bIns="45715" rtlCol="0" anchor="ctr"/>
           <a:lstStyle/>
           <a:p>
             <a:pPr algn="ctr"/>
             <a:r>
-              <a:rPr lang="en-GB" sz="1000" dirty="0" smtClean="0">
+              <a:rPr lang="en-GB" sz="1000" dirty="0">
                 <a:solidFill>
                   <a:schemeClr val="tx1"/>
                 </a:solidFill>
@@ -7503,12 +7483,12 @@
           </a:fontRef>
         </p:style>
         <p:txBody>
-          <a:bodyPr rtlCol="0" anchor="ctr"/>
+          <a:bodyPr lIns="91431" tIns="45715" rIns="91431" bIns="45715" rtlCol="0" anchor="ctr"/>
           <a:lstStyle/>
           <a:p>
             <a:pPr algn="ctr"/>
             <a:r>
-              <a:rPr lang="en-GB" sz="1000" dirty="0" smtClean="0">
+              <a:rPr lang="en-GB" sz="1000" dirty="0">
                 <a:solidFill>
                   <a:schemeClr val="tx1"/>
                 </a:solidFill>
@@ -7563,12 +7543,12 @@
           </a:fontRef>
         </p:style>
         <p:txBody>
-          <a:bodyPr rtlCol="0" anchor="ctr"/>
+          <a:bodyPr lIns="91431" tIns="45715" rIns="91431" bIns="45715" rtlCol="0" anchor="ctr"/>
           <a:lstStyle/>
           <a:p>
             <a:pPr algn="ctr"/>
             <a:r>
-              <a:rPr lang="en-GB" sz="1000" dirty="0" smtClean="0">
+              <a:rPr lang="en-GB" sz="1000" dirty="0">
                 <a:solidFill>
                   <a:schemeClr val="tx1"/>
                 </a:solidFill>
@@ -7594,7 +7574,7 @@
         </p:nvCxnSpPr>
         <p:spPr>
           <a:xfrm rot="16200000" flipH="1">
-            <a:off x="5369592" y="968694"/>
+            <a:off x="5369593" y="968694"/>
             <a:ext cx="392368" cy="1926893"/>
           </a:xfrm>
           <a:prstGeom prst="bentConnector3">
@@ -7704,7 +7684,7 @@
         </p:nvSpPr>
         <p:spPr>
           <a:xfrm rot="2700000">
-            <a:off x="4396342" y="4355234"/>
+            <a:off x="4396343" y="4355235"/>
             <a:ext cx="509173" cy="509173"/>
           </a:xfrm>
           <a:prstGeom prst="rect">
@@ -7736,7 +7716,7 @@
           </a:fontRef>
         </p:style>
         <p:txBody>
-          <a:bodyPr rtlCol="0" anchor="ctr"/>
+          <a:bodyPr lIns="91431" tIns="45715" rIns="91431" bIns="45715" rtlCol="0" anchor="ctr"/>
           <a:lstStyle/>
           <a:p>
             <a:pPr algn="ctr"/>
@@ -7757,7 +7737,7 @@
         <p:spPr>
           <a:xfrm>
             <a:off x="4393576" y="4396600"/>
-            <a:ext cx="674305" cy="369332"/>
+            <a:ext cx="674305" cy="369322"/>
           </a:xfrm>
           <a:prstGeom prst="rect">
             <a:avLst/>
@@ -7765,13 +7745,13 @@
           <a:noFill/>
         </p:spPr>
         <p:txBody>
-          <a:bodyPr wrap="square" rtlCol="0">
+          <a:bodyPr wrap="square" lIns="91431" tIns="45715" rIns="91431" bIns="45715" rtlCol="0">
             <a:spAutoFit/>
           </a:bodyPr>
           <a:lstStyle/>
           <a:p>
             <a:r>
-              <a:rPr lang="en-GB" sz="900" dirty="0" smtClean="0"/>
+              <a:rPr lang="en-GB" sz="900" dirty="0"/>
               <a:t>Timer Finished?</a:t>
             </a:r>
             <a:endParaRPr lang="en-GB" sz="900" dirty="0"/>
@@ -7786,8 +7766,8 @@
         </p:nvSpPr>
         <p:spPr>
           <a:xfrm>
-            <a:off x="3997505" y="4363600"/>
-            <a:ext cx="360040" cy="246221"/>
+            <a:off x="3997505" y="4363601"/>
+            <a:ext cx="360040" cy="246211"/>
           </a:xfrm>
           <a:prstGeom prst="rect">
             <a:avLst/>
@@ -7795,13 +7775,13 @@
           <a:noFill/>
         </p:spPr>
         <p:txBody>
-          <a:bodyPr wrap="square" rtlCol="0">
+          <a:bodyPr wrap="square" lIns="91431" tIns="45715" rIns="91431" bIns="45715" rtlCol="0">
             <a:spAutoFit/>
           </a:bodyPr>
           <a:lstStyle/>
           <a:p>
             <a:r>
-              <a:rPr lang="en-GB" sz="1000" dirty="0" smtClean="0"/>
+              <a:rPr lang="en-GB" sz="1000" dirty="0"/>
               <a:t>No</a:t>
             </a:r>
             <a:endParaRPr lang="en-GB" sz="1000" dirty="0"/>
@@ -7816,7 +7796,7 @@
         </p:nvCxnSpPr>
         <p:spPr>
           <a:xfrm flipV="1">
-            <a:off x="2653184" y="3369010"/>
+            <a:off x="2653185" y="3369010"/>
             <a:ext cx="1997744" cy="1240810"/>
           </a:xfrm>
           <a:prstGeom prst="bentConnector3">
@@ -7854,7 +7834,7 @@
         </p:nvCxnSpPr>
         <p:spPr>
           <a:xfrm flipV="1">
-            <a:off x="7447853" y="2060848"/>
+            <a:off x="7447853" y="2060849"/>
             <a:ext cx="0" cy="1634165"/>
           </a:xfrm>
           <a:prstGeom prst="straightConnector1">
@@ -7926,7 +7906,7 @@
         </p:nvSpPr>
         <p:spPr>
           <a:xfrm>
-            <a:off x="3823281" y="5770116"/>
+            <a:off x="3823282" y="5770116"/>
             <a:ext cx="1683975" cy="360040"/>
           </a:xfrm>
           <a:prstGeom prst="ellipse">
@@ -7958,19 +7938,19 @@
           </a:fontRef>
         </p:style>
         <p:txBody>
-          <a:bodyPr rtlCol="0" anchor="ctr"/>
+          <a:bodyPr lIns="91431" tIns="45715" rIns="91431" bIns="45715" rtlCol="0" anchor="ctr"/>
           <a:lstStyle/>
           <a:p>
             <a:pPr algn="ctr"/>
             <a:r>
-              <a:rPr lang="en-GB" sz="1050" dirty="0" smtClean="0">
+              <a:rPr lang="en-GB" sz="1100" dirty="0">
                 <a:solidFill>
                   <a:schemeClr val="tx1"/>
                 </a:solidFill>
               </a:rPr>
               <a:t>Stop</a:t>
             </a:r>
-            <a:endParaRPr lang="en-GB" sz="1050" dirty="0">
+            <a:endParaRPr lang="en-GB" sz="1100" dirty="0">
               <a:solidFill>
                 <a:schemeClr val="tx1"/>
               </a:solidFill>
@@ -7988,7 +7968,7 @@
         </p:nvCxnSpPr>
         <p:spPr>
           <a:xfrm rot="5400000">
-            <a:off x="5286528" y="4707439"/>
+            <a:off x="5286528" y="4707440"/>
             <a:ext cx="1463426" cy="1021969"/>
           </a:xfrm>
           <a:prstGeom prst="bentConnector2">
@@ -8024,8 +8004,8 @@
         </p:nvSpPr>
         <p:spPr>
           <a:xfrm>
-            <a:off x="6156176" y="5703059"/>
-            <a:ext cx="360040" cy="246221"/>
+            <a:off x="6156176" y="5703060"/>
+            <a:ext cx="360040" cy="246211"/>
           </a:xfrm>
           <a:prstGeom prst="rect">
             <a:avLst/>
@@ -8033,13 +8013,13 @@
           <a:noFill/>
         </p:spPr>
         <p:txBody>
-          <a:bodyPr wrap="square" rtlCol="0">
+          <a:bodyPr wrap="square" lIns="91431" tIns="45715" rIns="91431" bIns="45715" rtlCol="0">
             <a:spAutoFit/>
           </a:bodyPr>
           <a:lstStyle/>
           <a:p>
             <a:r>
-              <a:rPr lang="en-GB" sz="1000" dirty="0" smtClean="0"/>
+              <a:rPr lang="en-GB" sz="1000" dirty="0"/>
               <a:t>Yes</a:t>
             </a:r>
             <a:endParaRPr lang="en-GB" sz="1000" dirty="0"/>
@@ -8054,8 +8034,8 @@
         </p:nvSpPr>
         <p:spPr>
           <a:xfrm>
-            <a:off x="107504" y="752227"/>
-            <a:ext cx="2016224" cy="646331"/>
+            <a:off x="107505" y="752228"/>
+            <a:ext cx="2016224" cy="646321"/>
           </a:xfrm>
           <a:prstGeom prst="rect">
             <a:avLst/>
@@ -8063,7 +8043,7 @@
           <a:noFill/>
         </p:spPr>
         <p:txBody>
-          <a:bodyPr wrap="square" rtlCol="0">
+          <a:bodyPr wrap="square" lIns="91431" tIns="45715" rIns="91431" bIns="45715" rtlCol="0">
             <a:spAutoFit/>
           </a:bodyPr>
           <a:lstStyle/>
@@ -8158,12 +8138,12 @@
           </a:fontRef>
         </p:style>
         <p:txBody>
-          <a:bodyPr rtlCol="0" anchor="ctr"/>
+          <a:bodyPr lIns="91431" tIns="45715" rIns="91431" bIns="45715" rtlCol="0" anchor="ctr"/>
           <a:lstStyle/>
           <a:p>
             <a:pPr algn="ctr"/>
             <a:r>
-              <a:rPr lang="en-GB" sz="1000" dirty="0" smtClean="0">
+              <a:rPr lang="en-GB" sz="1000" dirty="0">
                 <a:solidFill>
                   <a:schemeClr val="tx1"/>
                 </a:solidFill>
@@ -8218,12 +8198,12 @@
           </a:fontRef>
         </p:style>
         <p:txBody>
-          <a:bodyPr rtlCol="0" anchor="ctr"/>
+          <a:bodyPr lIns="91431" tIns="45715" rIns="91431" bIns="45715" rtlCol="0" anchor="ctr"/>
           <a:lstStyle/>
           <a:p>
             <a:pPr algn="ctr"/>
             <a:r>
-              <a:rPr lang="en-GB" sz="1000" dirty="0" smtClean="0">
+              <a:rPr lang="en-GB" sz="1000" dirty="0">
                 <a:solidFill>
                   <a:schemeClr val="tx1"/>
                 </a:solidFill>
@@ -8242,6 +8222,6012 @@
     <p:extLst>
       <p:ext uri="{BB962C8B-B14F-4D97-AF65-F5344CB8AC3E}">
         <p14:creationId xmlns:p14="http://schemas.microsoft.com/office/powerpoint/2010/main" val="1488709736"/>
+      </p:ext>
+    </p:extLst>
+  </p:cSld>
+  <p:clrMapOvr>
+    <a:masterClrMapping/>
+  </p:clrMapOvr>
+  <p:timing>
+    <p:tnLst>
+      <p:par>
+        <p:cTn id="1" dur="indefinite" restart="never" nodeType="tmRoot"/>
+      </p:par>
+    </p:tnLst>
+  </p:timing>
+</p:sld>
+</file>
+
+<file path=ppt/slides/slide4.xml><?xml version="1.0" encoding="utf-8"?>
+<p:sld xmlns:a="http://schemas.openxmlformats.org/drawingml/2006/main" xmlns:r="http://schemas.openxmlformats.org/officeDocument/2006/relationships" xmlns:p="http://schemas.openxmlformats.org/presentationml/2006/main">
+  <p:cSld>
+    <p:spTree>
+      <p:nvGrpSpPr>
+        <p:cNvPr id="1" name=""/>
+        <p:cNvGrpSpPr/>
+        <p:nvPr/>
+      </p:nvGrpSpPr>
+      <p:grpSpPr>
+        <a:xfrm>
+          <a:off x="0" y="0"/>
+          <a:ext cx="0" cy="0"/>
+          <a:chOff x="0" y="0"/>
+          <a:chExt cx="0" cy="0"/>
+        </a:xfrm>
+      </p:grpSpPr>
+      <p:sp>
+        <p:nvSpPr>
+          <p:cNvPr id="2" name="Title 1"/>
+          <p:cNvSpPr>
+            <a:spLocks noGrp="1"/>
+          </p:cNvSpPr>
+          <p:nvPr>
+            <p:ph type="title"/>
+          </p:nvPr>
+        </p:nvSpPr>
+        <p:spPr/>
+        <p:txBody>
+          <a:bodyPr/>
+          <a:lstStyle/>
+          <a:p>
+            <a:r>
+              <a:rPr lang="en-GB" dirty="0" smtClean="0"/>
+              <a:t>Before: Original Diagrams</a:t>
+            </a:r>
+            <a:endParaRPr lang="en-GB" dirty="0"/>
+          </a:p>
+        </p:txBody>
+      </p:sp>
+      <p:sp>
+        <p:nvSpPr>
+          <p:cNvPr id="4" name="Title 1"/>
+          <p:cNvSpPr txBox="1">
+            <a:spLocks/>
+          </p:cNvSpPr>
+          <p:nvPr/>
+        </p:nvSpPr>
+        <p:spPr>
+          <a:xfrm>
+            <a:off x="446856" y="1709936"/>
+            <a:ext cx="8229600" cy="1143000"/>
+          </a:xfrm>
+          <a:prstGeom prst="rect">
+            <a:avLst/>
+          </a:prstGeom>
+        </p:spPr>
+        <p:txBody>
+          <a:bodyPr vert="horz" lIns="91431" tIns="45715" rIns="91431" bIns="45715" rtlCol="0" anchor="ctr">
+            <a:normAutofit/>
+          </a:bodyPr>
+          <a:lstStyle>
+            <a:lvl1pPr algn="ctr" defTabSz="914400" rtl="0" eaLnBrk="1" latinLnBrk="0" hangingPunct="1">
+              <a:spcBef>
+                <a:spcPct val="0"/>
+              </a:spcBef>
+              <a:buNone/>
+              <a:defRPr sz="4400" kern="1200">
+                <a:solidFill>
+                  <a:schemeClr val="tx1"/>
+                </a:solidFill>
+                <a:latin typeface="+mj-lt"/>
+                <a:ea typeface="+mj-ea"/>
+                <a:cs typeface="+mj-cs"/>
+              </a:defRPr>
+            </a:lvl1pPr>
+          </a:lstStyle>
+          <a:p>
+            <a:r>
+              <a:rPr lang="en-GB" dirty="0" smtClean="0"/>
+              <a:t>After: Revised Diagrams</a:t>
+            </a:r>
+            <a:endParaRPr lang="en-GB" dirty="0"/>
+          </a:p>
+        </p:txBody>
+      </p:sp>
+    </p:spTree>
+    <p:extLst>
+      <p:ext uri="{BB962C8B-B14F-4D97-AF65-F5344CB8AC3E}">
+        <p14:creationId xmlns:p14="http://schemas.microsoft.com/office/powerpoint/2010/main" val="827445304"/>
+      </p:ext>
+    </p:extLst>
+  </p:cSld>
+  <p:clrMapOvr>
+    <a:masterClrMapping/>
+  </p:clrMapOvr>
+</p:sld>
+</file>
+
+<file path=ppt/slides/slide5.xml><?xml version="1.0" encoding="utf-8"?>
+<p:sld xmlns:a="http://schemas.openxmlformats.org/drawingml/2006/main" xmlns:r="http://schemas.openxmlformats.org/officeDocument/2006/relationships" xmlns:p="http://schemas.openxmlformats.org/presentationml/2006/main">
+  <p:cSld>
+    <p:spTree>
+      <p:nvGrpSpPr>
+        <p:cNvPr id="1" name=""/>
+        <p:cNvGrpSpPr/>
+        <p:nvPr/>
+      </p:nvGrpSpPr>
+      <p:grpSpPr>
+        <a:xfrm>
+          <a:off x="0" y="0"/>
+          <a:ext cx="0" cy="0"/>
+          <a:chOff x="0" y="0"/>
+          <a:chExt cx="0" cy="0"/>
+        </a:xfrm>
+      </p:grpSpPr>
+      <p:sp>
+        <p:nvSpPr>
+          <p:cNvPr id="38" name="Cloud Callout 37"/>
+          <p:cNvSpPr/>
+          <p:nvPr/>
+        </p:nvSpPr>
+        <p:spPr>
+          <a:xfrm>
+            <a:off x="4572000" y="692696"/>
+            <a:ext cx="2527116" cy="1710190"/>
+          </a:xfrm>
+          <a:prstGeom prst="cloudCallout">
+            <a:avLst>
+              <a:gd name="adj1" fmla="val -991961"/>
+              <a:gd name="adj2" fmla="val 373574"/>
+            </a:avLst>
+          </a:prstGeom>
+          <a:solidFill>
+            <a:schemeClr val="bg1"/>
+          </a:solidFill>
+          <a:ln>
+            <a:solidFill>
+              <a:schemeClr val="tx1"/>
+            </a:solidFill>
+          </a:ln>
+        </p:spPr>
+        <p:style>
+          <a:lnRef idx="2">
+            <a:schemeClr val="accent1">
+              <a:shade val="50000"/>
+            </a:schemeClr>
+          </a:lnRef>
+          <a:fillRef idx="1">
+            <a:schemeClr val="accent1"/>
+          </a:fillRef>
+          <a:effectRef idx="0">
+            <a:schemeClr val="accent1"/>
+          </a:effectRef>
+          <a:fontRef idx="minor">
+            <a:schemeClr val="lt1"/>
+          </a:fontRef>
+        </p:style>
+        <p:txBody>
+          <a:bodyPr rot="0" spcFirstLastPara="0" vertOverflow="overflow" horzOverflow="overflow" vert="horz" wrap="square" lIns="91431" tIns="45715" rIns="91431" bIns="45715" numCol="1" spcCol="0" rtlCol="0" fromWordArt="0" anchor="ctr" anchorCtr="0" forceAA="0" compatLnSpc="1">
+            <a:prstTxWarp prst="textNoShape">
+              <a:avLst/>
+            </a:prstTxWarp>
+            <a:noAutofit/>
+          </a:bodyPr>
+          <a:lstStyle/>
+          <a:p>
+            <a:pPr algn="ctr"/>
+            <a:endParaRPr lang="en-GB" dirty="0">
+              <a:solidFill>
+                <a:schemeClr val="tx1"/>
+              </a:solidFill>
+            </a:endParaRPr>
+          </a:p>
+        </p:txBody>
+      </p:sp>
+      <p:sp>
+        <p:nvSpPr>
+          <p:cNvPr id="4" name="Rounded Rectangle 3"/>
+          <p:cNvSpPr/>
+          <p:nvPr/>
+        </p:nvSpPr>
+        <p:spPr>
+          <a:xfrm>
+            <a:off x="2051720" y="482600"/>
+            <a:ext cx="1872208" cy="2082304"/>
+          </a:xfrm>
+          <a:prstGeom prst="roundRect">
+            <a:avLst/>
+          </a:prstGeom>
+          <a:solidFill>
+            <a:schemeClr val="bg1"/>
+          </a:solidFill>
+          <a:ln>
+            <a:solidFill>
+              <a:schemeClr val="tx1"/>
+            </a:solidFill>
+          </a:ln>
+        </p:spPr>
+        <p:style>
+          <a:lnRef idx="2">
+            <a:schemeClr val="accent1">
+              <a:shade val="50000"/>
+            </a:schemeClr>
+          </a:lnRef>
+          <a:fillRef idx="1">
+            <a:schemeClr val="accent1"/>
+          </a:fillRef>
+          <a:effectRef idx="0">
+            <a:schemeClr val="accent1"/>
+          </a:effectRef>
+          <a:fontRef idx="minor">
+            <a:schemeClr val="lt1"/>
+          </a:fontRef>
+        </p:style>
+        <p:txBody>
+          <a:bodyPr lIns="91431" tIns="45715" rIns="91431" bIns="45715" rtlCol="0" anchor="ctr"/>
+          <a:lstStyle/>
+          <a:p>
+            <a:pPr algn="ctr"/>
+            <a:endParaRPr lang="en-GB" dirty="0">
+              <a:solidFill>
+                <a:schemeClr val="tx1"/>
+              </a:solidFill>
+            </a:endParaRPr>
+          </a:p>
+        </p:txBody>
+      </p:sp>
+      <p:cxnSp>
+        <p:nvCxnSpPr>
+          <p:cNvPr id="6" name="Straight Arrow Connector 5"/>
+          <p:cNvCxnSpPr>
+            <a:stCxn id="4" idx="2"/>
+          </p:cNvCxnSpPr>
+          <p:nvPr/>
+        </p:nvCxnSpPr>
+        <p:spPr>
+          <a:xfrm>
+            <a:off x="2987824" y="2564904"/>
+            <a:ext cx="0" cy="792088"/>
+          </a:xfrm>
+          <a:prstGeom prst="straightConnector1">
+            <a:avLst/>
+          </a:prstGeom>
+          <a:ln>
+            <a:solidFill>
+              <a:schemeClr val="tx1"/>
+            </a:solidFill>
+            <a:prstDash val="sysDot"/>
+            <a:tailEnd type="arrow"/>
+          </a:ln>
+        </p:spPr>
+        <p:style>
+          <a:lnRef idx="1">
+            <a:schemeClr val="accent1"/>
+          </a:lnRef>
+          <a:fillRef idx="0">
+            <a:schemeClr val="accent1"/>
+          </a:fillRef>
+          <a:effectRef idx="0">
+            <a:schemeClr val="accent1"/>
+          </a:effectRef>
+          <a:fontRef idx="minor">
+            <a:schemeClr val="tx1"/>
+          </a:fontRef>
+        </p:style>
+      </p:cxnSp>
+      <p:sp>
+        <p:nvSpPr>
+          <p:cNvPr id="7" name="Rectangle 6"/>
+          <p:cNvSpPr/>
+          <p:nvPr/>
+        </p:nvSpPr>
+        <p:spPr>
+          <a:xfrm>
+            <a:off x="2072711" y="476672"/>
+            <a:ext cx="1830226" cy="338544"/>
+          </a:xfrm>
+          <a:prstGeom prst="rect">
+            <a:avLst/>
+          </a:prstGeom>
+        </p:spPr>
+        <p:txBody>
+          <a:bodyPr wrap="none" lIns="91431" tIns="45715" rIns="91431" bIns="45715">
+            <a:spAutoFit/>
+          </a:bodyPr>
+          <a:lstStyle/>
+          <a:p>
+            <a:pPr algn="ctr"/>
+            <a:r>
+              <a:rPr lang="en-GB" sz="1600" dirty="0"/>
+              <a:t>Shower Control Box</a:t>
+            </a:r>
+            <a:endParaRPr lang="en-GB" sz="1600" dirty="0"/>
+          </a:p>
+        </p:txBody>
+      </p:sp>
+      <p:sp>
+        <p:nvSpPr>
+          <p:cNvPr id="8" name="Rounded Rectangle 7"/>
+          <p:cNvSpPr/>
+          <p:nvPr/>
+        </p:nvSpPr>
+        <p:spPr>
+          <a:xfrm>
+            <a:off x="2195736" y="1196752"/>
+            <a:ext cx="1584176" cy="180020"/>
+          </a:xfrm>
+          <a:prstGeom prst="roundRect">
+            <a:avLst/>
+          </a:prstGeom>
+          <a:solidFill>
+            <a:schemeClr val="bg1"/>
+          </a:solidFill>
+          <a:ln w="12700">
+            <a:solidFill>
+              <a:schemeClr val="tx1"/>
+            </a:solidFill>
+          </a:ln>
+        </p:spPr>
+        <p:style>
+          <a:lnRef idx="2">
+            <a:schemeClr val="accent1">
+              <a:shade val="50000"/>
+            </a:schemeClr>
+          </a:lnRef>
+          <a:fillRef idx="1">
+            <a:schemeClr val="accent1"/>
+          </a:fillRef>
+          <a:effectRef idx="0">
+            <a:schemeClr val="accent1"/>
+          </a:effectRef>
+          <a:fontRef idx="minor">
+            <a:schemeClr val="lt1"/>
+          </a:fontRef>
+        </p:style>
+        <p:txBody>
+          <a:bodyPr rot="0" spcFirstLastPara="0" vertOverflow="overflow" horzOverflow="overflow" vert="horz" wrap="square" lIns="91431" tIns="45715" rIns="91431" bIns="45715" numCol="1" spcCol="0" rtlCol="0" fromWordArt="0" anchor="ctr" anchorCtr="0" forceAA="0" compatLnSpc="1">
+            <a:prstTxWarp prst="textNoShape">
+              <a:avLst/>
+            </a:prstTxWarp>
+            <a:noAutofit/>
+          </a:bodyPr>
+          <a:lstStyle/>
+          <a:p>
+            <a:pPr algn="ctr"/>
+            <a:r>
+              <a:rPr lang="en-GB" sz="1200" dirty="0">
+                <a:solidFill>
+                  <a:schemeClr val="tx1"/>
+                </a:solidFill>
+              </a:rPr>
+              <a:t>Number Pad</a:t>
+            </a:r>
+            <a:endParaRPr lang="en-GB" sz="1200" dirty="0">
+              <a:solidFill>
+                <a:schemeClr val="tx1"/>
+              </a:solidFill>
+            </a:endParaRPr>
+          </a:p>
+        </p:txBody>
+      </p:sp>
+      <p:sp>
+        <p:nvSpPr>
+          <p:cNvPr id="9" name="Rounded Rectangle 8"/>
+          <p:cNvSpPr/>
+          <p:nvPr/>
+        </p:nvSpPr>
+        <p:spPr>
+          <a:xfrm>
+            <a:off x="2195736" y="1434308"/>
+            <a:ext cx="1584176" cy="180020"/>
+          </a:xfrm>
+          <a:prstGeom prst="roundRect">
+            <a:avLst/>
+          </a:prstGeom>
+          <a:solidFill>
+            <a:schemeClr val="bg1"/>
+          </a:solidFill>
+          <a:ln w="12700">
+            <a:solidFill>
+              <a:schemeClr val="tx1"/>
+            </a:solidFill>
+          </a:ln>
+        </p:spPr>
+        <p:style>
+          <a:lnRef idx="2">
+            <a:schemeClr val="accent1">
+              <a:shade val="50000"/>
+            </a:schemeClr>
+          </a:lnRef>
+          <a:fillRef idx="1">
+            <a:schemeClr val="accent1"/>
+          </a:fillRef>
+          <a:effectRef idx="0">
+            <a:schemeClr val="accent1"/>
+          </a:effectRef>
+          <a:fontRef idx="minor">
+            <a:schemeClr val="lt1"/>
+          </a:fontRef>
+        </p:style>
+        <p:txBody>
+          <a:bodyPr rot="0" spcFirstLastPara="0" vertOverflow="overflow" horzOverflow="overflow" vert="horz" wrap="square" lIns="91431" tIns="45715" rIns="91431" bIns="45715" numCol="1" spcCol="0" rtlCol="0" fromWordArt="0" anchor="ctr" anchorCtr="0" forceAA="0" compatLnSpc="1">
+            <a:prstTxWarp prst="textNoShape">
+              <a:avLst/>
+            </a:prstTxWarp>
+            <a:noAutofit/>
+          </a:bodyPr>
+          <a:lstStyle/>
+          <a:p>
+            <a:pPr algn="ctr"/>
+            <a:r>
+              <a:rPr lang="en-GB" sz="1200" dirty="0">
+                <a:solidFill>
+                  <a:schemeClr val="tx1"/>
+                </a:solidFill>
+              </a:rPr>
+              <a:t>Digital Display</a:t>
+            </a:r>
+            <a:endParaRPr lang="en-GB" sz="1200" dirty="0">
+              <a:solidFill>
+                <a:schemeClr val="tx1"/>
+              </a:solidFill>
+            </a:endParaRPr>
+          </a:p>
+        </p:txBody>
+      </p:sp>
+      <p:sp>
+        <p:nvSpPr>
+          <p:cNvPr id="10" name="Rounded Rectangle 9"/>
+          <p:cNvSpPr/>
+          <p:nvPr/>
+        </p:nvSpPr>
+        <p:spPr>
+          <a:xfrm>
+            <a:off x="2195736" y="1676718"/>
+            <a:ext cx="1584176" cy="180020"/>
+          </a:xfrm>
+          <a:prstGeom prst="roundRect">
+            <a:avLst/>
+          </a:prstGeom>
+          <a:solidFill>
+            <a:schemeClr val="bg1"/>
+          </a:solidFill>
+          <a:ln w="12700">
+            <a:solidFill>
+              <a:schemeClr val="tx1"/>
+            </a:solidFill>
+          </a:ln>
+        </p:spPr>
+        <p:style>
+          <a:lnRef idx="2">
+            <a:schemeClr val="accent1">
+              <a:shade val="50000"/>
+            </a:schemeClr>
+          </a:lnRef>
+          <a:fillRef idx="1">
+            <a:schemeClr val="accent1"/>
+          </a:fillRef>
+          <a:effectRef idx="0">
+            <a:schemeClr val="accent1"/>
+          </a:effectRef>
+          <a:fontRef idx="minor">
+            <a:schemeClr val="lt1"/>
+          </a:fontRef>
+        </p:style>
+        <p:txBody>
+          <a:bodyPr rot="0" spcFirstLastPara="0" vertOverflow="overflow" horzOverflow="overflow" vert="horz" wrap="square" lIns="91431" tIns="45715" rIns="91431" bIns="45715" numCol="1" spcCol="0" rtlCol="0" fromWordArt="0" anchor="ctr" anchorCtr="0" forceAA="0" compatLnSpc="1">
+            <a:prstTxWarp prst="textNoShape">
+              <a:avLst/>
+            </a:prstTxWarp>
+            <a:noAutofit/>
+          </a:bodyPr>
+          <a:lstStyle/>
+          <a:p>
+            <a:pPr algn="ctr"/>
+            <a:r>
+              <a:rPr lang="en-GB" sz="1200" dirty="0">
+                <a:solidFill>
+                  <a:schemeClr val="tx1"/>
+                </a:solidFill>
+              </a:rPr>
+              <a:t>Status LED</a:t>
+            </a:r>
+            <a:endParaRPr lang="en-GB" sz="1200" dirty="0">
+              <a:solidFill>
+                <a:schemeClr val="tx1"/>
+              </a:solidFill>
+            </a:endParaRPr>
+          </a:p>
+        </p:txBody>
+      </p:sp>
+      <p:sp>
+        <p:nvSpPr>
+          <p:cNvPr id="11" name="Rounded Rectangle 10"/>
+          <p:cNvSpPr/>
+          <p:nvPr/>
+        </p:nvSpPr>
+        <p:spPr>
+          <a:xfrm>
+            <a:off x="2195736" y="1931024"/>
+            <a:ext cx="1584176" cy="180020"/>
+          </a:xfrm>
+          <a:prstGeom prst="roundRect">
+            <a:avLst/>
+          </a:prstGeom>
+          <a:solidFill>
+            <a:schemeClr val="bg1"/>
+          </a:solidFill>
+          <a:ln w="12700">
+            <a:solidFill>
+              <a:schemeClr val="tx1"/>
+            </a:solidFill>
+          </a:ln>
+        </p:spPr>
+        <p:style>
+          <a:lnRef idx="2">
+            <a:schemeClr val="accent1">
+              <a:shade val="50000"/>
+            </a:schemeClr>
+          </a:lnRef>
+          <a:fillRef idx="1">
+            <a:schemeClr val="accent1"/>
+          </a:fillRef>
+          <a:effectRef idx="0">
+            <a:schemeClr val="accent1"/>
+          </a:effectRef>
+          <a:fontRef idx="minor">
+            <a:schemeClr val="lt1"/>
+          </a:fontRef>
+        </p:style>
+        <p:txBody>
+          <a:bodyPr rot="0" spcFirstLastPara="0" vertOverflow="overflow" horzOverflow="overflow" vert="horz" wrap="square" lIns="91431" tIns="45715" rIns="91431" bIns="45715" numCol="1" spcCol="0" rtlCol="0" fromWordArt="0" anchor="ctr" anchorCtr="0" forceAA="0" compatLnSpc="1">
+            <a:prstTxWarp prst="textNoShape">
+              <a:avLst/>
+            </a:prstTxWarp>
+            <a:noAutofit/>
+          </a:bodyPr>
+          <a:lstStyle/>
+          <a:p>
+            <a:pPr algn="ctr"/>
+            <a:r>
+              <a:rPr lang="en-GB" sz="1200" dirty="0">
+                <a:solidFill>
+                  <a:schemeClr val="tx1"/>
+                </a:solidFill>
+              </a:rPr>
+              <a:t>Humidity Sensor</a:t>
+            </a:r>
+            <a:endParaRPr lang="en-GB" sz="1200" dirty="0">
+              <a:solidFill>
+                <a:schemeClr val="tx1"/>
+              </a:solidFill>
+            </a:endParaRPr>
+          </a:p>
+        </p:txBody>
+      </p:sp>
+      <p:sp>
+        <p:nvSpPr>
+          <p:cNvPr id="17" name="TextBox 16"/>
+          <p:cNvSpPr txBox="1"/>
+          <p:nvPr/>
+        </p:nvSpPr>
+        <p:spPr>
+          <a:xfrm>
+            <a:off x="2081439" y="2636912"/>
+            <a:ext cx="1296144" cy="261600"/>
+          </a:xfrm>
+          <a:prstGeom prst="rect">
+            <a:avLst/>
+          </a:prstGeom>
+          <a:noFill/>
+        </p:spPr>
+        <p:txBody>
+          <a:bodyPr wrap="square" lIns="91431" tIns="45715" rIns="91431" bIns="45715" rtlCol="0">
+            <a:spAutoFit/>
+          </a:bodyPr>
+          <a:lstStyle/>
+          <a:p>
+            <a:r>
+              <a:rPr lang="en-GB" sz="1100" dirty="0"/>
+              <a:t>WiFi REST API</a:t>
+            </a:r>
+            <a:endParaRPr lang="en-GB" sz="1100" dirty="0"/>
+          </a:p>
+        </p:txBody>
+      </p:sp>
+      <p:sp>
+        <p:nvSpPr>
+          <p:cNvPr id="18" name="Rounded Rectangle 17"/>
+          <p:cNvSpPr/>
+          <p:nvPr/>
+        </p:nvSpPr>
+        <p:spPr>
+          <a:xfrm>
+            <a:off x="2081439" y="3367735"/>
+            <a:ext cx="1872208" cy="1861466"/>
+          </a:xfrm>
+          <a:prstGeom prst="roundRect">
+            <a:avLst/>
+          </a:prstGeom>
+          <a:solidFill>
+            <a:schemeClr val="bg1"/>
+          </a:solidFill>
+          <a:ln>
+            <a:solidFill>
+              <a:schemeClr val="tx1"/>
+            </a:solidFill>
+          </a:ln>
+        </p:spPr>
+        <p:style>
+          <a:lnRef idx="2">
+            <a:schemeClr val="accent1">
+              <a:shade val="50000"/>
+            </a:schemeClr>
+          </a:lnRef>
+          <a:fillRef idx="1">
+            <a:schemeClr val="accent1"/>
+          </a:fillRef>
+          <a:effectRef idx="0">
+            <a:schemeClr val="accent1"/>
+          </a:effectRef>
+          <a:fontRef idx="minor">
+            <a:schemeClr val="lt1"/>
+          </a:fontRef>
+        </p:style>
+        <p:txBody>
+          <a:bodyPr lIns="91431" tIns="45715" rIns="91431" bIns="45715" rtlCol="0" anchor="ctr"/>
+          <a:lstStyle/>
+          <a:p>
+            <a:pPr algn="ctr"/>
+            <a:endParaRPr lang="en-GB" dirty="0">
+              <a:solidFill>
+                <a:schemeClr val="tx1"/>
+              </a:solidFill>
+            </a:endParaRPr>
+          </a:p>
+        </p:txBody>
+      </p:sp>
+      <p:sp>
+        <p:nvSpPr>
+          <p:cNvPr id="19" name="Rectangle 18"/>
+          <p:cNvSpPr/>
+          <p:nvPr/>
+        </p:nvSpPr>
+        <p:spPr>
+          <a:xfrm>
+            <a:off x="2429093" y="3367735"/>
+            <a:ext cx="1176906" cy="338544"/>
+          </a:xfrm>
+          <a:prstGeom prst="rect">
+            <a:avLst/>
+          </a:prstGeom>
+        </p:spPr>
+        <p:txBody>
+          <a:bodyPr wrap="none" lIns="91431" tIns="45715" rIns="91431" bIns="45715">
+            <a:spAutoFit/>
+          </a:bodyPr>
+          <a:lstStyle/>
+          <a:p>
+            <a:pPr algn="ctr"/>
+            <a:r>
+              <a:rPr lang="en-GB" sz="1600" dirty="0"/>
+              <a:t>Receive Box</a:t>
+            </a:r>
+            <a:endParaRPr lang="en-GB" sz="1600" dirty="0"/>
+          </a:p>
+        </p:txBody>
+      </p:sp>
+      <p:sp>
+        <p:nvSpPr>
+          <p:cNvPr id="20" name="Rounded Rectangle 19"/>
+          <p:cNvSpPr/>
+          <p:nvPr/>
+        </p:nvSpPr>
+        <p:spPr>
+          <a:xfrm>
+            <a:off x="2225455" y="3871791"/>
+            <a:ext cx="1584176" cy="180020"/>
+          </a:xfrm>
+          <a:prstGeom prst="roundRect">
+            <a:avLst/>
+          </a:prstGeom>
+          <a:solidFill>
+            <a:schemeClr val="bg1"/>
+          </a:solidFill>
+          <a:ln w="12700">
+            <a:solidFill>
+              <a:schemeClr val="tx1"/>
+            </a:solidFill>
+          </a:ln>
+        </p:spPr>
+        <p:style>
+          <a:lnRef idx="2">
+            <a:schemeClr val="accent1">
+              <a:shade val="50000"/>
+            </a:schemeClr>
+          </a:lnRef>
+          <a:fillRef idx="1">
+            <a:schemeClr val="accent1"/>
+          </a:fillRef>
+          <a:effectRef idx="0">
+            <a:schemeClr val="accent1"/>
+          </a:effectRef>
+          <a:fontRef idx="minor">
+            <a:schemeClr val="lt1"/>
+          </a:fontRef>
+        </p:style>
+        <p:txBody>
+          <a:bodyPr rot="0" spcFirstLastPara="0" vertOverflow="overflow" horzOverflow="overflow" vert="horz" wrap="square" lIns="91431" tIns="45715" rIns="91431" bIns="45715" numCol="1" spcCol="0" rtlCol="0" fromWordArt="0" anchor="ctr" anchorCtr="0" forceAA="0" compatLnSpc="1">
+            <a:prstTxWarp prst="textNoShape">
+              <a:avLst/>
+            </a:prstTxWarp>
+            <a:noAutofit/>
+          </a:bodyPr>
+          <a:lstStyle/>
+          <a:p>
+            <a:pPr algn="ctr"/>
+            <a:r>
+              <a:rPr lang="en-GB" sz="1200" dirty="0">
+                <a:solidFill>
+                  <a:schemeClr val="tx1"/>
+                </a:solidFill>
+              </a:rPr>
+              <a:t>Active Buzzer</a:t>
+            </a:r>
+            <a:endParaRPr lang="en-GB" sz="1200" dirty="0">
+              <a:solidFill>
+                <a:schemeClr val="tx1"/>
+              </a:solidFill>
+            </a:endParaRPr>
+          </a:p>
+        </p:txBody>
+      </p:sp>
+      <p:sp>
+        <p:nvSpPr>
+          <p:cNvPr id="21" name="Rounded Rectangle 20"/>
+          <p:cNvSpPr/>
+          <p:nvPr/>
+        </p:nvSpPr>
+        <p:spPr>
+          <a:xfrm>
+            <a:off x="2225455" y="4109347"/>
+            <a:ext cx="1584176" cy="180020"/>
+          </a:xfrm>
+          <a:prstGeom prst="roundRect">
+            <a:avLst/>
+          </a:prstGeom>
+          <a:solidFill>
+            <a:schemeClr val="bg1"/>
+          </a:solidFill>
+          <a:ln w="12700">
+            <a:solidFill>
+              <a:schemeClr val="tx1"/>
+            </a:solidFill>
+          </a:ln>
+        </p:spPr>
+        <p:style>
+          <a:lnRef idx="2">
+            <a:schemeClr val="accent1">
+              <a:shade val="50000"/>
+            </a:schemeClr>
+          </a:lnRef>
+          <a:fillRef idx="1">
+            <a:schemeClr val="accent1"/>
+          </a:fillRef>
+          <a:effectRef idx="0">
+            <a:schemeClr val="accent1"/>
+          </a:effectRef>
+          <a:fontRef idx="minor">
+            <a:schemeClr val="lt1"/>
+          </a:fontRef>
+        </p:style>
+        <p:txBody>
+          <a:bodyPr rot="0" spcFirstLastPara="0" vertOverflow="overflow" horzOverflow="overflow" vert="horz" wrap="square" lIns="91431" tIns="45715" rIns="91431" bIns="45715" numCol="1" spcCol="0" rtlCol="0" fromWordArt="0" anchor="ctr" anchorCtr="0" forceAA="0" compatLnSpc="1">
+            <a:prstTxWarp prst="textNoShape">
+              <a:avLst/>
+            </a:prstTxWarp>
+            <a:noAutofit/>
+          </a:bodyPr>
+          <a:lstStyle/>
+          <a:p>
+            <a:pPr algn="ctr"/>
+            <a:r>
+              <a:rPr lang="en-GB" sz="1200" dirty="0">
+                <a:solidFill>
+                  <a:schemeClr val="tx1"/>
+                </a:solidFill>
+              </a:rPr>
+              <a:t>8*8 LED Display</a:t>
+            </a:r>
+            <a:endParaRPr lang="en-GB" sz="1200" dirty="0">
+              <a:solidFill>
+                <a:schemeClr val="tx1"/>
+              </a:solidFill>
+            </a:endParaRPr>
+          </a:p>
+        </p:txBody>
+      </p:sp>
+      <p:sp>
+        <p:nvSpPr>
+          <p:cNvPr id="22" name="Rounded Rectangle 21"/>
+          <p:cNvSpPr/>
+          <p:nvPr/>
+        </p:nvSpPr>
+        <p:spPr>
+          <a:xfrm>
+            <a:off x="2225455" y="4351757"/>
+            <a:ext cx="1584176" cy="180020"/>
+          </a:xfrm>
+          <a:prstGeom prst="roundRect">
+            <a:avLst/>
+          </a:prstGeom>
+          <a:solidFill>
+            <a:schemeClr val="bg1"/>
+          </a:solidFill>
+          <a:ln w="12700">
+            <a:solidFill>
+              <a:schemeClr val="tx1"/>
+            </a:solidFill>
+          </a:ln>
+        </p:spPr>
+        <p:style>
+          <a:lnRef idx="2">
+            <a:schemeClr val="accent1">
+              <a:shade val="50000"/>
+            </a:schemeClr>
+          </a:lnRef>
+          <a:fillRef idx="1">
+            <a:schemeClr val="accent1"/>
+          </a:fillRef>
+          <a:effectRef idx="0">
+            <a:schemeClr val="accent1"/>
+          </a:effectRef>
+          <a:fontRef idx="minor">
+            <a:schemeClr val="lt1"/>
+          </a:fontRef>
+        </p:style>
+        <p:txBody>
+          <a:bodyPr rot="0" spcFirstLastPara="0" vertOverflow="overflow" horzOverflow="overflow" vert="horz" wrap="square" lIns="91431" tIns="45715" rIns="91431" bIns="45715" numCol="1" spcCol="0" rtlCol="0" fromWordArt="0" anchor="ctr" anchorCtr="0" forceAA="0" compatLnSpc="1">
+            <a:prstTxWarp prst="textNoShape">
+              <a:avLst/>
+            </a:prstTxWarp>
+            <a:noAutofit/>
+          </a:bodyPr>
+          <a:lstStyle/>
+          <a:p>
+            <a:pPr algn="ctr"/>
+            <a:r>
+              <a:rPr lang="en-GB" sz="1200" dirty="0">
+                <a:solidFill>
+                  <a:schemeClr val="tx1"/>
+                </a:solidFill>
+              </a:rPr>
+              <a:t>Status LED</a:t>
+            </a:r>
+            <a:endParaRPr lang="en-GB" sz="1200" dirty="0">
+              <a:solidFill>
+                <a:schemeClr val="tx1"/>
+              </a:solidFill>
+            </a:endParaRPr>
+          </a:p>
+        </p:txBody>
+      </p:sp>
+      <p:sp>
+        <p:nvSpPr>
+          <p:cNvPr id="23" name="Rounded Rectangle 22"/>
+          <p:cNvSpPr/>
+          <p:nvPr/>
+        </p:nvSpPr>
+        <p:spPr>
+          <a:xfrm>
+            <a:off x="2225455" y="4606063"/>
+            <a:ext cx="1584176" cy="180020"/>
+          </a:xfrm>
+          <a:prstGeom prst="roundRect">
+            <a:avLst/>
+          </a:prstGeom>
+          <a:solidFill>
+            <a:schemeClr val="bg1"/>
+          </a:solidFill>
+          <a:ln w="12700">
+            <a:solidFill>
+              <a:schemeClr val="tx1"/>
+            </a:solidFill>
+          </a:ln>
+        </p:spPr>
+        <p:style>
+          <a:lnRef idx="2">
+            <a:schemeClr val="accent1">
+              <a:shade val="50000"/>
+            </a:schemeClr>
+          </a:lnRef>
+          <a:fillRef idx="1">
+            <a:schemeClr val="accent1"/>
+          </a:fillRef>
+          <a:effectRef idx="0">
+            <a:schemeClr val="accent1"/>
+          </a:effectRef>
+          <a:fontRef idx="minor">
+            <a:schemeClr val="lt1"/>
+          </a:fontRef>
+        </p:style>
+        <p:txBody>
+          <a:bodyPr rot="0" spcFirstLastPara="0" vertOverflow="overflow" horzOverflow="overflow" vert="horz" wrap="square" lIns="91431" tIns="45715" rIns="91431" bIns="45715" numCol="1" spcCol="0" rtlCol="0" fromWordArt="0" anchor="ctr" anchorCtr="0" forceAA="0" compatLnSpc="1">
+            <a:prstTxWarp prst="textNoShape">
+              <a:avLst/>
+            </a:prstTxWarp>
+            <a:noAutofit/>
+          </a:bodyPr>
+          <a:lstStyle/>
+          <a:p>
+            <a:pPr algn="ctr"/>
+            <a:r>
+              <a:rPr lang="en-GB" sz="1200" dirty="0">
+                <a:solidFill>
+                  <a:schemeClr val="tx1"/>
+                </a:solidFill>
+              </a:rPr>
+              <a:t>7 Digit Display</a:t>
+            </a:r>
+            <a:endParaRPr lang="en-GB" sz="1200" dirty="0">
+              <a:solidFill>
+                <a:schemeClr val="tx1"/>
+              </a:solidFill>
+            </a:endParaRPr>
+          </a:p>
+        </p:txBody>
+      </p:sp>
+      <p:sp>
+        <p:nvSpPr>
+          <p:cNvPr id="24" name="Rounded Rectangle 23"/>
+          <p:cNvSpPr/>
+          <p:nvPr/>
+        </p:nvSpPr>
+        <p:spPr>
+          <a:xfrm>
+            <a:off x="2225457" y="4848473"/>
+            <a:ext cx="1584176" cy="180020"/>
+          </a:xfrm>
+          <a:prstGeom prst="roundRect">
+            <a:avLst/>
+          </a:prstGeom>
+          <a:solidFill>
+            <a:schemeClr val="bg1"/>
+          </a:solidFill>
+          <a:ln w="12700">
+            <a:solidFill>
+              <a:schemeClr val="tx1"/>
+            </a:solidFill>
+          </a:ln>
+        </p:spPr>
+        <p:style>
+          <a:lnRef idx="2">
+            <a:schemeClr val="accent1">
+              <a:shade val="50000"/>
+            </a:schemeClr>
+          </a:lnRef>
+          <a:fillRef idx="1">
+            <a:schemeClr val="accent1"/>
+          </a:fillRef>
+          <a:effectRef idx="0">
+            <a:schemeClr val="accent1"/>
+          </a:effectRef>
+          <a:fontRef idx="minor">
+            <a:schemeClr val="lt1"/>
+          </a:fontRef>
+        </p:style>
+        <p:txBody>
+          <a:bodyPr rot="0" spcFirstLastPara="0" vertOverflow="overflow" horzOverflow="overflow" vert="horz" wrap="square" lIns="91431" tIns="45715" rIns="91431" bIns="45715" numCol="1" spcCol="0" rtlCol="0" fromWordArt="0" anchor="ctr" anchorCtr="0" forceAA="0" compatLnSpc="1">
+            <a:prstTxWarp prst="textNoShape">
+              <a:avLst/>
+            </a:prstTxWarp>
+            <a:noAutofit/>
+          </a:bodyPr>
+          <a:lstStyle/>
+          <a:p>
+            <a:pPr algn="ctr"/>
+            <a:r>
+              <a:rPr lang="en-GB" sz="1200" dirty="0">
+                <a:solidFill>
+                  <a:schemeClr val="tx1"/>
+                </a:solidFill>
+              </a:rPr>
+              <a:t>Motion Sensor</a:t>
+            </a:r>
+            <a:endParaRPr lang="en-GB" sz="1200" dirty="0">
+              <a:solidFill>
+                <a:schemeClr val="tx1"/>
+              </a:solidFill>
+            </a:endParaRPr>
+          </a:p>
+        </p:txBody>
+      </p:sp>
+      <p:sp>
+        <p:nvSpPr>
+          <p:cNvPr id="33" name="TextBox 32"/>
+          <p:cNvSpPr txBox="1"/>
+          <p:nvPr/>
+        </p:nvSpPr>
+        <p:spPr>
+          <a:xfrm>
+            <a:off x="3014431" y="3068960"/>
+            <a:ext cx="1296144" cy="261600"/>
+          </a:xfrm>
+          <a:prstGeom prst="rect">
+            <a:avLst/>
+          </a:prstGeom>
+          <a:noFill/>
+        </p:spPr>
+        <p:txBody>
+          <a:bodyPr wrap="square" lIns="91431" tIns="45715" rIns="91431" bIns="45715" rtlCol="0">
+            <a:spAutoFit/>
+          </a:bodyPr>
+          <a:lstStyle/>
+          <a:p>
+            <a:r>
+              <a:rPr lang="en-GB" sz="1100" dirty="0"/>
+              <a:t>*x</a:t>
+            </a:r>
+            <a:endParaRPr lang="en-GB" sz="1100" dirty="0"/>
+          </a:p>
+        </p:txBody>
+      </p:sp>
+      <p:cxnSp>
+        <p:nvCxnSpPr>
+          <p:cNvPr id="34" name="Straight Arrow Connector 33"/>
+          <p:cNvCxnSpPr>
+            <a:stCxn id="4" idx="3"/>
+            <a:endCxn id="38" idx="0"/>
+          </p:cNvCxnSpPr>
+          <p:nvPr/>
+        </p:nvCxnSpPr>
+        <p:spPr>
+          <a:xfrm>
+            <a:off x="3923928" y="1523752"/>
+            <a:ext cx="655911" cy="24039"/>
+          </a:xfrm>
+          <a:prstGeom prst="straightConnector1">
+            <a:avLst/>
+          </a:prstGeom>
+          <a:ln>
+            <a:solidFill>
+              <a:schemeClr val="tx1"/>
+            </a:solidFill>
+            <a:prstDash val="sysDot"/>
+            <a:tailEnd type="arrow"/>
+          </a:ln>
+        </p:spPr>
+        <p:style>
+          <a:lnRef idx="1">
+            <a:schemeClr val="accent1"/>
+          </a:lnRef>
+          <a:fillRef idx="0">
+            <a:schemeClr val="accent1"/>
+          </a:fillRef>
+          <a:effectRef idx="0">
+            <a:schemeClr val="accent1"/>
+          </a:effectRef>
+          <a:fontRef idx="minor">
+            <a:schemeClr val="tx1"/>
+          </a:fontRef>
+        </p:style>
+      </p:cxnSp>
+      <p:sp>
+        <p:nvSpPr>
+          <p:cNvPr id="36" name="Rectangle 35"/>
+          <p:cNvSpPr/>
+          <p:nvPr/>
+        </p:nvSpPr>
+        <p:spPr>
+          <a:xfrm>
+            <a:off x="5325655" y="971681"/>
+            <a:ext cx="1019812" cy="338544"/>
+          </a:xfrm>
+          <a:prstGeom prst="rect">
+            <a:avLst/>
+          </a:prstGeom>
+        </p:spPr>
+        <p:txBody>
+          <a:bodyPr wrap="none" lIns="91431" tIns="45715" rIns="91431" bIns="45715">
+            <a:spAutoFit/>
+          </a:bodyPr>
+          <a:lstStyle/>
+          <a:p>
+            <a:pPr algn="ctr"/>
+            <a:r>
+              <a:rPr lang="en-GB" sz="1600"/>
+              <a:t>The Cloud</a:t>
+            </a:r>
+            <a:endParaRPr lang="en-GB" sz="1600" dirty="0"/>
+          </a:p>
+        </p:txBody>
+      </p:sp>
+      <p:sp>
+        <p:nvSpPr>
+          <p:cNvPr id="43" name="Rounded Rectangle 42"/>
+          <p:cNvSpPr/>
+          <p:nvPr/>
+        </p:nvSpPr>
+        <p:spPr>
+          <a:xfrm>
+            <a:off x="5043470" y="1349152"/>
+            <a:ext cx="1584176" cy="180020"/>
+          </a:xfrm>
+          <a:prstGeom prst="roundRect">
+            <a:avLst/>
+          </a:prstGeom>
+          <a:solidFill>
+            <a:schemeClr val="bg1"/>
+          </a:solidFill>
+          <a:ln w="12700">
+            <a:solidFill>
+              <a:schemeClr val="tx1"/>
+            </a:solidFill>
+          </a:ln>
+        </p:spPr>
+        <p:style>
+          <a:lnRef idx="2">
+            <a:schemeClr val="accent1">
+              <a:shade val="50000"/>
+            </a:schemeClr>
+          </a:lnRef>
+          <a:fillRef idx="1">
+            <a:schemeClr val="accent1"/>
+          </a:fillRef>
+          <a:effectRef idx="0">
+            <a:schemeClr val="accent1"/>
+          </a:effectRef>
+          <a:fontRef idx="minor">
+            <a:schemeClr val="lt1"/>
+          </a:fontRef>
+        </p:style>
+        <p:txBody>
+          <a:bodyPr rot="0" spcFirstLastPara="0" vertOverflow="overflow" horzOverflow="overflow" vert="horz" wrap="square" lIns="91431" tIns="45715" rIns="91431" bIns="45715" numCol="1" spcCol="0" rtlCol="0" fromWordArt="0" anchor="ctr" anchorCtr="0" forceAA="0" compatLnSpc="1">
+            <a:prstTxWarp prst="textNoShape">
+              <a:avLst/>
+            </a:prstTxWarp>
+            <a:noAutofit/>
+          </a:bodyPr>
+          <a:lstStyle/>
+          <a:p>
+            <a:pPr algn="ctr"/>
+            <a:r>
+              <a:rPr lang="en-GB" sz="1200" dirty="0">
+                <a:solidFill>
+                  <a:schemeClr val="tx1"/>
+                </a:solidFill>
+              </a:rPr>
+              <a:t>Messenger Service</a:t>
+            </a:r>
+            <a:endParaRPr lang="en-GB" sz="1200" dirty="0">
+              <a:solidFill>
+                <a:schemeClr val="tx1"/>
+              </a:solidFill>
+            </a:endParaRPr>
+          </a:p>
+        </p:txBody>
+      </p:sp>
+      <p:sp>
+        <p:nvSpPr>
+          <p:cNvPr id="25" name="Rounded Rectangle 24"/>
+          <p:cNvSpPr/>
+          <p:nvPr/>
+        </p:nvSpPr>
+        <p:spPr>
+          <a:xfrm>
+            <a:off x="2205280" y="2201054"/>
+            <a:ext cx="1584176" cy="180020"/>
+          </a:xfrm>
+          <a:prstGeom prst="roundRect">
+            <a:avLst/>
+          </a:prstGeom>
+          <a:solidFill>
+            <a:schemeClr val="bg1"/>
+          </a:solidFill>
+          <a:ln w="12700">
+            <a:solidFill>
+              <a:schemeClr val="tx1"/>
+            </a:solidFill>
+          </a:ln>
+        </p:spPr>
+        <p:style>
+          <a:lnRef idx="2">
+            <a:schemeClr val="accent1">
+              <a:shade val="50000"/>
+            </a:schemeClr>
+          </a:lnRef>
+          <a:fillRef idx="1">
+            <a:schemeClr val="accent1"/>
+          </a:fillRef>
+          <a:effectRef idx="0">
+            <a:schemeClr val="accent1"/>
+          </a:effectRef>
+          <a:fontRef idx="minor">
+            <a:schemeClr val="lt1"/>
+          </a:fontRef>
+        </p:style>
+        <p:txBody>
+          <a:bodyPr rot="0" spcFirstLastPara="0" vertOverflow="overflow" horzOverflow="overflow" vert="horz" wrap="square" lIns="91431" tIns="45715" rIns="91431" bIns="45715" numCol="1" spcCol="0" rtlCol="0" fromWordArt="0" anchor="ctr" anchorCtr="0" forceAA="0" compatLnSpc="1">
+            <a:prstTxWarp prst="textNoShape">
+              <a:avLst/>
+            </a:prstTxWarp>
+            <a:noAutofit/>
+          </a:bodyPr>
+          <a:lstStyle/>
+          <a:p>
+            <a:pPr algn="ctr"/>
+            <a:r>
+              <a:rPr lang="en-GB" sz="1200">
+                <a:solidFill>
+                  <a:schemeClr val="tx1"/>
+                </a:solidFill>
+              </a:rPr>
+              <a:t>Temperature Sensor</a:t>
+            </a:r>
+            <a:endParaRPr lang="en-GB" sz="1200" dirty="0">
+              <a:solidFill>
+                <a:schemeClr val="tx1"/>
+              </a:solidFill>
+            </a:endParaRPr>
+          </a:p>
+        </p:txBody>
+      </p:sp>
+      <p:sp>
+        <p:nvSpPr>
+          <p:cNvPr id="27" name="Rounded Rectangle 26"/>
+          <p:cNvSpPr/>
+          <p:nvPr/>
+        </p:nvSpPr>
+        <p:spPr>
+          <a:xfrm>
+            <a:off x="2195736" y="944724"/>
+            <a:ext cx="1584176" cy="180020"/>
+          </a:xfrm>
+          <a:prstGeom prst="roundRect">
+            <a:avLst/>
+          </a:prstGeom>
+          <a:solidFill>
+            <a:schemeClr val="bg1"/>
+          </a:solidFill>
+          <a:ln w="12700">
+            <a:solidFill>
+              <a:schemeClr val="tx1"/>
+            </a:solidFill>
+          </a:ln>
+        </p:spPr>
+        <p:style>
+          <a:lnRef idx="2">
+            <a:schemeClr val="accent1">
+              <a:shade val="50000"/>
+            </a:schemeClr>
+          </a:lnRef>
+          <a:fillRef idx="1">
+            <a:schemeClr val="accent1"/>
+          </a:fillRef>
+          <a:effectRef idx="0">
+            <a:schemeClr val="accent1"/>
+          </a:effectRef>
+          <a:fontRef idx="minor">
+            <a:schemeClr val="lt1"/>
+          </a:fontRef>
+        </p:style>
+        <p:txBody>
+          <a:bodyPr rot="0" spcFirstLastPara="0" vertOverflow="overflow" horzOverflow="overflow" vert="horz" wrap="square" lIns="91431" tIns="45715" rIns="91431" bIns="45715" numCol="1" spcCol="0" rtlCol="0" fromWordArt="0" anchor="ctr" anchorCtr="0" forceAA="0" compatLnSpc="1">
+            <a:prstTxWarp prst="textNoShape">
+              <a:avLst/>
+            </a:prstTxWarp>
+            <a:noAutofit/>
+          </a:bodyPr>
+          <a:lstStyle/>
+          <a:p>
+            <a:pPr algn="ctr"/>
+            <a:r>
+              <a:rPr lang="en-GB" sz="1100" dirty="0">
+                <a:solidFill>
+                  <a:schemeClr val="tx1"/>
+                </a:solidFill>
+              </a:rPr>
+              <a:t>Confirm / Cancel Button</a:t>
+            </a:r>
+            <a:endParaRPr lang="en-GB" sz="1100" dirty="0">
+              <a:solidFill>
+                <a:schemeClr val="tx1"/>
+              </a:solidFill>
+            </a:endParaRPr>
+          </a:p>
+        </p:txBody>
+      </p:sp>
+      <p:sp>
+        <p:nvSpPr>
+          <p:cNvPr id="28" name="Rounded Rectangle 27"/>
+          <p:cNvSpPr/>
+          <p:nvPr/>
+        </p:nvSpPr>
+        <p:spPr>
+          <a:xfrm>
+            <a:off x="4273140" y="4064373"/>
+            <a:ext cx="1872208" cy="1177473"/>
+          </a:xfrm>
+          <a:prstGeom prst="roundRect">
+            <a:avLst/>
+          </a:prstGeom>
+          <a:solidFill>
+            <a:schemeClr val="bg1"/>
+          </a:solidFill>
+          <a:ln cmpd="sng">
+            <a:solidFill>
+              <a:schemeClr val="tx1"/>
+            </a:solidFill>
+            <a:prstDash val="sysDash"/>
+          </a:ln>
+        </p:spPr>
+        <p:style>
+          <a:lnRef idx="2">
+            <a:schemeClr val="accent1">
+              <a:shade val="50000"/>
+            </a:schemeClr>
+          </a:lnRef>
+          <a:fillRef idx="1">
+            <a:schemeClr val="accent1"/>
+          </a:fillRef>
+          <a:effectRef idx="0">
+            <a:schemeClr val="accent1"/>
+          </a:effectRef>
+          <a:fontRef idx="minor">
+            <a:schemeClr val="lt1"/>
+          </a:fontRef>
+        </p:style>
+        <p:txBody>
+          <a:bodyPr lIns="91431" tIns="45715" rIns="91431" bIns="45715" rtlCol="0" anchor="ctr"/>
+          <a:lstStyle/>
+          <a:p>
+            <a:pPr algn="ctr"/>
+            <a:endParaRPr lang="en-GB" dirty="0">
+              <a:solidFill>
+                <a:schemeClr val="tx1"/>
+              </a:solidFill>
+            </a:endParaRPr>
+          </a:p>
+        </p:txBody>
+      </p:sp>
+      <p:sp>
+        <p:nvSpPr>
+          <p:cNvPr id="29" name="Rectangle 28"/>
+          <p:cNvSpPr/>
+          <p:nvPr/>
+        </p:nvSpPr>
+        <p:spPr>
+          <a:xfrm>
+            <a:off x="4211970" y="4095890"/>
+            <a:ext cx="1994566" cy="307766"/>
+          </a:xfrm>
+          <a:prstGeom prst="rect">
+            <a:avLst/>
+          </a:prstGeom>
+        </p:spPr>
+        <p:txBody>
+          <a:bodyPr wrap="none" lIns="91431" tIns="45715" rIns="91431" bIns="45715">
+            <a:spAutoFit/>
+          </a:bodyPr>
+          <a:lstStyle/>
+          <a:p>
+            <a:pPr algn="ctr"/>
+            <a:r>
+              <a:rPr lang="en-GB" sz="1400" dirty="0"/>
+              <a:t>7 Digit Display Controller</a:t>
+            </a:r>
+            <a:endParaRPr lang="en-GB" sz="1400" dirty="0"/>
+          </a:p>
+        </p:txBody>
+      </p:sp>
+      <p:sp>
+        <p:nvSpPr>
+          <p:cNvPr id="32" name="Rounded Rectangle 31"/>
+          <p:cNvSpPr/>
+          <p:nvPr/>
+        </p:nvSpPr>
+        <p:spPr>
+          <a:xfrm>
+            <a:off x="4417156" y="4436902"/>
+            <a:ext cx="1584176" cy="180020"/>
+          </a:xfrm>
+          <a:prstGeom prst="roundRect">
+            <a:avLst/>
+          </a:prstGeom>
+          <a:solidFill>
+            <a:schemeClr val="bg1"/>
+          </a:solidFill>
+          <a:ln w="12700">
+            <a:solidFill>
+              <a:schemeClr val="tx1"/>
+            </a:solidFill>
+          </a:ln>
+        </p:spPr>
+        <p:style>
+          <a:lnRef idx="2">
+            <a:schemeClr val="accent1">
+              <a:shade val="50000"/>
+            </a:schemeClr>
+          </a:lnRef>
+          <a:fillRef idx="1">
+            <a:schemeClr val="accent1"/>
+          </a:fillRef>
+          <a:effectRef idx="0">
+            <a:schemeClr val="accent1"/>
+          </a:effectRef>
+          <a:fontRef idx="minor">
+            <a:schemeClr val="lt1"/>
+          </a:fontRef>
+        </p:style>
+        <p:txBody>
+          <a:bodyPr rot="0" spcFirstLastPara="0" vertOverflow="overflow" horzOverflow="overflow" vert="horz" wrap="square" lIns="91431" tIns="45715" rIns="91431" bIns="45715" numCol="1" spcCol="0" rtlCol="0" fromWordArt="0" anchor="ctr" anchorCtr="0" forceAA="0" compatLnSpc="1">
+            <a:prstTxWarp prst="textNoShape">
+              <a:avLst/>
+            </a:prstTxWarp>
+            <a:noAutofit/>
+          </a:bodyPr>
+          <a:lstStyle/>
+          <a:p>
+            <a:pPr algn="ctr"/>
+            <a:r>
+              <a:rPr lang="en-GB" sz="1200" dirty="0">
+                <a:solidFill>
+                  <a:schemeClr val="tx1"/>
+                </a:solidFill>
+              </a:rPr>
+              <a:t>Raspberry Pi 0w</a:t>
+            </a:r>
+            <a:endParaRPr lang="en-GB" sz="1200" dirty="0">
+              <a:solidFill>
+                <a:schemeClr val="tx1"/>
+              </a:solidFill>
+            </a:endParaRPr>
+          </a:p>
+        </p:txBody>
+      </p:sp>
+      <p:sp>
+        <p:nvSpPr>
+          <p:cNvPr id="35" name="Rounded Rectangle 34"/>
+          <p:cNvSpPr/>
+          <p:nvPr/>
+        </p:nvSpPr>
+        <p:spPr>
+          <a:xfrm>
+            <a:off x="4417156" y="4691208"/>
+            <a:ext cx="1584176" cy="180020"/>
+          </a:xfrm>
+          <a:prstGeom prst="roundRect">
+            <a:avLst/>
+          </a:prstGeom>
+          <a:solidFill>
+            <a:schemeClr val="bg1"/>
+          </a:solidFill>
+          <a:ln w="12700">
+            <a:solidFill>
+              <a:schemeClr val="tx1"/>
+            </a:solidFill>
+          </a:ln>
+        </p:spPr>
+        <p:style>
+          <a:lnRef idx="2">
+            <a:schemeClr val="accent1">
+              <a:shade val="50000"/>
+            </a:schemeClr>
+          </a:lnRef>
+          <a:fillRef idx="1">
+            <a:schemeClr val="accent1"/>
+          </a:fillRef>
+          <a:effectRef idx="0">
+            <a:schemeClr val="accent1"/>
+          </a:effectRef>
+          <a:fontRef idx="minor">
+            <a:schemeClr val="lt1"/>
+          </a:fontRef>
+        </p:style>
+        <p:txBody>
+          <a:bodyPr rot="0" spcFirstLastPara="0" vertOverflow="overflow" horzOverflow="overflow" vert="horz" wrap="square" lIns="91431" tIns="45715" rIns="91431" bIns="45715" numCol="1" spcCol="0" rtlCol="0" fromWordArt="0" anchor="ctr" anchorCtr="0" forceAA="0" compatLnSpc="1">
+            <a:prstTxWarp prst="textNoShape">
+              <a:avLst/>
+            </a:prstTxWarp>
+            <a:noAutofit/>
+          </a:bodyPr>
+          <a:lstStyle/>
+          <a:p>
+            <a:pPr algn="ctr"/>
+            <a:r>
+              <a:rPr lang="en-GB" sz="1200" dirty="0">
+                <a:solidFill>
+                  <a:schemeClr val="tx1"/>
+                </a:solidFill>
+              </a:rPr>
+              <a:t>Arduino Uno</a:t>
+            </a:r>
+            <a:endParaRPr lang="en-GB" sz="1200" dirty="0">
+              <a:solidFill>
+                <a:schemeClr val="tx1"/>
+              </a:solidFill>
+            </a:endParaRPr>
+          </a:p>
+        </p:txBody>
+      </p:sp>
+      <p:sp>
+        <p:nvSpPr>
+          <p:cNvPr id="37" name="Rounded Rectangle 36"/>
+          <p:cNvSpPr/>
+          <p:nvPr/>
+        </p:nvSpPr>
+        <p:spPr>
+          <a:xfrm>
+            <a:off x="4417158" y="4933618"/>
+            <a:ext cx="1584176" cy="180020"/>
+          </a:xfrm>
+          <a:prstGeom prst="roundRect">
+            <a:avLst/>
+          </a:prstGeom>
+          <a:solidFill>
+            <a:schemeClr val="bg1"/>
+          </a:solidFill>
+          <a:ln w="12700">
+            <a:solidFill>
+              <a:schemeClr val="tx1"/>
+            </a:solidFill>
+          </a:ln>
+        </p:spPr>
+        <p:style>
+          <a:lnRef idx="2">
+            <a:schemeClr val="accent1">
+              <a:shade val="50000"/>
+            </a:schemeClr>
+          </a:lnRef>
+          <a:fillRef idx="1">
+            <a:schemeClr val="accent1"/>
+          </a:fillRef>
+          <a:effectRef idx="0">
+            <a:schemeClr val="accent1"/>
+          </a:effectRef>
+          <a:fontRef idx="minor">
+            <a:schemeClr val="lt1"/>
+          </a:fontRef>
+        </p:style>
+        <p:txBody>
+          <a:bodyPr rot="0" spcFirstLastPara="0" vertOverflow="overflow" horzOverflow="overflow" vert="horz" wrap="square" lIns="91431" tIns="45715" rIns="91431" bIns="45715" numCol="1" spcCol="0" rtlCol="0" fromWordArt="0" anchor="ctr" anchorCtr="0" forceAA="0" compatLnSpc="1">
+            <a:prstTxWarp prst="textNoShape">
+              <a:avLst/>
+            </a:prstTxWarp>
+            <a:noAutofit/>
+          </a:bodyPr>
+          <a:lstStyle/>
+          <a:p>
+            <a:pPr algn="ctr"/>
+            <a:r>
+              <a:rPr lang="en-GB" sz="1200" dirty="0">
+                <a:solidFill>
+                  <a:schemeClr val="tx1"/>
+                </a:solidFill>
+              </a:rPr>
+              <a:t>7 Digit Display</a:t>
+            </a:r>
+            <a:endParaRPr lang="en-GB" sz="1200" dirty="0">
+              <a:solidFill>
+                <a:schemeClr val="tx1"/>
+              </a:solidFill>
+            </a:endParaRPr>
+          </a:p>
+        </p:txBody>
+      </p:sp>
+      <p:cxnSp>
+        <p:nvCxnSpPr>
+          <p:cNvPr id="39" name="Straight Arrow Connector 38"/>
+          <p:cNvCxnSpPr>
+            <a:stCxn id="23" idx="3"/>
+            <a:endCxn id="28" idx="1"/>
+          </p:cNvCxnSpPr>
+          <p:nvPr/>
+        </p:nvCxnSpPr>
+        <p:spPr>
+          <a:xfrm flipV="1">
+            <a:off x="3809632" y="4653109"/>
+            <a:ext cx="463509" cy="42964"/>
+          </a:xfrm>
+          <a:prstGeom prst="straightConnector1">
+            <a:avLst/>
+          </a:prstGeom>
+          <a:ln>
+            <a:solidFill>
+              <a:schemeClr val="tx1"/>
+            </a:solidFill>
+            <a:prstDash val="sysDot"/>
+            <a:tailEnd type="arrow"/>
+          </a:ln>
+        </p:spPr>
+        <p:style>
+          <a:lnRef idx="1">
+            <a:schemeClr val="accent1"/>
+          </a:lnRef>
+          <a:fillRef idx="0">
+            <a:schemeClr val="accent1"/>
+          </a:fillRef>
+          <a:effectRef idx="0">
+            <a:schemeClr val="accent1"/>
+          </a:effectRef>
+          <a:fontRef idx="minor">
+            <a:schemeClr val="tx1"/>
+          </a:fontRef>
+        </p:style>
+      </p:cxnSp>
+    </p:spTree>
+    <p:extLst>
+      <p:ext uri="{BB962C8B-B14F-4D97-AF65-F5344CB8AC3E}">
+        <p14:creationId xmlns:p14="http://schemas.microsoft.com/office/powerpoint/2010/main" val="1175124573"/>
+      </p:ext>
+    </p:extLst>
+  </p:cSld>
+  <p:clrMapOvr>
+    <a:masterClrMapping/>
+  </p:clrMapOvr>
+  <p:timing>
+    <p:tnLst>
+      <p:par>
+        <p:cTn id="1" dur="indefinite" restart="never" nodeType="tmRoot"/>
+      </p:par>
+    </p:tnLst>
+  </p:timing>
+</p:sld>
+</file>
+
+<file path=ppt/slides/slide6.xml><?xml version="1.0" encoding="utf-8"?>
+<p:sld xmlns:a="http://schemas.openxmlformats.org/drawingml/2006/main" xmlns:r="http://schemas.openxmlformats.org/officeDocument/2006/relationships" xmlns:p="http://schemas.openxmlformats.org/presentationml/2006/main">
+  <p:cSld>
+    <p:spTree>
+      <p:nvGrpSpPr>
+        <p:cNvPr id="1" name=""/>
+        <p:cNvGrpSpPr/>
+        <p:nvPr/>
+      </p:nvGrpSpPr>
+      <p:grpSpPr>
+        <a:xfrm>
+          <a:off x="0" y="0"/>
+          <a:ext cx="0" cy="0"/>
+          <a:chOff x="0" y="0"/>
+          <a:chExt cx="0" cy="0"/>
+        </a:xfrm>
+      </p:grpSpPr>
+      <p:cxnSp>
+        <p:nvCxnSpPr>
+          <p:cNvPr id="119" name="Straight Arrow Connector 118"/>
+          <p:cNvCxnSpPr/>
+          <p:nvPr/>
+        </p:nvCxnSpPr>
+        <p:spPr>
+          <a:xfrm>
+            <a:off x="3072863" y="4482071"/>
+            <a:ext cx="576064" cy="0"/>
+          </a:xfrm>
+          <a:prstGeom prst="straightConnector1">
+            <a:avLst/>
+          </a:prstGeom>
+          <a:ln>
+            <a:solidFill>
+              <a:schemeClr val="tx1"/>
+            </a:solidFill>
+            <a:tailEnd type="arrow"/>
+          </a:ln>
+        </p:spPr>
+        <p:style>
+          <a:lnRef idx="1">
+            <a:schemeClr val="accent1"/>
+          </a:lnRef>
+          <a:fillRef idx="0">
+            <a:schemeClr val="accent1"/>
+          </a:fillRef>
+          <a:effectRef idx="0">
+            <a:schemeClr val="accent1"/>
+          </a:effectRef>
+          <a:fontRef idx="minor">
+            <a:schemeClr val="tx1"/>
+          </a:fontRef>
+        </p:style>
+      </p:cxnSp>
+      <p:cxnSp>
+        <p:nvCxnSpPr>
+          <p:cNvPr id="3" name="Straight Arrow Connector 2"/>
+          <p:cNvCxnSpPr/>
+          <p:nvPr/>
+        </p:nvCxnSpPr>
+        <p:spPr>
+          <a:xfrm>
+            <a:off x="2727584" y="135446"/>
+            <a:ext cx="0" cy="360040"/>
+          </a:xfrm>
+          <a:prstGeom prst="straightConnector1">
+            <a:avLst/>
+          </a:prstGeom>
+          <a:ln>
+            <a:solidFill>
+              <a:schemeClr val="tx1"/>
+            </a:solidFill>
+            <a:tailEnd type="arrow"/>
+          </a:ln>
+        </p:spPr>
+        <p:style>
+          <a:lnRef idx="1">
+            <a:schemeClr val="accent1"/>
+          </a:lnRef>
+          <a:fillRef idx="0">
+            <a:schemeClr val="accent1"/>
+          </a:fillRef>
+          <a:effectRef idx="0">
+            <a:schemeClr val="accent1"/>
+          </a:effectRef>
+          <a:fontRef idx="minor">
+            <a:schemeClr val="tx1"/>
+          </a:fontRef>
+        </p:style>
+      </p:cxnSp>
+      <p:sp>
+        <p:nvSpPr>
+          <p:cNvPr id="12" name="Oval 11"/>
+          <p:cNvSpPr/>
+          <p:nvPr/>
+        </p:nvSpPr>
+        <p:spPr>
+          <a:xfrm>
+            <a:off x="2151519" y="44624"/>
+            <a:ext cx="1152128" cy="288032"/>
+          </a:xfrm>
+          <a:prstGeom prst="ellipse">
+            <a:avLst/>
+          </a:prstGeom>
+          <a:solidFill>
+            <a:schemeClr val="bg1"/>
+          </a:solidFill>
+          <a:ln w="12700">
+            <a:solidFill>
+              <a:schemeClr val="tx1"/>
+            </a:solidFill>
+          </a:ln>
+        </p:spPr>
+        <p:style>
+          <a:lnRef idx="2">
+            <a:schemeClr val="accent1">
+              <a:shade val="50000"/>
+            </a:schemeClr>
+          </a:lnRef>
+          <a:fillRef idx="1">
+            <a:schemeClr val="accent1"/>
+          </a:fillRef>
+          <a:effectRef idx="0">
+            <a:schemeClr val="accent1"/>
+          </a:effectRef>
+          <a:fontRef idx="minor">
+            <a:schemeClr val="lt1"/>
+          </a:fontRef>
+        </p:style>
+        <p:txBody>
+          <a:bodyPr lIns="91431" tIns="45715" rIns="91431" bIns="45715" rtlCol="0" anchor="ctr"/>
+          <a:lstStyle/>
+          <a:p>
+            <a:pPr algn="ctr"/>
+            <a:r>
+              <a:rPr lang="en-GB" sz="1200" dirty="0">
+                <a:solidFill>
+                  <a:schemeClr val="tx1"/>
+                </a:solidFill>
+              </a:rPr>
+              <a:t>Start</a:t>
+            </a:r>
+            <a:endParaRPr lang="en-GB" sz="1200" dirty="0">
+              <a:solidFill>
+                <a:schemeClr val="tx1"/>
+              </a:solidFill>
+            </a:endParaRPr>
+          </a:p>
+        </p:txBody>
+      </p:sp>
+      <p:sp>
+        <p:nvSpPr>
+          <p:cNvPr id="14" name="Rectangle 13"/>
+          <p:cNvSpPr/>
+          <p:nvPr/>
+        </p:nvSpPr>
+        <p:spPr>
+          <a:xfrm rot="2700000">
+            <a:off x="2472998" y="600940"/>
+            <a:ext cx="509173" cy="509173"/>
+          </a:xfrm>
+          <a:prstGeom prst="rect">
+            <a:avLst/>
+          </a:prstGeom>
+          <a:solidFill>
+            <a:schemeClr val="bg1"/>
+          </a:solidFill>
+          <a:ln w="12700">
+            <a:solidFill>
+              <a:schemeClr val="tx1"/>
+            </a:solidFill>
+          </a:ln>
+        </p:spPr>
+        <p:style>
+          <a:lnRef idx="2">
+            <a:schemeClr val="accent1">
+              <a:shade val="50000"/>
+            </a:schemeClr>
+          </a:lnRef>
+          <a:fillRef idx="1">
+            <a:schemeClr val="accent1"/>
+          </a:fillRef>
+          <a:effectRef idx="0">
+            <a:schemeClr val="accent1"/>
+          </a:effectRef>
+          <a:fontRef idx="minor">
+            <a:schemeClr val="lt1"/>
+          </a:fontRef>
+        </p:style>
+        <p:txBody>
+          <a:bodyPr lIns="91431" tIns="45715" rIns="91431" bIns="45715" rtlCol="0" anchor="ctr"/>
+          <a:lstStyle/>
+          <a:p>
+            <a:pPr algn="ctr"/>
+            <a:endParaRPr lang="en-GB" dirty="0">
+              <a:solidFill>
+                <a:schemeClr val="tx1"/>
+              </a:solidFill>
+            </a:endParaRPr>
+          </a:p>
+        </p:txBody>
+      </p:sp>
+      <p:sp>
+        <p:nvSpPr>
+          <p:cNvPr id="15" name="TextBox 14"/>
+          <p:cNvSpPr txBox="1"/>
+          <p:nvPr/>
+        </p:nvSpPr>
+        <p:spPr>
+          <a:xfrm>
+            <a:off x="2413319" y="651844"/>
+            <a:ext cx="674305" cy="400099"/>
+          </a:xfrm>
+          <a:prstGeom prst="rect">
+            <a:avLst/>
+          </a:prstGeom>
+          <a:noFill/>
+        </p:spPr>
+        <p:txBody>
+          <a:bodyPr wrap="square" lIns="91431" tIns="45715" rIns="91431" bIns="45715" rtlCol="0">
+            <a:spAutoFit/>
+          </a:bodyPr>
+          <a:lstStyle/>
+          <a:p>
+            <a:r>
+              <a:rPr lang="en-GB" sz="1000" dirty="0"/>
+              <a:t>Number Pressed?</a:t>
+            </a:r>
+            <a:endParaRPr lang="en-GB" sz="1100" dirty="0"/>
+          </a:p>
+        </p:txBody>
+      </p:sp>
+      <p:sp>
+        <p:nvSpPr>
+          <p:cNvPr id="35" name="Rounded Rectangle 34"/>
+          <p:cNvSpPr/>
+          <p:nvPr/>
+        </p:nvSpPr>
+        <p:spPr>
+          <a:xfrm>
+            <a:off x="2156025" y="3488976"/>
+            <a:ext cx="1147954" cy="576064"/>
+          </a:xfrm>
+          <a:prstGeom prst="roundRect">
+            <a:avLst/>
+          </a:prstGeom>
+          <a:solidFill>
+            <a:schemeClr val="bg1"/>
+          </a:solidFill>
+          <a:ln w="12700">
+            <a:solidFill>
+              <a:schemeClr val="tx1"/>
+            </a:solidFill>
+          </a:ln>
+        </p:spPr>
+        <p:style>
+          <a:lnRef idx="2">
+            <a:schemeClr val="accent1">
+              <a:shade val="50000"/>
+            </a:schemeClr>
+          </a:lnRef>
+          <a:fillRef idx="1">
+            <a:schemeClr val="accent1"/>
+          </a:fillRef>
+          <a:effectRef idx="0">
+            <a:schemeClr val="accent1"/>
+          </a:effectRef>
+          <a:fontRef idx="minor">
+            <a:schemeClr val="lt1"/>
+          </a:fontRef>
+        </p:style>
+        <p:txBody>
+          <a:bodyPr lIns="91431" tIns="45715" rIns="91431" bIns="45715" rtlCol="0" anchor="ctr"/>
+          <a:lstStyle/>
+          <a:p>
+            <a:pPr algn="ctr"/>
+            <a:r>
+              <a:rPr lang="en-GB" sz="1000" dirty="0">
+                <a:solidFill>
+                  <a:schemeClr val="tx1"/>
+                </a:solidFill>
+              </a:rPr>
+              <a:t>Send message to all receiver nodes with selected time</a:t>
+            </a:r>
+            <a:endParaRPr lang="en-GB" sz="1000" dirty="0">
+              <a:solidFill>
+                <a:schemeClr val="tx1"/>
+              </a:solidFill>
+            </a:endParaRPr>
+          </a:p>
+        </p:txBody>
+      </p:sp>
+      <p:cxnSp>
+        <p:nvCxnSpPr>
+          <p:cNvPr id="37" name="Straight Arrow Connector 36"/>
+          <p:cNvCxnSpPr>
+            <a:endCxn id="35" idx="0"/>
+          </p:cNvCxnSpPr>
+          <p:nvPr/>
+        </p:nvCxnSpPr>
+        <p:spPr>
+          <a:xfrm>
+            <a:off x="2727914" y="3128936"/>
+            <a:ext cx="2088" cy="360040"/>
+          </a:xfrm>
+          <a:prstGeom prst="straightConnector1">
+            <a:avLst/>
+          </a:prstGeom>
+          <a:ln>
+            <a:solidFill>
+              <a:schemeClr val="tx1"/>
+            </a:solidFill>
+            <a:tailEnd type="arrow"/>
+          </a:ln>
+        </p:spPr>
+        <p:style>
+          <a:lnRef idx="1">
+            <a:schemeClr val="accent1"/>
+          </a:lnRef>
+          <a:fillRef idx="0">
+            <a:schemeClr val="accent1"/>
+          </a:fillRef>
+          <a:effectRef idx="0">
+            <a:schemeClr val="accent1"/>
+          </a:effectRef>
+          <a:fontRef idx="minor">
+            <a:schemeClr val="tx1"/>
+          </a:fontRef>
+        </p:style>
+      </p:cxnSp>
+      <p:sp>
+        <p:nvSpPr>
+          <p:cNvPr id="39" name="Rounded Rectangle 38"/>
+          <p:cNvSpPr/>
+          <p:nvPr/>
+        </p:nvSpPr>
+        <p:spPr>
+          <a:xfrm>
+            <a:off x="561819" y="670091"/>
+            <a:ext cx="1147954" cy="360040"/>
+          </a:xfrm>
+          <a:prstGeom prst="roundRect">
+            <a:avLst/>
+          </a:prstGeom>
+          <a:solidFill>
+            <a:schemeClr val="bg1"/>
+          </a:solidFill>
+          <a:ln w="12700">
+            <a:solidFill>
+              <a:schemeClr val="tx1"/>
+            </a:solidFill>
+          </a:ln>
+        </p:spPr>
+        <p:style>
+          <a:lnRef idx="2">
+            <a:schemeClr val="accent1">
+              <a:shade val="50000"/>
+            </a:schemeClr>
+          </a:lnRef>
+          <a:fillRef idx="1">
+            <a:schemeClr val="accent1"/>
+          </a:fillRef>
+          <a:effectRef idx="0">
+            <a:schemeClr val="accent1"/>
+          </a:effectRef>
+          <a:fontRef idx="minor">
+            <a:schemeClr val="lt1"/>
+          </a:fontRef>
+        </p:style>
+        <p:txBody>
+          <a:bodyPr lIns="91431" tIns="45715" rIns="91431" bIns="45715" rtlCol="0" anchor="ctr"/>
+          <a:lstStyle/>
+          <a:p>
+            <a:pPr algn="ctr"/>
+            <a:r>
+              <a:rPr lang="en-GB" sz="1000" dirty="0">
+                <a:solidFill>
+                  <a:schemeClr val="tx1"/>
+                </a:solidFill>
+              </a:rPr>
+              <a:t>Append Number to display</a:t>
+            </a:r>
+            <a:endParaRPr lang="en-GB" sz="1000" dirty="0">
+              <a:solidFill>
+                <a:schemeClr val="tx1"/>
+              </a:solidFill>
+            </a:endParaRPr>
+          </a:p>
+        </p:txBody>
+      </p:sp>
+      <p:cxnSp>
+        <p:nvCxnSpPr>
+          <p:cNvPr id="40" name="Straight Arrow Connector 39"/>
+          <p:cNvCxnSpPr/>
+          <p:nvPr/>
+        </p:nvCxnSpPr>
+        <p:spPr>
+          <a:xfrm flipH="1">
+            <a:off x="1719473" y="855525"/>
+            <a:ext cx="648072" cy="0"/>
+          </a:xfrm>
+          <a:prstGeom prst="straightConnector1">
+            <a:avLst/>
+          </a:prstGeom>
+          <a:ln>
+            <a:solidFill>
+              <a:schemeClr val="tx1"/>
+            </a:solidFill>
+            <a:tailEnd type="arrow"/>
+          </a:ln>
+        </p:spPr>
+        <p:style>
+          <a:lnRef idx="1">
+            <a:schemeClr val="accent1"/>
+          </a:lnRef>
+          <a:fillRef idx="0">
+            <a:schemeClr val="accent1"/>
+          </a:fillRef>
+          <a:effectRef idx="0">
+            <a:schemeClr val="accent1"/>
+          </a:effectRef>
+          <a:fontRef idx="minor">
+            <a:schemeClr val="tx1"/>
+          </a:fontRef>
+        </p:style>
+      </p:cxnSp>
+      <p:sp>
+        <p:nvSpPr>
+          <p:cNvPr id="41" name="TextBox 40"/>
+          <p:cNvSpPr txBox="1"/>
+          <p:nvPr/>
+        </p:nvSpPr>
+        <p:spPr>
+          <a:xfrm>
+            <a:off x="1863488" y="622178"/>
+            <a:ext cx="549831" cy="246211"/>
+          </a:xfrm>
+          <a:prstGeom prst="rect">
+            <a:avLst/>
+          </a:prstGeom>
+          <a:noFill/>
+        </p:spPr>
+        <p:txBody>
+          <a:bodyPr wrap="square" lIns="91431" tIns="45715" rIns="91431" bIns="45715" rtlCol="0">
+            <a:spAutoFit/>
+          </a:bodyPr>
+          <a:lstStyle/>
+          <a:p>
+            <a:r>
+              <a:rPr lang="en-GB" sz="1000" dirty="0"/>
+              <a:t>Yes</a:t>
+            </a:r>
+            <a:endParaRPr lang="en-GB" sz="1000" dirty="0"/>
+          </a:p>
+        </p:txBody>
+      </p:sp>
+      <p:sp>
+        <p:nvSpPr>
+          <p:cNvPr id="44" name="TextBox 43"/>
+          <p:cNvSpPr txBox="1"/>
+          <p:nvPr/>
+        </p:nvSpPr>
+        <p:spPr>
+          <a:xfrm>
+            <a:off x="2729672" y="1215567"/>
+            <a:ext cx="549831" cy="246211"/>
+          </a:xfrm>
+          <a:prstGeom prst="rect">
+            <a:avLst/>
+          </a:prstGeom>
+          <a:noFill/>
+        </p:spPr>
+        <p:txBody>
+          <a:bodyPr wrap="square" lIns="91431" tIns="45715" rIns="91431" bIns="45715" rtlCol="0">
+            <a:spAutoFit/>
+          </a:bodyPr>
+          <a:lstStyle/>
+          <a:p>
+            <a:r>
+              <a:rPr lang="en-GB" sz="1000" dirty="0"/>
+              <a:t>No</a:t>
+            </a:r>
+            <a:endParaRPr lang="en-GB" sz="1000" dirty="0"/>
+          </a:p>
+        </p:txBody>
+      </p:sp>
+      <p:sp>
+        <p:nvSpPr>
+          <p:cNvPr id="45" name="Rounded Rectangle 44"/>
+          <p:cNvSpPr/>
+          <p:nvPr/>
+        </p:nvSpPr>
+        <p:spPr>
+          <a:xfrm>
+            <a:off x="2192083" y="7341734"/>
+            <a:ext cx="936104" cy="360121"/>
+          </a:xfrm>
+          <a:prstGeom prst="roundRect">
+            <a:avLst/>
+          </a:prstGeom>
+          <a:solidFill>
+            <a:schemeClr val="bg1"/>
+          </a:solidFill>
+          <a:ln w="12700">
+            <a:solidFill>
+              <a:schemeClr val="tx1"/>
+            </a:solidFill>
+          </a:ln>
+        </p:spPr>
+        <p:style>
+          <a:lnRef idx="2">
+            <a:schemeClr val="accent1">
+              <a:shade val="50000"/>
+            </a:schemeClr>
+          </a:lnRef>
+          <a:fillRef idx="1">
+            <a:schemeClr val="accent1"/>
+          </a:fillRef>
+          <a:effectRef idx="0">
+            <a:schemeClr val="accent1"/>
+          </a:effectRef>
+          <a:fontRef idx="minor">
+            <a:schemeClr val="lt1"/>
+          </a:fontRef>
+        </p:style>
+        <p:txBody>
+          <a:bodyPr lIns="91431" tIns="45715" rIns="91431" bIns="45715" rtlCol="0" anchor="ctr"/>
+          <a:lstStyle/>
+          <a:p>
+            <a:pPr algn="ctr"/>
+            <a:r>
+              <a:rPr lang="en-GB" sz="1000" dirty="0">
+                <a:solidFill>
+                  <a:schemeClr val="tx1"/>
+                </a:solidFill>
+              </a:rPr>
+              <a:t>Start timer countdown</a:t>
+            </a:r>
+            <a:endParaRPr lang="en-GB" sz="1000" dirty="0">
+              <a:solidFill>
+                <a:schemeClr val="tx1"/>
+              </a:solidFill>
+            </a:endParaRPr>
+          </a:p>
+        </p:txBody>
+      </p:sp>
+      <p:grpSp>
+        <p:nvGrpSpPr>
+          <p:cNvPr id="52" name="Group 51"/>
+          <p:cNvGrpSpPr/>
+          <p:nvPr/>
+        </p:nvGrpSpPr>
+        <p:grpSpPr>
+          <a:xfrm>
+            <a:off x="2451931" y="5010730"/>
+            <a:ext cx="681362" cy="509173"/>
+            <a:chOff x="2486482" y="2896979"/>
+            <a:chExt cx="681362" cy="509173"/>
+          </a:xfrm>
+        </p:grpSpPr>
+        <p:sp>
+          <p:nvSpPr>
+            <p:cNvPr id="49" name="Rectangle 48"/>
+            <p:cNvSpPr/>
+            <p:nvPr/>
+          </p:nvSpPr>
+          <p:spPr>
+            <a:xfrm rot="2700000">
+              <a:off x="2486482" y="2896979"/>
+              <a:ext cx="509173" cy="509173"/>
+            </a:xfrm>
+            <a:prstGeom prst="rect">
+              <a:avLst/>
+            </a:prstGeom>
+            <a:solidFill>
+              <a:schemeClr val="bg1"/>
+            </a:solidFill>
+            <a:ln w="12700">
+              <a:solidFill>
+                <a:schemeClr val="tx1"/>
+              </a:solidFill>
+            </a:ln>
+          </p:spPr>
+          <p:style>
+            <a:lnRef idx="2">
+              <a:schemeClr val="accent1">
+                <a:shade val="50000"/>
+              </a:schemeClr>
+            </a:lnRef>
+            <a:fillRef idx="1">
+              <a:schemeClr val="accent1"/>
+            </a:fillRef>
+            <a:effectRef idx="0">
+              <a:schemeClr val="accent1"/>
+            </a:effectRef>
+            <a:fontRef idx="minor">
+              <a:schemeClr val="lt1"/>
+            </a:fontRef>
+          </p:style>
+          <p:txBody>
+            <a:bodyPr rtlCol="0" anchor="ctr"/>
+            <a:lstStyle/>
+            <a:p>
+              <a:pPr algn="ctr"/>
+              <a:endParaRPr lang="en-GB" dirty="0">
+                <a:solidFill>
+                  <a:schemeClr val="tx1"/>
+                </a:solidFill>
+              </a:endParaRPr>
+            </a:p>
+          </p:txBody>
+        </p:sp>
+        <p:sp>
+          <p:nvSpPr>
+            <p:cNvPr id="50" name="TextBox 49"/>
+            <p:cNvSpPr txBox="1"/>
+            <p:nvPr/>
+          </p:nvSpPr>
+          <p:spPr>
+            <a:xfrm>
+              <a:off x="2493539" y="2960065"/>
+              <a:ext cx="674305" cy="415498"/>
+            </a:xfrm>
+            <a:prstGeom prst="rect">
+              <a:avLst/>
+            </a:prstGeom>
+            <a:noFill/>
+          </p:spPr>
+          <p:txBody>
+            <a:bodyPr wrap="square" rtlCol="0">
+              <a:spAutoFit/>
+            </a:bodyPr>
+            <a:lstStyle/>
+            <a:p>
+              <a:r>
+                <a:rPr lang="en-GB" sz="700" dirty="0"/>
+                <a:t>Washing machine running?</a:t>
+              </a:r>
+              <a:endParaRPr lang="en-GB" sz="700" dirty="0"/>
+            </a:p>
+          </p:txBody>
+        </p:sp>
+      </p:grpSp>
+      <p:cxnSp>
+        <p:nvCxnSpPr>
+          <p:cNvPr id="51" name="Straight Arrow Connector 50"/>
+          <p:cNvCxnSpPr/>
+          <p:nvPr/>
+        </p:nvCxnSpPr>
+        <p:spPr>
+          <a:xfrm>
+            <a:off x="2730025" y="4065040"/>
+            <a:ext cx="0" cy="180020"/>
+          </a:xfrm>
+          <a:prstGeom prst="straightConnector1">
+            <a:avLst/>
+          </a:prstGeom>
+          <a:ln>
+            <a:solidFill>
+              <a:schemeClr val="tx1"/>
+            </a:solidFill>
+            <a:tailEnd type="arrow"/>
+          </a:ln>
+        </p:spPr>
+        <p:style>
+          <a:lnRef idx="1">
+            <a:schemeClr val="accent1"/>
+          </a:lnRef>
+          <a:fillRef idx="0">
+            <a:schemeClr val="accent1"/>
+          </a:fillRef>
+          <a:effectRef idx="0">
+            <a:schemeClr val="accent1"/>
+          </a:effectRef>
+          <a:fontRef idx="minor">
+            <a:schemeClr val="tx1"/>
+          </a:fontRef>
+        </p:style>
+      </p:cxnSp>
+      <p:sp>
+        <p:nvSpPr>
+          <p:cNvPr id="53" name="Rounded Rectangle 52"/>
+          <p:cNvSpPr/>
+          <p:nvPr/>
+        </p:nvSpPr>
+        <p:spPr>
+          <a:xfrm>
+            <a:off x="2176825" y="4245060"/>
+            <a:ext cx="1147954" cy="474022"/>
+          </a:xfrm>
+          <a:prstGeom prst="roundRect">
+            <a:avLst/>
+          </a:prstGeom>
+          <a:solidFill>
+            <a:schemeClr val="bg1"/>
+          </a:solidFill>
+          <a:ln w="12700">
+            <a:solidFill>
+              <a:schemeClr val="tx1"/>
+            </a:solidFill>
+          </a:ln>
+        </p:spPr>
+        <p:style>
+          <a:lnRef idx="2">
+            <a:schemeClr val="accent1">
+              <a:shade val="50000"/>
+            </a:schemeClr>
+          </a:lnRef>
+          <a:fillRef idx="1">
+            <a:schemeClr val="accent1"/>
+          </a:fillRef>
+          <a:effectRef idx="0">
+            <a:schemeClr val="accent1"/>
+          </a:effectRef>
+          <a:fontRef idx="minor">
+            <a:schemeClr val="lt1"/>
+          </a:fontRef>
+        </p:style>
+        <p:txBody>
+          <a:bodyPr lIns="91431" tIns="45715" rIns="91431" bIns="45715" rtlCol="0" anchor="ctr"/>
+          <a:lstStyle/>
+          <a:p>
+            <a:pPr algn="ctr"/>
+            <a:r>
+              <a:rPr lang="en-GB" sz="1000" dirty="0">
+                <a:solidFill>
+                  <a:schemeClr val="tx1"/>
+                </a:solidFill>
+              </a:rPr>
+              <a:t>Use API to query washing machine</a:t>
+            </a:r>
+            <a:endParaRPr lang="en-GB" sz="1000" dirty="0">
+              <a:solidFill>
+                <a:schemeClr val="tx1"/>
+              </a:solidFill>
+            </a:endParaRPr>
+          </a:p>
+        </p:txBody>
+      </p:sp>
+      <p:cxnSp>
+        <p:nvCxnSpPr>
+          <p:cNvPr id="54" name="Straight Arrow Connector 53"/>
+          <p:cNvCxnSpPr/>
+          <p:nvPr/>
+        </p:nvCxnSpPr>
+        <p:spPr>
+          <a:xfrm>
+            <a:off x="2695340" y="4719082"/>
+            <a:ext cx="0" cy="180020"/>
+          </a:xfrm>
+          <a:prstGeom prst="straightConnector1">
+            <a:avLst/>
+          </a:prstGeom>
+          <a:ln>
+            <a:solidFill>
+              <a:schemeClr val="tx1"/>
+            </a:solidFill>
+            <a:tailEnd type="arrow"/>
+          </a:ln>
+        </p:spPr>
+        <p:style>
+          <a:lnRef idx="1">
+            <a:schemeClr val="accent1"/>
+          </a:lnRef>
+          <a:fillRef idx="0">
+            <a:schemeClr val="accent1"/>
+          </a:fillRef>
+          <a:effectRef idx="0">
+            <a:schemeClr val="accent1"/>
+          </a:effectRef>
+          <a:fontRef idx="minor">
+            <a:schemeClr val="tx1"/>
+          </a:fontRef>
+        </p:style>
+      </p:cxnSp>
+      <p:sp>
+        <p:nvSpPr>
+          <p:cNvPr id="55" name="Rounded Rectangle 54"/>
+          <p:cNvSpPr/>
+          <p:nvPr/>
+        </p:nvSpPr>
+        <p:spPr>
+          <a:xfrm>
+            <a:off x="997496" y="5073815"/>
+            <a:ext cx="1003938" cy="362502"/>
+          </a:xfrm>
+          <a:prstGeom prst="roundRect">
+            <a:avLst/>
+          </a:prstGeom>
+          <a:solidFill>
+            <a:schemeClr val="bg1"/>
+          </a:solidFill>
+          <a:ln w="12700">
+            <a:solidFill>
+              <a:schemeClr val="tx1"/>
+            </a:solidFill>
+          </a:ln>
+        </p:spPr>
+        <p:style>
+          <a:lnRef idx="2">
+            <a:schemeClr val="accent1">
+              <a:shade val="50000"/>
+            </a:schemeClr>
+          </a:lnRef>
+          <a:fillRef idx="1">
+            <a:schemeClr val="accent1"/>
+          </a:fillRef>
+          <a:effectRef idx="0">
+            <a:schemeClr val="accent1"/>
+          </a:effectRef>
+          <a:fontRef idx="minor">
+            <a:schemeClr val="lt1"/>
+          </a:fontRef>
+        </p:style>
+        <p:txBody>
+          <a:bodyPr lIns="91431" tIns="45715" rIns="91431" bIns="45715" rtlCol="0" anchor="ctr"/>
+          <a:lstStyle/>
+          <a:p>
+            <a:pPr algn="ctr"/>
+            <a:r>
+              <a:rPr lang="en-GB" sz="1000" dirty="0">
+                <a:solidFill>
+                  <a:schemeClr val="tx1"/>
+                </a:solidFill>
+              </a:rPr>
+              <a:t>Use API to pause machine</a:t>
+            </a:r>
+            <a:endParaRPr lang="en-GB" sz="1000" dirty="0">
+              <a:solidFill>
+                <a:schemeClr val="tx1"/>
+              </a:solidFill>
+            </a:endParaRPr>
+          </a:p>
+        </p:txBody>
+      </p:sp>
+      <p:cxnSp>
+        <p:nvCxnSpPr>
+          <p:cNvPr id="57" name="Straight Arrow Connector 56"/>
+          <p:cNvCxnSpPr/>
+          <p:nvPr/>
+        </p:nvCxnSpPr>
+        <p:spPr>
+          <a:xfrm flipH="1">
+            <a:off x="1995418" y="5261082"/>
+            <a:ext cx="353190" cy="0"/>
+          </a:xfrm>
+          <a:prstGeom prst="straightConnector1">
+            <a:avLst/>
+          </a:prstGeom>
+          <a:ln>
+            <a:solidFill>
+              <a:schemeClr val="tx1"/>
+            </a:solidFill>
+            <a:tailEnd type="arrow"/>
+          </a:ln>
+        </p:spPr>
+        <p:style>
+          <a:lnRef idx="1">
+            <a:schemeClr val="accent1"/>
+          </a:lnRef>
+          <a:fillRef idx="0">
+            <a:schemeClr val="accent1"/>
+          </a:fillRef>
+          <a:effectRef idx="0">
+            <a:schemeClr val="accent1"/>
+          </a:effectRef>
+          <a:fontRef idx="minor">
+            <a:schemeClr val="tx1"/>
+          </a:fontRef>
+        </p:style>
+      </p:cxnSp>
+      <p:sp>
+        <p:nvSpPr>
+          <p:cNvPr id="58" name="TextBox 57"/>
+          <p:cNvSpPr txBox="1"/>
+          <p:nvPr/>
+        </p:nvSpPr>
+        <p:spPr>
+          <a:xfrm>
+            <a:off x="2024744" y="5035343"/>
+            <a:ext cx="549831" cy="246211"/>
+          </a:xfrm>
+          <a:prstGeom prst="rect">
+            <a:avLst/>
+          </a:prstGeom>
+          <a:noFill/>
+        </p:spPr>
+        <p:txBody>
+          <a:bodyPr wrap="square" lIns="91431" tIns="45715" rIns="91431" bIns="45715" rtlCol="0">
+            <a:spAutoFit/>
+          </a:bodyPr>
+          <a:lstStyle/>
+          <a:p>
+            <a:r>
+              <a:rPr lang="en-GB" sz="1000" dirty="0"/>
+              <a:t>Yes</a:t>
+            </a:r>
+            <a:endParaRPr lang="en-GB" sz="1000" dirty="0"/>
+          </a:p>
+        </p:txBody>
+      </p:sp>
+      <p:sp>
+        <p:nvSpPr>
+          <p:cNvPr id="61" name="TextBox 60"/>
+          <p:cNvSpPr txBox="1"/>
+          <p:nvPr/>
+        </p:nvSpPr>
+        <p:spPr>
+          <a:xfrm>
+            <a:off x="2743173" y="5543757"/>
+            <a:ext cx="549831" cy="246211"/>
+          </a:xfrm>
+          <a:prstGeom prst="rect">
+            <a:avLst/>
+          </a:prstGeom>
+          <a:noFill/>
+        </p:spPr>
+        <p:txBody>
+          <a:bodyPr wrap="square" lIns="91431" tIns="45715" rIns="91431" bIns="45715" rtlCol="0">
+            <a:spAutoFit/>
+          </a:bodyPr>
+          <a:lstStyle/>
+          <a:p>
+            <a:r>
+              <a:rPr lang="en-GB" sz="1000" dirty="0"/>
+              <a:t>No</a:t>
+            </a:r>
+            <a:endParaRPr lang="en-GB" sz="1000" dirty="0"/>
+          </a:p>
+        </p:txBody>
+      </p:sp>
+      <p:cxnSp>
+        <p:nvCxnSpPr>
+          <p:cNvPr id="65" name="Straight Arrow Connector 64"/>
+          <p:cNvCxnSpPr/>
+          <p:nvPr/>
+        </p:nvCxnSpPr>
+        <p:spPr>
+          <a:xfrm>
+            <a:off x="2706517" y="5609958"/>
+            <a:ext cx="0" cy="180020"/>
+          </a:xfrm>
+          <a:prstGeom prst="straightConnector1">
+            <a:avLst/>
+          </a:prstGeom>
+          <a:ln>
+            <a:solidFill>
+              <a:schemeClr val="tx1"/>
+            </a:solidFill>
+            <a:tailEnd type="arrow"/>
+          </a:ln>
+        </p:spPr>
+        <p:style>
+          <a:lnRef idx="1">
+            <a:schemeClr val="accent1"/>
+          </a:lnRef>
+          <a:fillRef idx="0">
+            <a:schemeClr val="accent1"/>
+          </a:fillRef>
+          <a:effectRef idx="0">
+            <a:schemeClr val="accent1"/>
+          </a:effectRef>
+          <a:fontRef idx="minor">
+            <a:schemeClr val="tx1"/>
+          </a:fontRef>
+        </p:style>
+      </p:cxnSp>
+      <p:grpSp>
+        <p:nvGrpSpPr>
+          <p:cNvPr id="73" name="Group 72"/>
+          <p:cNvGrpSpPr/>
+          <p:nvPr/>
+        </p:nvGrpSpPr>
+        <p:grpSpPr>
+          <a:xfrm>
+            <a:off x="2406985" y="6555663"/>
+            <a:ext cx="681362" cy="509173"/>
+            <a:chOff x="2486482" y="2896979"/>
+            <a:chExt cx="681362" cy="509173"/>
+          </a:xfrm>
+        </p:grpSpPr>
+        <p:sp>
+          <p:nvSpPr>
+            <p:cNvPr id="74" name="Rectangle 73"/>
+            <p:cNvSpPr/>
+            <p:nvPr/>
+          </p:nvSpPr>
+          <p:spPr>
+            <a:xfrm rot="2700000">
+              <a:off x="2486482" y="2896979"/>
+              <a:ext cx="509173" cy="509173"/>
+            </a:xfrm>
+            <a:prstGeom prst="rect">
+              <a:avLst/>
+            </a:prstGeom>
+            <a:solidFill>
+              <a:schemeClr val="bg1"/>
+            </a:solidFill>
+            <a:ln w="12700">
+              <a:solidFill>
+                <a:schemeClr val="tx1"/>
+              </a:solidFill>
+            </a:ln>
+          </p:spPr>
+          <p:style>
+            <a:lnRef idx="2">
+              <a:schemeClr val="accent1">
+                <a:shade val="50000"/>
+              </a:schemeClr>
+            </a:lnRef>
+            <a:fillRef idx="1">
+              <a:schemeClr val="accent1"/>
+            </a:fillRef>
+            <a:effectRef idx="0">
+              <a:schemeClr val="accent1"/>
+            </a:effectRef>
+            <a:fontRef idx="minor">
+              <a:schemeClr val="lt1"/>
+            </a:fontRef>
+          </p:style>
+          <p:txBody>
+            <a:bodyPr rtlCol="0" anchor="ctr"/>
+            <a:lstStyle/>
+            <a:p>
+              <a:pPr algn="ctr"/>
+              <a:endParaRPr lang="en-GB" dirty="0">
+                <a:solidFill>
+                  <a:schemeClr val="tx1"/>
+                </a:solidFill>
+              </a:endParaRPr>
+            </a:p>
+          </p:txBody>
+        </p:sp>
+        <p:sp>
+          <p:nvSpPr>
+            <p:cNvPr id="75" name="TextBox 74"/>
+            <p:cNvSpPr txBox="1"/>
+            <p:nvPr/>
+          </p:nvSpPr>
+          <p:spPr>
+            <a:xfrm>
+              <a:off x="2493539" y="2960065"/>
+              <a:ext cx="674305" cy="415498"/>
+            </a:xfrm>
+            <a:prstGeom prst="rect">
+              <a:avLst/>
+            </a:prstGeom>
+            <a:noFill/>
+          </p:spPr>
+          <p:txBody>
+            <a:bodyPr wrap="square" rtlCol="0">
+              <a:spAutoFit/>
+            </a:bodyPr>
+            <a:lstStyle/>
+            <a:p>
+              <a:r>
+                <a:rPr lang="en-GB" sz="700" dirty="0"/>
+                <a:t>Dish</a:t>
+              </a:r>
+            </a:p>
+            <a:p>
+              <a:r>
+                <a:rPr lang="en-GB" sz="700" dirty="0"/>
+                <a:t>washer running?</a:t>
+              </a:r>
+              <a:endParaRPr lang="en-GB" sz="700" dirty="0"/>
+            </a:p>
+          </p:txBody>
+        </p:sp>
+      </p:grpSp>
+      <p:sp>
+        <p:nvSpPr>
+          <p:cNvPr id="76" name="Rounded Rectangle 75"/>
+          <p:cNvSpPr/>
+          <p:nvPr/>
+        </p:nvSpPr>
+        <p:spPr>
+          <a:xfrm>
+            <a:off x="2147137" y="5804695"/>
+            <a:ext cx="1147954" cy="474022"/>
+          </a:xfrm>
+          <a:prstGeom prst="roundRect">
+            <a:avLst/>
+          </a:prstGeom>
+          <a:solidFill>
+            <a:schemeClr val="bg1"/>
+          </a:solidFill>
+          <a:ln w="12700">
+            <a:solidFill>
+              <a:schemeClr val="tx1"/>
+            </a:solidFill>
+          </a:ln>
+        </p:spPr>
+        <p:style>
+          <a:lnRef idx="2">
+            <a:schemeClr val="accent1">
+              <a:shade val="50000"/>
+            </a:schemeClr>
+          </a:lnRef>
+          <a:fillRef idx="1">
+            <a:schemeClr val="accent1"/>
+          </a:fillRef>
+          <a:effectRef idx="0">
+            <a:schemeClr val="accent1"/>
+          </a:effectRef>
+          <a:fontRef idx="minor">
+            <a:schemeClr val="lt1"/>
+          </a:fontRef>
+        </p:style>
+        <p:txBody>
+          <a:bodyPr lIns="91431" tIns="45715" rIns="91431" bIns="45715" rtlCol="0" anchor="ctr"/>
+          <a:lstStyle/>
+          <a:p>
+            <a:pPr algn="ctr"/>
+            <a:r>
+              <a:rPr lang="en-GB" sz="1000" dirty="0">
+                <a:solidFill>
+                  <a:schemeClr val="tx1"/>
+                </a:solidFill>
+              </a:rPr>
+              <a:t>Use API to query Dishwasher</a:t>
+            </a:r>
+            <a:endParaRPr lang="en-GB" sz="1000" dirty="0">
+              <a:solidFill>
+                <a:schemeClr val="tx1"/>
+              </a:solidFill>
+            </a:endParaRPr>
+          </a:p>
+        </p:txBody>
+      </p:sp>
+      <p:cxnSp>
+        <p:nvCxnSpPr>
+          <p:cNvPr id="77" name="Straight Arrow Connector 76"/>
+          <p:cNvCxnSpPr/>
+          <p:nvPr/>
+        </p:nvCxnSpPr>
+        <p:spPr>
+          <a:xfrm>
+            <a:off x="2665652" y="6278717"/>
+            <a:ext cx="0" cy="180020"/>
+          </a:xfrm>
+          <a:prstGeom prst="straightConnector1">
+            <a:avLst/>
+          </a:prstGeom>
+          <a:ln>
+            <a:solidFill>
+              <a:schemeClr val="tx1"/>
+            </a:solidFill>
+            <a:tailEnd type="arrow"/>
+          </a:ln>
+        </p:spPr>
+        <p:style>
+          <a:lnRef idx="1">
+            <a:schemeClr val="accent1"/>
+          </a:lnRef>
+          <a:fillRef idx="0">
+            <a:schemeClr val="accent1"/>
+          </a:fillRef>
+          <a:effectRef idx="0">
+            <a:schemeClr val="accent1"/>
+          </a:effectRef>
+          <a:fontRef idx="minor">
+            <a:schemeClr val="tx1"/>
+          </a:fontRef>
+        </p:style>
+      </p:cxnSp>
+      <p:sp>
+        <p:nvSpPr>
+          <p:cNvPr id="78" name="Rounded Rectangle 77"/>
+          <p:cNvSpPr/>
+          <p:nvPr/>
+        </p:nvSpPr>
+        <p:spPr>
+          <a:xfrm>
+            <a:off x="952550" y="6618748"/>
+            <a:ext cx="1003938" cy="362502"/>
+          </a:xfrm>
+          <a:prstGeom prst="roundRect">
+            <a:avLst/>
+          </a:prstGeom>
+          <a:solidFill>
+            <a:schemeClr val="bg1"/>
+          </a:solidFill>
+          <a:ln w="12700">
+            <a:solidFill>
+              <a:schemeClr val="tx1"/>
+            </a:solidFill>
+          </a:ln>
+        </p:spPr>
+        <p:style>
+          <a:lnRef idx="2">
+            <a:schemeClr val="accent1">
+              <a:shade val="50000"/>
+            </a:schemeClr>
+          </a:lnRef>
+          <a:fillRef idx="1">
+            <a:schemeClr val="accent1"/>
+          </a:fillRef>
+          <a:effectRef idx="0">
+            <a:schemeClr val="accent1"/>
+          </a:effectRef>
+          <a:fontRef idx="minor">
+            <a:schemeClr val="lt1"/>
+          </a:fontRef>
+        </p:style>
+        <p:txBody>
+          <a:bodyPr lIns="91431" tIns="45715" rIns="91431" bIns="45715" rtlCol="0" anchor="ctr"/>
+          <a:lstStyle/>
+          <a:p>
+            <a:pPr algn="ctr"/>
+            <a:r>
+              <a:rPr lang="en-GB" sz="1000" dirty="0">
+                <a:solidFill>
+                  <a:schemeClr val="tx1"/>
+                </a:solidFill>
+              </a:rPr>
+              <a:t>Use API to pause machine</a:t>
+            </a:r>
+            <a:endParaRPr lang="en-GB" sz="1000" dirty="0">
+              <a:solidFill>
+                <a:schemeClr val="tx1"/>
+              </a:solidFill>
+            </a:endParaRPr>
+          </a:p>
+        </p:txBody>
+      </p:sp>
+      <p:cxnSp>
+        <p:nvCxnSpPr>
+          <p:cNvPr id="79" name="Straight Arrow Connector 78"/>
+          <p:cNvCxnSpPr/>
+          <p:nvPr/>
+        </p:nvCxnSpPr>
+        <p:spPr>
+          <a:xfrm flipH="1">
+            <a:off x="1950472" y="6806015"/>
+            <a:ext cx="353190" cy="0"/>
+          </a:xfrm>
+          <a:prstGeom prst="straightConnector1">
+            <a:avLst/>
+          </a:prstGeom>
+          <a:ln>
+            <a:solidFill>
+              <a:schemeClr val="tx1"/>
+            </a:solidFill>
+            <a:tailEnd type="arrow"/>
+          </a:ln>
+        </p:spPr>
+        <p:style>
+          <a:lnRef idx="1">
+            <a:schemeClr val="accent1"/>
+          </a:lnRef>
+          <a:fillRef idx="0">
+            <a:schemeClr val="accent1"/>
+          </a:fillRef>
+          <a:effectRef idx="0">
+            <a:schemeClr val="accent1"/>
+          </a:effectRef>
+          <a:fontRef idx="minor">
+            <a:schemeClr val="tx1"/>
+          </a:fontRef>
+        </p:style>
+      </p:cxnSp>
+      <p:sp>
+        <p:nvSpPr>
+          <p:cNvPr id="80" name="TextBox 79"/>
+          <p:cNvSpPr txBox="1"/>
+          <p:nvPr/>
+        </p:nvSpPr>
+        <p:spPr>
+          <a:xfrm>
+            <a:off x="1975135" y="6578906"/>
+            <a:ext cx="549831" cy="246211"/>
+          </a:xfrm>
+          <a:prstGeom prst="rect">
+            <a:avLst/>
+          </a:prstGeom>
+          <a:noFill/>
+        </p:spPr>
+        <p:txBody>
+          <a:bodyPr wrap="square" lIns="91431" tIns="45715" rIns="91431" bIns="45715" rtlCol="0">
+            <a:spAutoFit/>
+          </a:bodyPr>
+          <a:lstStyle/>
+          <a:p>
+            <a:r>
+              <a:rPr lang="en-GB" sz="1000" dirty="0"/>
+              <a:t>Yes</a:t>
+            </a:r>
+            <a:endParaRPr lang="en-GB" sz="1000" dirty="0"/>
+          </a:p>
+        </p:txBody>
+      </p:sp>
+      <p:cxnSp>
+        <p:nvCxnSpPr>
+          <p:cNvPr id="81" name="Straight Arrow Connector 80"/>
+          <p:cNvCxnSpPr/>
+          <p:nvPr/>
+        </p:nvCxnSpPr>
+        <p:spPr>
+          <a:xfrm>
+            <a:off x="2661571" y="7154891"/>
+            <a:ext cx="0" cy="180020"/>
+          </a:xfrm>
+          <a:prstGeom prst="straightConnector1">
+            <a:avLst/>
+          </a:prstGeom>
+          <a:ln>
+            <a:solidFill>
+              <a:schemeClr val="tx1"/>
+            </a:solidFill>
+            <a:tailEnd type="arrow"/>
+          </a:ln>
+        </p:spPr>
+        <p:style>
+          <a:lnRef idx="1">
+            <a:schemeClr val="accent1"/>
+          </a:lnRef>
+          <a:fillRef idx="0">
+            <a:schemeClr val="accent1"/>
+          </a:fillRef>
+          <a:effectRef idx="0">
+            <a:schemeClr val="accent1"/>
+          </a:effectRef>
+          <a:fontRef idx="minor">
+            <a:schemeClr val="tx1"/>
+          </a:fontRef>
+        </p:style>
+      </p:cxnSp>
+      <p:sp>
+        <p:nvSpPr>
+          <p:cNvPr id="83" name="TextBox 82"/>
+          <p:cNvSpPr txBox="1"/>
+          <p:nvPr/>
+        </p:nvSpPr>
+        <p:spPr>
+          <a:xfrm>
+            <a:off x="2660135" y="7087738"/>
+            <a:ext cx="549831" cy="246211"/>
+          </a:xfrm>
+          <a:prstGeom prst="rect">
+            <a:avLst/>
+          </a:prstGeom>
+          <a:noFill/>
+        </p:spPr>
+        <p:txBody>
+          <a:bodyPr wrap="square" lIns="91431" tIns="45715" rIns="91431" bIns="45715" rtlCol="0">
+            <a:spAutoFit/>
+          </a:bodyPr>
+          <a:lstStyle/>
+          <a:p>
+            <a:r>
+              <a:rPr lang="en-GB" sz="1000" dirty="0"/>
+              <a:t>No</a:t>
+            </a:r>
+            <a:endParaRPr lang="en-GB" sz="1000" dirty="0"/>
+          </a:p>
+        </p:txBody>
+      </p:sp>
+      <p:cxnSp>
+        <p:nvCxnSpPr>
+          <p:cNvPr id="85" name="Elbow Connector 84"/>
+          <p:cNvCxnSpPr>
+            <a:stCxn id="55" idx="2"/>
+            <a:endCxn id="76" idx="1"/>
+          </p:cNvCxnSpPr>
+          <p:nvPr/>
+        </p:nvCxnSpPr>
+        <p:spPr>
+          <a:xfrm rot="16200000" flipH="1">
+            <a:off x="1520608" y="5415175"/>
+            <a:ext cx="605389" cy="647672"/>
+          </a:xfrm>
+          <a:prstGeom prst="bentConnector2">
+            <a:avLst/>
+          </a:prstGeom>
+          <a:ln>
+            <a:solidFill>
+              <a:schemeClr val="tx1"/>
+            </a:solidFill>
+            <a:tailEnd type="arrow"/>
+          </a:ln>
+        </p:spPr>
+        <p:style>
+          <a:lnRef idx="1">
+            <a:schemeClr val="accent1"/>
+          </a:lnRef>
+          <a:fillRef idx="0">
+            <a:schemeClr val="accent1"/>
+          </a:fillRef>
+          <a:effectRef idx="0">
+            <a:schemeClr val="accent1"/>
+          </a:effectRef>
+          <a:fontRef idx="minor">
+            <a:schemeClr val="tx1"/>
+          </a:fontRef>
+        </p:style>
+      </p:cxnSp>
+      <p:cxnSp>
+        <p:nvCxnSpPr>
+          <p:cNvPr id="87" name="Elbow Connector 86"/>
+          <p:cNvCxnSpPr>
+            <a:stCxn id="78" idx="2"/>
+            <a:endCxn id="45" idx="1"/>
+          </p:cNvCxnSpPr>
+          <p:nvPr/>
+        </p:nvCxnSpPr>
+        <p:spPr>
+          <a:xfrm rot="16200000" flipH="1">
+            <a:off x="1553030" y="6882740"/>
+            <a:ext cx="540545" cy="737564"/>
+          </a:xfrm>
+          <a:prstGeom prst="bentConnector2">
+            <a:avLst/>
+          </a:prstGeom>
+          <a:ln>
+            <a:solidFill>
+              <a:schemeClr val="tx1"/>
+            </a:solidFill>
+            <a:tailEnd type="arrow"/>
+          </a:ln>
+        </p:spPr>
+        <p:style>
+          <a:lnRef idx="1">
+            <a:schemeClr val="accent1"/>
+          </a:lnRef>
+          <a:fillRef idx="0">
+            <a:schemeClr val="accent1"/>
+          </a:fillRef>
+          <a:effectRef idx="0">
+            <a:schemeClr val="accent1"/>
+          </a:effectRef>
+          <a:fontRef idx="minor">
+            <a:schemeClr val="tx1"/>
+          </a:fontRef>
+        </p:style>
+      </p:cxnSp>
+      <p:grpSp>
+        <p:nvGrpSpPr>
+          <p:cNvPr id="91" name="Group 90"/>
+          <p:cNvGrpSpPr/>
+          <p:nvPr/>
+        </p:nvGrpSpPr>
+        <p:grpSpPr>
+          <a:xfrm>
+            <a:off x="2112522" y="8754944"/>
+            <a:ext cx="681362" cy="509173"/>
+            <a:chOff x="2486482" y="2896979"/>
+            <a:chExt cx="681362" cy="509173"/>
+          </a:xfrm>
+        </p:grpSpPr>
+        <p:sp>
+          <p:nvSpPr>
+            <p:cNvPr id="92" name="Rectangle 91"/>
+            <p:cNvSpPr/>
+            <p:nvPr/>
+          </p:nvSpPr>
+          <p:spPr>
+            <a:xfrm rot="2700000">
+              <a:off x="2486482" y="2896979"/>
+              <a:ext cx="509173" cy="509173"/>
+            </a:xfrm>
+            <a:prstGeom prst="rect">
+              <a:avLst/>
+            </a:prstGeom>
+            <a:solidFill>
+              <a:schemeClr val="bg1"/>
+            </a:solidFill>
+            <a:ln w="12700">
+              <a:solidFill>
+                <a:schemeClr val="tx1"/>
+              </a:solidFill>
+            </a:ln>
+          </p:spPr>
+          <p:style>
+            <a:lnRef idx="2">
+              <a:schemeClr val="accent1">
+                <a:shade val="50000"/>
+              </a:schemeClr>
+            </a:lnRef>
+            <a:fillRef idx="1">
+              <a:schemeClr val="accent1"/>
+            </a:fillRef>
+            <a:effectRef idx="0">
+              <a:schemeClr val="accent1"/>
+            </a:effectRef>
+            <a:fontRef idx="minor">
+              <a:schemeClr val="lt1"/>
+            </a:fontRef>
+          </p:style>
+          <p:txBody>
+            <a:bodyPr rtlCol="0" anchor="ctr"/>
+            <a:lstStyle/>
+            <a:p>
+              <a:pPr algn="ctr"/>
+              <a:endParaRPr lang="en-GB" dirty="0">
+                <a:solidFill>
+                  <a:schemeClr val="tx1"/>
+                </a:solidFill>
+              </a:endParaRPr>
+            </a:p>
+          </p:txBody>
+        </p:sp>
+        <p:sp>
+          <p:nvSpPr>
+            <p:cNvPr id="93" name="TextBox 92"/>
+            <p:cNvSpPr txBox="1"/>
+            <p:nvPr/>
+          </p:nvSpPr>
+          <p:spPr>
+            <a:xfrm>
+              <a:off x="2493539" y="2960065"/>
+              <a:ext cx="674305" cy="307777"/>
+            </a:xfrm>
+            <a:prstGeom prst="rect">
+              <a:avLst/>
+            </a:prstGeom>
+            <a:noFill/>
+          </p:spPr>
+          <p:txBody>
+            <a:bodyPr wrap="square" rtlCol="0">
+              <a:spAutoFit/>
+            </a:bodyPr>
+            <a:lstStyle/>
+            <a:p>
+              <a:r>
+                <a:rPr lang="en-GB" sz="700" dirty="0"/>
+                <a:t>Timer finished?</a:t>
+              </a:r>
+              <a:endParaRPr lang="en-GB" sz="700" dirty="0"/>
+            </a:p>
+          </p:txBody>
+        </p:sp>
+      </p:grpSp>
+      <p:sp>
+        <p:nvSpPr>
+          <p:cNvPr id="94" name="Rounded Rectangle 93"/>
+          <p:cNvSpPr/>
+          <p:nvPr/>
+        </p:nvSpPr>
+        <p:spPr>
+          <a:xfrm>
+            <a:off x="658086" y="8818029"/>
+            <a:ext cx="1003938" cy="362502"/>
+          </a:xfrm>
+          <a:prstGeom prst="roundRect">
+            <a:avLst/>
+          </a:prstGeom>
+          <a:solidFill>
+            <a:schemeClr val="bg1"/>
+          </a:solidFill>
+          <a:ln w="12700">
+            <a:solidFill>
+              <a:schemeClr val="tx1"/>
+            </a:solidFill>
+          </a:ln>
+        </p:spPr>
+        <p:style>
+          <a:lnRef idx="2">
+            <a:schemeClr val="accent1">
+              <a:shade val="50000"/>
+            </a:schemeClr>
+          </a:lnRef>
+          <a:fillRef idx="1">
+            <a:schemeClr val="accent1"/>
+          </a:fillRef>
+          <a:effectRef idx="0">
+            <a:schemeClr val="accent1"/>
+          </a:effectRef>
+          <a:fontRef idx="minor">
+            <a:schemeClr val="lt1"/>
+          </a:fontRef>
+        </p:style>
+        <p:txBody>
+          <a:bodyPr lIns="91431" tIns="45715" rIns="91431" bIns="45715" rtlCol="0" anchor="ctr"/>
+          <a:lstStyle/>
+          <a:p>
+            <a:pPr algn="ctr"/>
+            <a:r>
+              <a:rPr lang="en-GB" sz="1000" dirty="0">
+                <a:solidFill>
+                  <a:schemeClr val="tx1"/>
+                </a:solidFill>
+              </a:rPr>
+              <a:t>Reset Timer</a:t>
+            </a:r>
+            <a:endParaRPr lang="en-GB" sz="1000" dirty="0">
+              <a:solidFill>
+                <a:schemeClr val="tx1"/>
+              </a:solidFill>
+            </a:endParaRPr>
+          </a:p>
+        </p:txBody>
+      </p:sp>
+      <p:cxnSp>
+        <p:nvCxnSpPr>
+          <p:cNvPr id="95" name="Straight Arrow Connector 94"/>
+          <p:cNvCxnSpPr/>
+          <p:nvPr/>
+        </p:nvCxnSpPr>
+        <p:spPr>
+          <a:xfrm flipH="1">
+            <a:off x="1656008" y="9005296"/>
+            <a:ext cx="353190" cy="0"/>
+          </a:xfrm>
+          <a:prstGeom prst="straightConnector1">
+            <a:avLst/>
+          </a:prstGeom>
+          <a:ln>
+            <a:solidFill>
+              <a:schemeClr val="tx1"/>
+            </a:solidFill>
+            <a:tailEnd type="arrow"/>
+          </a:ln>
+        </p:spPr>
+        <p:style>
+          <a:lnRef idx="1">
+            <a:schemeClr val="accent1"/>
+          </a:lnRef>
+          <a:fillRef idx="0">
+            <a:schemeClr val="accent1"/>
+          </a:fillRef>
+          <a:effectRef idx="0">
+            <a:schemeClr val="accent1"/>
+          </a:effectRef>
+          <a:fontRef idx="minor">
+            <a:schemeClr val="tx1"/>
+          </a:fontRef>
+        </p:style>
+      </p:cxnSp>
+      <p:sp>
+        <p:nvSpPr>
+          <p:cNvPr id="97" name="TextBox 96"/>
+          <p:cNvSpPr txBox="1"/>
+          <p:nvPr/>
+        </p:nvSpPr>
+        <p:spPr>
+          <a:xfrm>
+            <a:off x="2373060" y="9287018"/>
+            <a:ext cx="549831" cy="246211"/>
+          </a:xfrm>
+          <a:prstGeom prst="rect">
+            <a:avLst/>
+          </a:prstGeom>
+          <a:noFill/>
+        </p:spPr>
+        <p:txBody>
+          <a:bodyPr wrap="square" lIns="91431" tIns="45715" rIns="91431" bIns="45715" rtlCol="0">
+            <a:spAutoFit/>
+          </a:bodyPr>
+          <a:lstStyle/>
+          <a:p>
+            <a:r>
+              <a:rPr lang="en-GB" sz="1000" dirty="0"/>
+              <a:t>No</a:t>
+            </a:r>
+            <a:endParaRPr lang="en-GB" sz="1000" dirty="0"/>
+          </a:p>
+        </p:txBody>
+      </p:sp>
+      <p:sp>
+        <p:nvSpPr>
+          <p:cNvPr id="99" name="TextBox 98"/>
+          <p:cNvSpPr txBox="1"/>
+          <p:nvPr/>
+        </p:nvSpPr>
+        <p:spPr>
+          <a:xfrm>
+            <a:off x="1682544" y="8770943"/>
+            <a:ext cx="549831" cy="246211"/>
+          </a:xfrm>
+          <a:prstGeom prst="rect">
+            <a:avLst/>
+          </a:prstGeom>
+          <a:noFill/>
+        </p:spPr>
+        <p:txBody>
+          <a:bodyPr wrap="square" lIns="91431" tIns="45715" rIns="91431" bIns="45715" rtlCol="0">
+            <a:spAutoFit/>
+          </a:bodyPr>
+          <a:lstStyle/>
+          <a:p>
+            <a:r>
+              <a:rPr lang="en-GB" sz="1000" dirty="0"/>
+              <a:t>Yes</a:t>
+            </a:r>
+            <a:endParaRPr lang="en-GB" sz="1000" dirty="0"/>
+          </a:p>
+        </p:txBody>
+      </p:sp>
+      <p:cxnSp>
+        <p:nvCxnSpPr>
+          <p:cNvPr id="100" name="Straight Arrow Connector 99"/>
+          <p:cNvCxnSpPr/>
+          <p:nvPr/>
+        </p:nvCxnSpPr>
+        <p:spPr>
+          <a:xfrm>
+            <a:off x="2365671" y="8477203"/>
+            <a:ext cx="0" cy="180020"/>
+          </a:xfrm>
+          <a:prstGeom prst="straightConnector1">
+            <a:avLst/>
+          </a:prstGeom>
+          <a:ln>
+            <a:solidFill>
+              <a:schemeClr val="tx1"/>
+            </a:solidFill>
+            <a:tailEnd type="arrow"/>
+          </a:ln>
+        </p:spPr>
+        <p:style>
+          <a:lnRef idx="1">
+            <a:schemeClr val="accent1"/>
+          </a:lnRef>
+          <a:fillRef idx="0">
+            <a:schemeClr val="accent1"/>
+          </a:fillRef>
+          <a:effectRef idx="0">
+            <a:schemeClr val="accent1"/>
+          </a:effectRef>
+          <a:fontRef idx="minor">
+            <a:schemeClr val="tx1"/>
+          </a:fontRef>
+        </p:style>
+      </p:cxnSp>
+      <p:cxnSp>
+        <p:nvCxnSpPr>
+          <p:cNvPr id="103" name="Straight Connector 102"/>
+          <p:cNvCxnSpPr/>
+          <p:nvPr/>
+        </p:nvCxnSpPr>
+        <p:spPr>
+          <a:xfrm>
+            <a:off x="2365671" y="9369571"/>
+            <a:ext cx="0" cy="163669"/>
+          </a:xfrm>
+          <a:prstGeom prst="line">
+            <a:avLst/>
+          </a:prstGeom>
+          <a:ln>
+            <a:solidFill>
+              <a:schemeClr val="tx1"/>
+            </a:solidFill>
+            <a:tailEnd type="none"/>
+          </a:ln>
+        </p:spPr>
+        <p:style>
+          <a:lnRef idx="1">
+            <a:schemeClr val="accent1"/>
+          </a:lnRef>
+          <a:fillRef idx="0">
+            <a:schemeClr val="accent1"/>
+          </a:fillRef>
+          <a:effectRef idx="0">
+            <a:schemeClr val="accent1"/>
+          </a:effectRef>
+          <a:fontRef idx="minor">
+            <a:schemeClr val="tx1"/>
+          </a:fontRef>
+        </p:style>
+      </p:cxnSp>
+      <p:cxnSp>
+        <p:nvCxnSpPr>
+          <p:cNvPr id="105" name="Elbow Connector 104"/>
+          <p:cNvCxnSpPr/>
+          <p:nvPr/>
+        </p:nvCxnSpPr>
+        <p:spPr>
+          <a:xfrm rot="5400000" flipH="1" flipV="1">
+            <a:off x="2286428" y="9090646"/>
+            <a:ext cx="523710" cy="361476"/>
+          </a:xfrm>
+          <a:prstGeom prst="bentConnector3">
+            <a:avLst>
+              <a:gd name="adj1" fmla="val -319"/>
+            </a:avLst>
+          </a:prstGeom>
+          <a:ln>
+            <a:solidFill>
+              <a:schemeClr val="tx1"/>
+            </a:solidFill>
+            <a:tailEnd type="arrow"/>
+          </a:ln>
+        </p:spPr>
+        <p:style>
+          <a:lnRef idx="1">
+            <a:schemeClr val="accent1"/>
+          </a:lnRef>
+          <a:fillRef idx="0">
+            <a:schemeClr val="accent1"/>
+          </a:fillRef>
+          <a:effectRef idx="0">
+            <a:schemeClr val="accent1"/>
+          </a:effectRef>
+          <a:fontRef idx="minor">
+            <a:schemeClr val="tx1"/>
+          </a:fontRef>
+        </p:style>
+      </p:cxnSp>
+      <p:cxnSp>
+        <p:nvCxnSpPr>
+          <p:cNvPr id="111" name="Elbow Connector 110"/>
+          <p:cNvCxnSpPr>
+            <a:stCxn id="94" idx="1"/>
+            <a:endCxn id="12" idx="2"/>
+          </p:cNvCxnSpPr>
+          <p:nvPr/>
+        </p:nvCxnSpPr>
+        <p:spPr>
+          <a:xfrm rot="10800000" flipH="1">
+            <a:off x="658086" y="188640"/>
+            <a:ext cx="1493433" cy="8810640"/>
+          </a:xfrm>
+          <a:prstGeom prst="bentConnector3">
+            <a:avLst>
+              <a:gd name="adj1" fmla="val -15307"/>
+            </a:avLst>
+          </a:prstGeom>
+          <a:ln>
+            <a:solidFill>
+              <a:schemeClr val="tx1"/>
+            </a:solidFill>
+            <a:tailEnd type="arrow"/>
+          </a:ln>
+        </p:spPr>
+        <p:style>
+          <a:lnRef idx="1">
+            <a:schemeClr val="accent1"/>
+          </a:lnRef>
+          <a:fillRef idx="0">
+            <a:schemeClr val="accent1"/>
+          </a:fillRef>
+          <a:effectRef idx="0">
+            <a:schemeClr val="accent1"/>
+          </a:effectRef>
+          <a:fontRef idx="minor">
+            <a:schemeClr val="tx1"/>
+          </a:fontRef>
+        </p:style>
+      </p:cxnSp>
+      <p:sp>
+        <p:nvSpPr>
+          <p:cNvPr id="115" name="TextBox 114"/>
+          <p:cNvSpPr txBox="1"/>
+          <p:nvPr/>
+        </p:nvSpPr>
+        <p:spPr>
+          <a:xfrm>
+            <a:off x="-1476672" y="-134526"/>
+            <a:ext cx="1656184" cy="646321"/>
+          </a:xfrm>
+          <a:prstGeom prst="rect">
+            <a:avLst/>
+          </a:prstGeom>
+          <a:noFill/>
+        </p:spPr>
+        <p:txBody>
+          <a:bodyPr wrap="square" lIns="91431" tIns="45715" rIns="91431" bIns="45715" rtlCol="0">
+            <a:spAutoFit/>
+          </a:bodyPr>
+          <a:lstStyle/>
+          <a:p>
+            <a:r>
+              <a:rPr lang="en-GB" dirty="0" smtClean="0"/>
+              <a:t>Control</a:t>
+            </a:r>
+          </a:p>
+          <a:p>
+            <a:r>
+              <a:rPr lang="en-GB" dirty="0" smtClean="0"/>
+              <a:t> box flowchart</a:t>
+            </a:r>
+            <a:endParaRPr lang="en-GB" dirty="0"/>
+          </a:p>
+        </p:txBody>
+      </p:sp>
+      <p:sp>
+        <p:nvSpPr>
+          <p:cNvPr id="118" name="Rounded Rectangle 117"/>
+          <p:cNvSpPr/>
+          <p:nvPr/>
+        </p:nvSpPr>
+        <p:spPr>
+          <a:xfrm>
+            <a:off x="3668193" y="4186428"/>
+            <a:ext cx="1147954" cy="576064"/>
+          </a:xfrm>
+          <a:prstGeom prst="roundRect">
+            <a:avLst/>
+          </a:prstGeom>
+          <a:solidFill>
+            <a:schemeClr val="bg1"/>
+          </a:solidFill>
+          <a:ln w="12700">
+            <a:solidFill>
+              <a:schemeClr val="tx1"/>
+            </a:solidFill>
+          </a:ln>
+        </p:spPr>
+        <p:style>
+          <a:lnRef idx="2">
+            <a:schemeClr val="accent1">
+              <a:shade val="50000"/>
+            </a:schemeClr>
+          </a:lnRef>
+          <a:fillRef idx="1">
+            <a:schemeClr val="accent1"/>
+          </a:fillRef>
+          <a:effectRef idx="0">
+            <a:schemeClr val="accent1"/>
+          </a:effectRef>
+          <a:fontRef idx="minor">
+            <a:schemeClr val="lt1"/>
+          </a:fontRef>
+        </p:style>
+        <p:txBody>
+          <a:bodyPr lIns="91431" tIns="45715" rIns="91431" bIns="45715" rtlCol="0" anchor="ctr"/>
+          <a:lstStyle/>
+          <a:p>
+            <a:pPr algn="ctr"/>
+            <a:r>
+              <a:rPr lang="en-GB" sz="1000" dirty="0">
+                <a:solidFill>
+                  <a:schemeClr val="tx1"/>
+                </a:solidFill>
+              </a:rPr>
+              <a:t>Message API to Messenger </a:t>
+            </a:r>
+            <a:endParaRPr lang="en-GB" sz="1000" dirty="0">
+              <a:solidFill>
+                <a:schemeClr val="tx1"/>
+              </a:solidFill>
+            </a:endParaRPr>
+          </a:p>
+        </p:txBody>
+      </p:sp>
+      <p:grpSp>
+        <p:nvGrpSpPr>
+          <p:cNvPr id="59" name="Group 58"/>
+          <p:cNvGrpSpPr/>
+          <p:nvPr/>
+        </p:nvGrpSpPr>
+        <p:grpSpPr>
+          <a:xfrm>
+            <a:off x="2470237" y="1628801"/>
+            <a:ext cx="681362" cy="509173"/>
+            <a:chOff x="2486482" y="2896979"/>
+            <a:chExt cx="681362" cy="509173"/>
+          </a:xfrm>
+        </p:grpSpPr>
+        <p:sp>
+          <p:nvSpPr>
+            <p:cNvPr id="60" name="Rectangle 59"/>
+            <p:cNvSpPr/>
+            <p:nvPr/>
+          </p:nvSpPr>
+          <p:spPr>
+            <a:xfrm rot="2700000">
+              <a:off x="2486482" y="2896979"/>
+              <a:ext cx="509173" cy="509173"/>
+            </a:xfrm>
+            <a:prstGeom prst="rect">
+              <a:avLst/>
+            </a:prstGeom>
+            <a:solidFill>
+              <a:schemeClr val="bg1"/>
+            </a:solidFill>
+            <a:ln w="12700">
+              <a:solidFill>
+                <a:schemeClr val="tx1"/>
+              </a:solidFill>
+            </a:ln>
+          </p:spPr>
+          <p:style>
+            <a:lnRef idx="2">
+              <a:schemeClr val="accent1">
+                <a:shade val="50000"/>
+              </a:schemeClr>
+            </a:lnRef>
+            <a:fillRef idx="1">
+              <a:schemeClr val="accent1"/>
+            </a:fillRef>
+            <a:effectRef idx="0">
+              <a:schemeClr val="accent1"/>
+            </a:effectRef>
+            <a:fontRef idx="minor">
+              <a:schemeClr val="lt1"/>
+            </a:fontRef>
+          </p:style>
+          <p:txBody>
+            <a:bodyPr rtlCol="0" anchor="ctr"/>
+            <a:lstStyle/>
+            <a:p>
+              <a:pPr algn="ctr"/>
+              <a:endParaRPr lang="en-GB" dirty="0">
+                <a:solidFill>
+                  <a:schemeClr val="tx1"/>
+                </a:solidFill>
+              </a:endParaRPr>
+            </a:p>
+          </p:txBody>
+        </p:sp>
+        <p:sp>
+          <p:nvSpPr>
+            <p:cNvPr id="62" name="TextBox 61"/>
+            <p:cNvSpPr txBox="1"/>
+            <p:nvPr/>
+          </p:nvSpPr>
+          <p:spPr>
+            <a:xfrm>
+              <a:off x="2493539" y="2960065"/>
+              <a:ext cx="674305" cy="415498"/>
+            </a:xfrm>
+            <a:prstGeom prst="rect">
+              <a:avLst/>
+            </a:prstGeom>
+            <a:noFill/>
+          </p:spPr>
+          <p:txBody>
+            <a:bodyPr wrap="square" rtlCol="0">
+              <a:spAutoFit/>
+            </a:bodyPr>
+            <a:lstStyle/>
+            <a:p>
+              <a:r>
+                <a:rPr lang="en-GB" sz="700" dirty="0"/>
+                <a:t>Back </a:t>
+              </a:r>
+            </a:p>
+            <a:p>
+              <a:r>
+                <a:rPr lang="en-GB" sz="700" dirty="0"/>
+                <a:t>Button Pressed?</a:t>
+              </a:r>
+              <a:endParaRPr lang="en-GB" sz="700" dirty="0"/>
+            </a:p>
+          </p:txBody>
+        </p:sp>
+      </p:grpSp>
+      <p:cxnSp>
+        <p:nvCxnSpPr>
+          <p:cNvPr id="63" name="Straight Arrow Connector 62"/>
+          <p:cNvCxnSpPr/>
+          <p:nvPr/>
+        </p:nvCxnSpPr>
+        <p:spPr>
+          <a:xfrm flipH="1">
+            <a:off x="1732151" y="1883386"/>
+            <a:ext cx="610840" cy="0"/>
+          </a:xfrm>
+          <a:prstGeom prst="straightConnector1">
+            <a:avLst/>
+          </a:prstGeom>
+          <a:ln>
+            <a:solidFill>
+              <a:schemeClr val="tx1"/>
+            </a:solidFill>
+            <a:tailEnd type="arrow"/>
+          </a:ln>
+        </p:spPr>
+        <p:style>
+          <a:lnRef idx="1">
+            <a:schemeClr val="accent1"/>
+          </a:lnRef>
+          <a:fillRef idx="0">
+            <a:schemeClr val="accent1"/>
+          </a:fillRef>
+          <a:effectRef idx="0">
+            <a:schemeClr val="accent1"/>
+          </a:effectRef>
+          <a:fontRef idx="minor">
+            <a:schemeClr val="tx1"/>
+          </a:fontRef>
+        </p:style>
+      </p:cxnSp>
+      <p:sp>
+        <p:nvSpPr>
+          <p:cNvPr id="64" name="TextBox 63"/>
+          <p:cNvSpPr txBox="1"/>
+          <p:nvPr/>
+        </p:nvSpPr>
+        <p:spPr>
+          <a:xfrm>
+            <a:off x="2043050" y="1653414"/>
+            <a:ext cx="549831" cy="246211"/>
+          </a:xfrm>
+          <a:prstGeom prst="rect">
+            <a:avLst/>
+          </a:prstGeom>
+          <a:noFill/>
+        </p:spPr>
+        <p:txBody>
+          <a:bodyPr wrap="square" lIns="91431" tIns="45715" rIns="91431" bIns="45715" rtlCol="0">
+            <a:spAutoFit/>
+          </a:bodyPr>
+          <a:lstStyle/>
+          <a:p>
+            <a:r>
+              <a:rPr lang="en-GB" sz="1000" dirty="0"/>
+              <a:t>Yes</a:t>
+            </a:r>
+            <a:endParaRPr lang="en-GB" sz="1000" dirty="0"/>
+          </a:p>
+        </p:txBody>
+      </p:sp>
+      <p:cxnSp>
+        <p:nvCxnSpPr>
+          <p:cNvPr id="66" name="Straight Arrow Connector 65"/>
+          <p:cNvCxnSpPr/>
+          <p:nvPr/>
+        </p:nvCxnSpPr>
+        <p:spPr>
+          <a:xfrm>
+            <a:off x="2724823" y="2228029"/>
+            <a:ext cx="0" cy="180020"/>
+          </a:xfrm>
+          <a:prstGeom prst="straightConnector1">
+            <a:avLst/>
+          </a:prstGeom>
+          <a:ln>
+            <a:solidFill>
+              <a:schemeClr val="tx1"/>
+            </a:solidFill>
+            <a:tailEnd type="arrow"/>
+          </a:ln>
+        </p:spPr>
+        <p:style>
+          <a:lnRef idx="1">
+            <a:schemeClr val="accent1"/>
+          </a:lnRef>
+          <a:fillRef idx="0">
+            <a:schemeClr val="accent1"/>
+          </a:fillRef>
+          <a:effectRef idx="0">
+            <a:schemeClr val="accent1"/>
+          </a:effectRef>
+          <a:fontRef idx="minor">
+            <a:schemeClr val="tx1"/>
+          </a:fontRef>
+        </p:style>
+      </p:cxnSp>
+      <p:cxnSp>
+        <p:nvCxnSpPr>
+          <p:cNvPr id="67" name="Straight Arrow Connector 66"/>
+          <p:cNvCxnSpPr/>
+          <p:nvPr/>
+        </p:nvCxnSpPr>
+        <p:spPr>
+          <a:xfrm>
+            <a:off x="2724823" y="1215566"/>
+            <a:ext cx="0" cy="341226"/>
+          </a:xfrm>
+          <a:prstGeom prst="straightConnector1">
+            <a:avLst/>
+          </a:prstGeom>
+          <a:ln>
+            <a:solidFill>
+              <a:schemeClr val="tx1"/>
+            </a:solidFill>
+            <a:tailEnd type="arrow"/>
+          </a:ln>
+        </p:spPr>
+        <p:style>
+          <a:lnRef idx="1">
+            <a:schemeClr val="accent1"/>
+          </a:lnRef>
+          <a:fillRef idx="0">
+            <a:schemeClr val="accent1"/>
+          </a:fillRef>
+          <a:effectRef idx="0">
+            <a:schemeClr val="accent1"/>
+          </a:effectRef>
+          <a:fontRef idx="minor">
+            <a:schemeClr val="tx1"/>
+          </a:fontRef>
+        </p:style>
+      </p:cxnSp>
+      <p:sp>
+        <p:nvSpPr>
+          <p:cNvPr id="68" name="Rounded Rectangle 67"/>
+          <p:cNvSpPr/>
+          <p:nvPr/>
+        </p:nvSpPr>
+        <p:spPr>
+          <a:xfrm>
+            <a:off x="571518" y="1653791"/>
+            <a:ext cx="1147954" cy="360040"/>
+          </a:xfrm>
+          <a:prstGeom prst="roundRect">
+            <a:avLst/>
+          </a:prstGeom>
+          <a:solidFill>
+            <a:schemeClr val="bg1"/>
+          </a:solidFill>
+          <a:ln w="12700">
+            <a:solidFill>
+              <a:schemeClr val="tx1"/>
+            </a:solidFill>
+          </a:ln>
+        </p:spPr>
+        <p:style>
+          <a:lnRef idx="2">
+            <a:schemeClr val="accent1">
+              <a:shade val="50000"/>
+            </a:schemeClr>
+          </a:lnRef>
+          <a:fillRef idx="1">
+            <a:schemeClr val="accent1"/>
+          </a:fillRef>
+          <a:effectRef idx="0">
+            <a:schemeClr val="accent1"/>
+          </a:effectRef>
+          <a:fontRef idx="minor">
+            <a:schemeClr val="lt1"/>
+          </a:fontRef>
+        </p:style>
+        <p:txBody>
+          <a:bodyPr lIns="91431" tIns="45715" rIns="91431" bIns="45715" rtlCol="0" anchor="ctr"/>
+          <a:lstStyle/>
+          <a:p>
+            <a:pPr algn="ctr"/>
+            <a:r>
+              <a:rPr lang="en-GB" sz="800" dirty="0">
+                <a:solidFill>
+                  <a:schemeClr val="tx1"/>
+                </a:solidFill>
+              </a:rPr>
+              <a:t>Remove last number from display</a:t>
+            </a:r>
+            <a:endParaRPr lang="en-GB" sz="800" dirty="0">
+              <a:solidFill>
+                <a:schemeClr val="tx1"/>
+              </a:solidFill>
+            </a:endParaRPr>
+          </a:p>
+        </p:txBody>
+      </p:sp>
+      <p:grpSp>
+        <p:nvGrpSpPr>
+          <p:cNvPr id="82" name="Group 81"/>
+          <p:cNvGrpSpPr/>
+          <p:nvPr/>
+        </p:nvGrpSpPr>
+        <p:grpSpPr>
+          <a:xfrm>
+            <a:off x="2470237" y="2503066"/>
+            <a:ext cx="681362" cy="509173"/>
+            <a:chOff x="2486482" y="2896979"/>
+            <a:chExt cx="681362" cy="509173"/>
+          </a:xfrm>
+        </p:grpSpPr>
+        <p:sp>
+          <p:nvSpPr>
+            <p:cNvPr id="84" name="Rectangle 83"/>
+            <p:cNvSpPr/>
+            <p:nvPr/>
+          </p:nvSpPr>
+          <p:spPr>
+            <a:xfrm rot="2700000">
+              <a:off x="2486482" y="2896979"/>
+              <a:ext cx="509173" cy="509173"/>
+            </a:xfrm>
+            <a:prstGeom prst="rect">
+              <a:avLst/>
+            </a:prstGeom>
+            <a:solidFill>
+              <a:schemeClr val="bg1"/>
+            </a:solidFill>
+            <a:ln w="12700">
+              <a:solidFill>
+                <a:schemeClr val="tx1"/>
+              </a:solidFill>
+            </a:ln>
+          </p:spPr>
+          <p:style>
+            <a:lnRef idx="2">
+              <a:schemeClr val="accent1">
+                <a:shade val="50000"/>
+              </a:schemeClr>
+            </a:lnRef>
+            <a:fillRef idx="1">
+              <a:schemeClr val="accent1"/>
+            </a:fillRef>
+            <a:effectRef idx="0">
+              <a:schemeClr val="accent1"/>
+            </a:effectRef>
+            <a:fontRef idx="minor">
+              <a:schemeClr val="lt1"/>
+            </a:fontRef>
+          </p:style>
+          <p:txBody>
+            <a:bodyPr rtlCol="0" anchor="ctr"/>
+            <a:lstStyle/>
+            <a:p>
+              <a:pPr algn="ctr"/>
+              <a:endParaRPr lang="en-GB" dirty="0">
+                <a:solidFill>
+                  <a:schemeClr val="tx1"/>
+                </a:solidFill>
+              </a:endParaRPr>
+            </a:p>
+          </p:txBody>
+        </p:sp>
+        <p:sp>
+          <p:nvSpPr>
+            <p:cNvPr id="86" name="TextBox 85"/>
+            <p:cNvSpPr txBox="1"/>
+            <p:nvPr/>
+          </p:nvSpPr>
+          <p:spPr>
+            <a:xfrm>
+              <a:off x="2493539" y="2960065"/>
+              <a:ext cx="674305" cy="415498"/>
+            </a:xfrm>
+            <a:prstGeom prst="rect">
+              <a:avLst/>
+            </a:prstGeom>
+            <a:noFill/>
+          </p:spPr>
+          <p:txBody>
+            <a:bodyPr wrap="square" rtlCol="0">
+              <a:spAutoFit/>
+            </a:bodyPr>
+            <a:lstStyle/>
+            <a:p>
+              <a:r>
+                <a:rPr lang="en-GB" sz="700" dirty="0"/>
+                <a:t>Confirm Button Pressed?</a:t>
+              </a:r>
+              <a:endParaRPr lang="en-GB" sz="700" dirty="0"/>
+            </a:p>
+          </p:txBody>
+        </p:sp>
+      </p:grpSp>
+      <p:sp>
+        <p:nvSpPr>
+          <p:cNvPr id="89" name="TextBox 88"/>
+          <p:cNvSpPr txBox="1"/>
+          <p:nvPr/>
+        </p:nvSpPr>
+        <p:spPr>
+          <a:xfrm>
+            <a:off x="2753815" y="3106708"/>
+            <a:ext cx="549831" cy="246211"/>
+          </a:xfrm>
+          <a:prstGeom prst="rect">
+            <a:avLst/>
+          </a:prstGeom>
+          <a:noFill/>
+        </p:spPr>
+        <p:txBody>
+          <a:bodyPr wrap="square" lIns="91431" tIns="45715" rIns="91431" bIns="45715" rtlCol="0">
+            <a:spAutoFit/>
+          </a:bodyPr>
+          <a:lstStyle/>
+          <a:p>
+            <a:r>
+              <a:rPr lang="en-GB" sz="1000" dirty="0"/>
+              <a:t>Yes</a:t>
+            </a:r>
+            <a:endParaRPr lang="en-GB" sz="1000" dirty="0"/>
+          </a:p>
+        </p:txBody>
+      </p:sp>
+      <p:sp>
+        <p:nvSpPr>
+          <p:cNvPr id="90" name="TextBox 89"/>
+          <p:cNvSpPr txBox="1"/>
+          <p:nvPr/>
+        </p:nvSpPr>
+        <p:spPr>
+          <a:xfrm>
+            <a:off x="3028731" y="2449686"/>
+            <a:ext cx="549831" cy="246211"/>
+          </a:xfrm>
+          <a:prstGeom prst="rect">
+            <a:avLst/>
+          </a:prstGeom>
+          <a:noFill/>
+        </p:spPr>
+        <p:txBody>
+          <a:bodyPr wrap="square" lIns="91431" tIns="45715" rIns="91431" bIns="45715" rtlCol="0">
+            <a:spAutoFit/>
+          </a:bodyPr>
+          <a:lstStyle/>
+          <a:p>
+            <a:r>
+              <a:rPr lang="en-GB" sz="1000" dirty="0"/>
+              <a:t>No</a:t>
+            </a:r>
+            <a:endParaRPr lang="en-GB" sz="1000" dirty="0"/>
+          </a:p>
+        </p:txBody>
+      </p:sp>
+      <p:cxnSp>
+        <p:nvCxnSpPr>
+          <p:cNvPr id="17" name="Elbow Connector 16"/>
+          <p:cNvCxnSpPr/>
+          <p:nvPr/>
+        </p:nvCxnSpPr>
+        <p:spPr>
+          <a:xfrm flipH="1" flipV="1">
+            <a:off x="3037786" y="833851"/>
+            <a:ext cx="63975" cy="1922001"/>
+          </a:xfrm>
+          <a:prstGeom prst="bentConnector3">
+            <a:avLst>
+              <a:gd name="adj1" fmla="val -357327"/>
+            </a:avLst>
+          </a:prstGeom>
+          <a:ln>
+            <a:solidFill>
+              <a:schemeClr val="tx1"/>
+            </a:solidFill>
+            <a:tailEnd type="arrow"/>
+          </a:ln>
+        </p:spPr>
+        <p:style>
+          <a:lnRef idx="1">
+            <a:schemeClr val="accent1"/>
+          </a:lnRef>
+          <a:fillRef idx="0">
+            <a:schemeClr val="accent1"/>
+          </a:fillRef>
+          <a:effectRef idx="0">
+            <a:schemeClr val="accent1"/>
+          </a:effectRef>
+          <a:fontRef idx="minor">
+            <a:schemeClr val="tx1"/>
+          </a:fontRef>
+        </p:style>
+      </p:cxnSp>
+    </p:spTree>
+    <p:extLst>
+      <p:ext uri="{BB962C8B-B14F-4D97-AF65-F5344CB8AC3E}">
+        <p14:creationId xmlns:p14="http://schemas.microsoft.com/office/powerpoint/2010/main" val="1915330401"/>
+      </p:ext>
+    </p:extLst>
+  </p:cSld>
+  <p:clrMapOvr>
+    <a:masterClrMapping/>
+  </p:clrMapOvr>
+  <p:timing>
+    <p:tnLst>
+      <p:par>
+        <p:cTn id="1" dur="indefinite" restart="never" nodeType="tmRoot"/>
+      </p:par>
+    </p:tnLst>
+  </p:timing>
+</p:sld>
+</file>
+
+<file path=ppt/slides/slide7.xml><?xml version="1.0" encoding="utf-8"?>
+<p:sld xmlns:a="http://schemas.openxmlformats.org/drawingml/2006/main" xmlns:r="http://schemas.openxmlformats.org/officeDocument/2006/relationships" xmlns:p="http://schemas.openxmlformats.org/presentationml/2006/main">
+  <p:cSld>
+    <p:spTree>
+      <p:nvGrpSpPr>
+        <p:cNvPr id="1" name=""/>
+        <p:cNvGrpSpPr/>
+        <p:nvPr/>
+      </p:nvGrpSpPr>
+      <p:grpSpPr>
+        <a:xfrm>
+          <a:off x="0" y="0"/>
+          <a:ext cx="0" cy="0"/>
+          <a:chOff x="0" y="0"/>
+          <a:chExt cx="0" cy="0"/>
+        </a:xfrm>
+      </p:grpSpPr>
+      <p:cxnSp>
+        <p:nvCxnSpPr>
+          <p:cNvPr id="119" name="Straight Arrow Connector 118"/>
+          <p:cNvCxnSpPr/>
+          <p:nvPr/>
+        </p:nvCxnSpPr>
+        <p:spPr>
+          <a:xfrm>
+            <a:off x="4644008" y="5445224"/>
+            <a:ext cx="0" cy="324892"/>
+          </a:xfrm>
+          <a:prstGeom prst="straightConnector1">
+            <a:avLst/>
+          </a:prstGeom>
+          <a:ln>
+            <a:solidFill>
+              <a:schemeClr val="tx1"/>
+            </a:solidFill>
+            <a:tailEnd type="arrow"/>
+          </a:ln>
+        </p:spPr>
+        <p:style>
+          <a:lnRef idx="1">
+            <a:schemeClr val="accent1"/>
+          </a:lnRef>
+          <a:fillRef idx="0">
+            <a:schemeClr val="accent1"/>
+          </a:fillRef>
+          <a:effectRef idx="0">
+            <a:schemeClr val="accent1"/>
+          </a:effectRef>
+          <a:fontRef idx="minor">
+            <a:schemeClr val="tx1"/>
+          </a:fontRef>
+        </p:style>
+      </p:cxnSp>
+      <p:cxnSp>
+        <p:nvCxnSpPr>
+          <p:cNvPr id="113" name="Straight Arrow Connector 112"/>
+          <p:cNvCxnSpPr/>
+          <p:nvPr/>
+        </p:nvCxnSpPr>
+        <p:spPr>
+          <a:xfrm>
+            <a:off x="4645366" y="4800550"/>
+            <a:ext cx="0" cy="324892"/>
+          </a:xfrm>
+          <a:prstGeom prst="straightConnector1">
+            <a:avLst/>
+          </a:prstGeom>
+          <a:ln>
+            <a:solidFill>
+              <a:schemeClr val="tx1"/>
+            </a:solidFill>
+            <a:tailEnd type="arrow"/>
+          </a:ln>
+        </p:spPr>
+        <p:style>
+          <a:lnRef idx="1">
+            <a:schemeClr val="accent1"/>
+          </a:lnRef>
+          <a:fillRef idx="0">
+            <a:schemeClr val="accent1"/>
+          </a:fillRef>
+          <a:effectRef idx="0">
+            <a:schemeClr val="accent1"/>
+          </a:effectRef>
+          <a:fontRef idx="minor">
+            <a:schemeClr val="tx1"/>
+          </a:fontRef>
+        </p:style>
+      </p:cxnSp>
+      <p:cxnSp>
+        <p:nvCxnSpPr>
+          <p:cNvPr id="109" name="Straight Arrow Connector 108"/>
+          <p:cNvCxnSpPr/>
+          <p:nvPr/>
+        </p:nvCxnSpPr>
+        <p:spPr>
+          <a:xfrm>
+            <a:off x="4624107" y="2379204"/>
+            <a:ext cx="0" cy="324892"/>
+          </a:xfrm>
+          <a:prstGeom prst="straightConnector1">
+            <a:avLst/>
+          </a:prstGeom>
+          <a:ln>
+            <a:solidFill>
+              <a:schemeClr val="tx1"/>
+            </a:solidFill>
+            <a:tailEnd type="arrow"/>
+          </a:ln>
+        </p:spPr>
+        <p:style>
+          <a:lnRef idx="1">
+            <a:schemeClr val="accent1"/>
+          </a:lnRef>
+          <a:fillRef idx="0">
+            <a:schemeClr val="accent1"/>
+          </a:fillRef>
+          <a:effectRef idx="0">
+            <a:schemeClr val="accent1"/>
+          </a:effectRef>
+          <a:fontRef idx="minor">
+            <a:schemeClr val="tx1"/>
+          </a:fontRef>
+        </p:style>
+      </p:cxnSp>
+      <p:cxnSp>
+        <p:nvCxnSpPr>
+          <p:cNvPr id="110" name="Straight Arrow Connector 109"/>
+          <p:cNvCxnSpPr/>
+          <p:nvPr/>
+        </p:nvCxnSpPr>
+        <p:spPr>
+          <a:xfrm>
+            <a:off x="4645366" y="3915420"/>
+            <a:ext cx="0" cy="324892"/>
+          </a:xfrm>
+          <a:prstGeom prst="straightConnector1">
+            <a:avLst/>
+          </a:prstGeom>
+          <a:ln>
+            <a:solidFill>
+              <a:schemeClr val="tx1"/>
+            </a:solidFill>
+            <a:tailEnd type="arrow"/>
+          </a:ln>
+        </p:spPr>
+        <p:style>
+          <a:lnRef idx="1">
+            <a:schemeClr val="accent1"/>
+          </a:lnRef>
+          <a:fillRef idx="0">
+            <a:schemeClr val="accent1"/>
+          </a:fillRef>
+          <a:effectRef idx="0">
+            <a:schemeClr val="accent1"/>
+          </a:effectRef>
+          <a:fontRef idx="minor">
+            <a:schemeClr val="tx1"/>
+          </a:fontRef>
+        </p:style>
+      </p:cxnSp>
+      <p:cxnSp>
+        <p:nvCxnSpPr>
+          <p:cNvPr id="62" name="Straight Arrow Connector 61"/>
+          <p:cNvCxnSpPr/>
+          <p:nvPr/>
+        </p:nvCxnSpPr>
+        <p:spPr>
+          <a:xfrm flipH="1">
+            <a:off x="3957912" y="3729050"/>
+            <a:ext cx="350742" cy="1"/>
+          </a:xfrm>
+          <a:prstGeom prst="straightConnector1">
+            <a:avLst/>
+          </a:prstGeom>
+          <a:ln>
+            <a:solidFill>
+              <a:schemeClr val="tx1"/>
+            </a:solidFill>
+            <a:tailEnd type="arrow"/>
+          </a:ln>
+        </p:spPr>
+        <p:style>
+          <a:lnRef idx="1">
+            <a:schemeClr val="accent1"/>
+          </a:lnRef>
+          <a:fillRef idx="0">
+            <a:schemeClr val="accent1"/>
+          </a:fillRef>
+          <a:effectRef idx="0">
+            <a:schemeClr val="accent1"/>
+          </a:effectRef>
+          <a:fontRef idx="minor">
+            <a:schemeClr val="tx1"/>
+          </a:fontRef>
+        </p:style>
+      </p:cxnSp>
+      <p:sp>
+        <p:nvSpPr>
+          <p:cNvPr id="59" name="Rectangle 58"/>
+          <p:cNvSpPr/>
+          <p:nvPr/>
+        </p:nvSpPr>
+        <p:spPr>
+          <a:xfrm rot="2700000">
+            <a:off x="4396344" y="3474465"/>
+            <a:ext cx="509173" cy="509173"/>
+          </a:xfrm>
+          <a:prstGeom prst="rect">
+            <a:avLst/>
+          </a:prstGeom>
+          <a:solidFill>
+            <a:schemeClr val="bg1"/>
+          </a:solidFill>
+          <a:ln w="12700">
+            <a:solidFill>
+              <a:schemeClr val="tx1"/>
+            </a:solidFill>
+          </a:ln>
+        </p:spPr>
+        <p:style>
+          <a:lnRef idx="2">
+            <a:schemeClr val="accent1">
+              <a:shade val="50000"/>
+            </a:schemeClr>
+          </a:lnRef>
+          <a:fillRef idx="1">
+            <a:schemeClr val="accent1"/>
+          </a:fillRef>
+          <a:effectRef idx="0">
+            <a:schemeClr val="accent1"/>
+          </a:effectRef>
+          <a:fontRef idx="minor">
+            <a:schemeClr val="lt1"/>
+          </a:fontRef>
+        </p:style>
+        <p:txBody>
+          <a:bodyPr lIns="91431" tIns="45715" rIns="91431" bIns="45715" rtlCol="0" anchor="ctr"/>
+          <a:lstStyle/>
+          <a:p>
+            <a:pPr algn="ctr"/>
+            <a:endParaRPr lang="en-GB" dirty="0">
+              <a:solidFill>
+                <a:schemeClr val="tx1"/>
+              </a:solidFill>
+            </a:endParaRPr>
+          </a:p>
+        </p:txBody>
+      </p:sp>
+      <p:cxnSp>
+        <p:nvCxnSpPr>
+          <p:cNvPr id="3" name="Straight Arrow Connector 2"/>
+          <p:cNvCxnSpPr/>
+          <p:nvPr/>
+        </p:nvCxnSpPr>
+        <p:spPr>
+          <a:xfrm>
+            <a:off x="4593260" y="341423"/>
+            <a:ext cx="0" cy="360040"/>
+          </a:xfrm>
+          <a:prstGeom prst="straightConnector1">
+            <a:avLst/>
+          </a:prstGeom>
+          <a:ln>
+            <a:solidFill>
+              <a:schemeClr val="tx1"/>
+            </a:solidFill>
+            <a:tailEnd type="arrow"/>
+          </a:ln>
+        </p:spPr>
+        <p:style>
+          <a:lnRef idx="1">
+            <a:schemeClr val="accent1"/>
+          </a:lnRef>
+          <a:fillRef idx="0">
+            <a:schemeClr val="accent1"/>
+          </a:fillRef>
+          <a:effectRef idx="0">
+            <a:schemeClr val="accent1"/>
+          </a:effectRef>
+          <a:fontRef idx="minor">
+            <a:schemeClr val="tx1"/>
+          </a:fontRef>
+        </p:style>
+      </p:cxnSp>
+      <p:sp>
+        <p:nvSpPr>
+          <p:cNvPr id="12" name="Oval 11"/>
+          <p:cNvSpPr/>
+          <p:nvPr/>
+        </p:nvSpPr>
+        <p:spPr>
+          <a:xfrm>
+            <a:off x="3760342" y="178357"/>
+            <a:ext cx="1683975" cy="360040"/>
+          </a:xfrm>
+          <a:prstGeom prst="ellipse">
+            <a:avLst/>
+          </a:prstGeom>
+          <a:solidFill>
+            <a:schemeClr val="bg1"/>
+          </a:solidFill>
+          <a:ln w="12700">
+            <a:solidFill>
+              <a:schemeClr val="tx1"/>
+            </a:solidFill>
+          </a:ln>
+        </p:spPr>
+        <p:style>
+          <a:lnRef idx="2">
+            <a:schemeClr val="accent1">
+              <a:shade val="50000"/>
+            </a:schemeClr>
+          </a:lnRef>
+          <a:fillRef idx="1">
+            <a:schemeClr val="accent1"/>
+          </a:fillRef>
+          <a:effectRef idx="0">
+            <a:schemeClr val="accent1"/>
+          </a:effectRef>
+          <a:fontRef idx="minor">
+            <a:schemeClr val="lt1"/>
+          </a:fontRef>
+        </p:style>
+        <p:txBody>
+          <a:bodyPr lIns="91431" tIns="45715" rIns="91431" bIns="45715" rtlCol="0" anchor="ctr"/>
+          <a:lstStyle/>
+          <a:p>
+            <a:pPr algn="ctr"/>
+            <a:r>
+              <a:rPr lang="en-GB" sz="800" dirty="0">
+                <a:solidFill>
+                  <a:schemeClr val="tx1"/>
+                </a:solidFill>
+              </a:rPr>
+              <a:t>Start (REST API received)</a:t>
+            </a:r>
+            <a:endParaRPr lang="en-GB" sz="800" dirty="0">
+              <a:solidFill>
+                <a:schemeClr val="tx1"/>
+              </a:solidFill>
+            </a:endParaRPr>
+          </a:p>
+        </p:txBody>
+      </p:sp>
+      <p:sp>
+        <p:nvSpPr>
+          <p:cNvPr id="35" name="Rounded Rectangle 34"/>
+          <p:cNvSpPr/>
+          <p:nvPr/>
+        </p:nvSpPr>
+        <p:spPr>
+          <a:xfrm>
+            <a:off x="3832352" y="701463"/>
+            <a:ext cx="1539957" cy="470861"/>
+          </a:xfrm>
+          <a:prstGeom prst="roundRect">
+            <a:avLst/>
+          </a:prstGeom>
+          <a:solidFill>
+            <a:schemeClr val="bg1"/>
+          </a:solidFill>
+          <a:ln w="12700">
+            <a:solidFill>
+              <a:schemeClr val="tx1"/>
+            </a:solidFill>
+          </a:ln>
+        </p:spPr>
+        <p:style>
+          <a:lnRef idx="2">
+            <a:schemeClr val="accent1">
+              <a:shade val="50000"/>
+            </a:schemeClr>
+          </a:lnRef>
+          <a:fillRef idx="1">
+            <a:schemeClr val="accent1"/>
+          </a:fillRef>
+          <a:effectRef idx="0">
+            <a:schemeClr val="accent1"/>
+          </a:effectRef>
+          <a:fontRef idx="minor">
+            <a:schemeClr val="lt1"/>
+          </a:fontRef>
+        </p:style>
+        <p:txBody>
+          <a:bodyPr lIns="91431" tIns="45715" rIns="91431" bIns="45715" rtlCol="0" anchor="ctr"/>
+          <a:lstStyle/>
+          <a:p>
+            <a:pPr algn="ctr"/>
+            <a:r>
+              <a:rPr lang="en-GB" sz="1000" dirty="0">
+                <a:solidFill>
+                  <a:schemeClr val="tx1"/>
+                </a:solidFill>
+              </a:rPr>
+              <a:t>Set the display to the time received by the request</a:t>
+            </a:r>
+            <a:endParaRPr lang="en-GB" sz="1000" dirty="0">
+              <a:solidFill>
+                <a:schemeClr val="tx1"/>
+              </a:solidFill>
+            </a:endParaRPr>
+          </a:p>
+        </p:txBody>
+      </p:sp>
+      <p:sp>
+        <p:nvSpPr>
+          <p:cNvPr id="53" name="Rounded Rectangle 52"/>
+          <p:cNvSpPr/>
+          <p:nvPr/>
+        </p:nvSpPr>
+        <p:spPr>
+          <a:xfrm>
+            <a:off x="3823282" y="2060848"/>
+            <a:ext cx="1539957" cy="387454"/>
+          </a:xfrm>
+          <a:prstGeom prst="roundRect">
+            <a:avLst/>
+          </a:prstGeom>
+          <a:solidFill>
+            <a:schemeClr val="bg1"/>
+          </a:solidFill>
+          <a:ln w="12700">
+            <a:solidFill>
+              <a:schemeClr val="tx1"/>
+            </a:solidFill>
+          </a:ln>
+        </p:spPr>
+        <p:style>
+          <a:lnRef idx="2">
+            <a:schemeClr val="accent1">
+              <a:shade val="50000"/>
+            </a:schemeClr>
+          </a:lnRef>
+          <a:fillRef idx="1">
+            <a:schemeClr val="accent1"/>
+          </a:fillRef>
+          <a:effectRef idx="0">
+            <a:schemeClr val="accent1"/>
+          </a:effectRef>
+          <a:fontRef idx="minor">
+            <a:schemeClr val="lt1"/>
+          </a:fontRef>
+        </p:style>
+        <p:txBody>
+          <a:bodyPr lIns="91431" tIns="45715" rIns="91431" bIns="45715" rtlCol="0" anchor="ctr"/>
+          <a:lstStyle/>
+          <a:p>
+            <a:pPr algn="ctr"/>
+            <a:r>
+              <a:rPr lang="en-GB" sz="1000" dirty="0">
+                <a:solidFill>
+                  <a:schemeClr val="tx1"/>
+                </a:solidFill>
+              </a:rPr>
+              <a:t>Start the countdown timer</a:t>
+            </a:r>
+            <a:endParaRPr lang="en-GB" sz="1000" dirty="0">
+              <a:solidFill>
+                <a:schemeClr val="tx1"/>
+              </a:solidFill>
+            </a:endParaRPr>
+          </a:p>
+        </p:txBody>
+      </p:sp>
+      <p:sp>
+        <p:nvSpPr>
+          <p:cNvPr id="56" name="Rounded Rectangle 55"/>
+          <p:cNvSpPr/>
+          <p:nvPr/>
+        </p:nvSpPr>
+        <p:spPr>
+          <a:xfrm>
+            <a:off x="2812899" y="3549030"/>
+            <a:ext cx="1147954" cy="360040"/>
+          </a:xfrm>
+          <a:prstGeom prst="roundRect">
+            <a:avLst/>
+          </a:prstGeom>
+          <a:solidFill>
+            <a:schemeClr val="bg1"/>
+          </a:solidFill>
+          <a:ln w="12700">
+            <a:solidFill>
+              <a:schemeClr val="tx1"/>
+            </a:solidFill>
+          </a:ln>
+        </p:spPr>
+        <p:style>
+          <a:lnRef idx="2">
+            <a:schemeClr val="accent1">
+              <a:shade val="50000"/>
+            </a:schemeClr>
+          </a:lnRef>
+          <a:fillRef idx="1">
+            <a:schemeClr val="accent1"/>
+          </a:fillRef>
+          <a:effectRef idx="0">
+            <a:schemeClr val="accent1"/>
+          </a:effectRef>
+          <a:fontRef idx="minor">
+            <a:schemeClr val="lt1"/>
+          </a:fontRef>
+        </p:style>
+        <p:txBody>
+          <a:bodyPr lIns="91431" tIns="45715" rIns="91431" bIns="45715" rtlCol="0" anchor="ctr"/>
+          <a:lstStyle/>
+          <a:p>
+            <a:pPr algn="ctr"/>
+            <a:r>
+              <a:rPr lang="en-GB" sz="1000" dirty="0">
+                <a:solidFill>
+                  <a:schemeClr val="tx1"/>
+                </a:solidFill>
+              </a:rPr>
+              <a:t>Buzzer</a:t>
+            </a:r>
+            <a:endParaRPr lang="en-GB" sz="1000" dirty="0">
+              <a:solidFill>
+                <a:schemeClr val="tx1"/>
+              </a:solidFill>
+            </a:endParaRPr>
+          </a:p>
+        </p:txBody>
+      </p:sp>
+      <p:sp>
+        <p:nvSpPr>
+          <p:cNvPr id="60" name="TextBox 59"/>
+          <p:cNvSpPr txBox="1"/>
+          <p:nvPr/>
+        </p:nvSpPr>
+        <p:spPr>
+          <a:xfrm>
+            <a:off x="4431677" y="3515831"/>
+            <a:ext cx="674305" cy="507821"/>
+          </a:xfrm>
+          <a:prstGeom prst="rect">
+            <a:avLst/>
+          </a:prstGeom>
+          <a:noFill/>
+        </p:spPr>
+        <p:txBody>
+          <a:bodyPr wrap="square" lIns="91431" tIns="45715" rIns="91431" bIns="45715" rtlCol="0">
+            <a:spAutoFit/>
+          </a:bodyPr>
+          <a:lstStyle/>
+          <a:p>
+            <a:r>
+              <a:rPr lang="en-GB" sz="900" dirty="0"/>
+              <a:t>Water sensor wet?</a:t>
+            </a:r>
+            <a:endParaRPr lang="en-GB" sz="900" dirty="0"/>
+          </a:p>
+        </p:txBody>
+      </p:sp>
+      <p:sp>
+        <p:nvSpPr>
+          <p:cNvPr id="63" name="TextBox 62"/>
+          <p:cNvSpPr txBox="1"/>
+          <p:nvPr/>
+        </p:nvSpPr>
+        <p:spPr>
+          <a:xfrm>
+            <a:off x="3997506" y="3482831"/>
+            <a:ext cx="360040" cy="246211"/>
+          </a:xfrm>
+          <a:prstGeom prst="rect">
+            <a:avLst/>
+          </a:prstGeom>
+          <a:noFill/>
+        </p:spPr>
+        <p:txBody>
+          <a:bodyPr wrap="square" lIns="91431" tIns="45715" rIns="91431" bIns="45715" rtlCol="0">
+            <a:spAutoFit/>
+          </a:bodyPr>
+          <a:lstStyle/>
+          <a:p>
+            <a:r>
+              <a:rPr lang="en-GB" sz="1000" dirty="0"/>
+              <a:t>Yes</a:t>
+            </a:r>
+            <a:endParaRPr lang="en-GB" sz="1000" dirty="0"/>
+          </a:p>
+        </p:txBody>
+      </p:sp>
+      <p:sp>
+        <p:nvSpPr>
+          <p:cNvPr id="66" name="Rectangle 65"/>
+          <p:cNvSpPr/>
+          <p:nvPr/>
+        </p:nvSpPr>
+        <p:spPr>
+          <a:xfrm rot="2700000">
+            <a:off x="6276210" y="3894494"/>
+            <a:ext cx="509173" cy="509173"/>
+          </a:xfrm>
+          <a:prstGeom prst="rect">
+            <a:avLst/>
+          </a:prstGeom>
+          <a:solidFill>
+            <a:schemeClr val="bg1"/>
+          </a:solidFill>
+          <a:ln w="12700">
+            <a:solidFill>
+              <a:schemeClr val="tx1"/>
+            </a:solidFill>
+          </a:ln>
+        </p:spPr>
+        <p:style>
+          <a:lnRef idx="2">
+            <a:schemeClr val="accent1">
+              <a:shade val="50000"/>
+            </a:schemeClr>
+          </a:lnRef>
+          <a:fillRef idx="1">
+            <a:schemeClr val="accent1"/>
+          </a:fillRef>
+          <a:effectRef idx="0">
+            <a:schemeClr val="accent1"/>
+          </a:effectRef>
+          <a:fontRef idx="minor">
+            <a:schemeClr val="lt1"/>
+          </a:fontRef>
+        </p:style>
+        <p:txBody>
+          <a:bodyPr lIns="91431" tIns="45715" rIns="91431" bIns="45715" rtlCol="0" anchor="ctr"/>
+          <a:lstStyle/>
+          <a:p>
+            <a:pPr algn="ctr"/>
+            <a:endParaRPr lang="en-GB" dirty="0">
+              <a:solidFill>
+                <a:schemeClr val="tx1"/>
+              </a:solidFill>
+            </a:endParaRPr>
+          </a:p>
+        </p:txBody>
+      </p:sp>
+      <p:sp>
+        <p:nvSpPr>
+          <p:cNvPr id="67" name="TextBox 66"/>
+          <p:cNvSpPr txBox="1"/>
+          <p:nvPr/>
+        </p:nvSpPr>
+        <p:spPr>
+          <a:xfrm>
+            <a:off x="6258983" y="3935859"/>
+            <a:ext cx="674305" cy="369322"/>
+          </a:xfrm>
+          <a:prstGeom prst="rect">
+            <a:avLst/>
+          </a:prstGeom>
+          <a:noFill/>
+        </p:spPr>
+        <p:txBody>
+          <a:bodyPr wrap="square" lIns="91431" tIns="45715" rIns="91431" bIns="45715" rtlCol="0">
+            <a:spAutoFit/>
+          </a:bodyPr>
+          <a:lstStyle/>
+          <a:p>
+            <a:r>
+              <a:rPr lang="en-GB" sz="900" dirty="0"/>
+              <a:t>Timer finished?</a:t>
+            </a:r>
+            <a:endParaRPr lang="en-GB" sz="900" dirty="0"/>
+          </a:p>
+        </p:txBody>
+      </p:sp>
+      <p:cxnSp>
+        <p:nvCxnSpPr>
+          <p:cNvPr id="68" name="Straight Arrow Connector 67"/>
+          <p:cNvCxnSpPr/>
+          <p:nvPr/>
+        </p:nvCxnSpPr>
+        <p:spPr>
+          <a:xfrm>
+            <a:off x="6890837" y="4149079"/>
+            <a:ext cx="576064" cy="0"/>
+          </a:xfrm>
+          <a:prstGeom prst="straightConnector1">
+            <a:avLst/>
+          </a:prstGeom>
+          <a:ln>
+            <a:solidFill>
+              <a:schemeClr val="tx1"/>
+            </a:solidFill>
+            <a:tailEnd type="none"/>
+          </a:ln>
+        </p:spPr>
+        <p:style>
+          <a:lnRef idx="1">
+            <a:schemeClr val="accent1"/>
+          </a:lnRef>
+          <a:fillRef idx="0">
+            <a:schemeClr val="accent1"/>
+          </a:fillRef>
+          <a:effectRef idx="0">
+            <a:schemeClr val="accent1"/>
+          </a:effectRef>
+          <a:fontRef idx="minor">
+            <a:schemeClr val="tx1"/>
+          </a:fontRef>
+        </p:style>
+      </p:cxnSp>
+      <p:sp>
+        <p:nvSpPr>
+          <p:cNvPr id="69" name="TextBox 68"/>
+          <p:cNvSpPr txBox="1"/>
+          <p:nvPr/>
+        </p:nvSpPr>
+        <p:spPr>
+          <a:xfrm>
+            <a:off x="6841246" y="3859622"/>
+            <a:ext cx="360040" cy="246211"/>
+          </a:xfrm>
+          <a:prstGeom prst="rect">
+            <a:avLst/>
+          </a:prstGeom>
+          <a:noFill/>
+        </p:spPr>
+        <p:txBody>
+          <a:bodyPr wrap="square" lIns="91431" tIns="45715" rIns="91431" bIns="45715" rtlCol="0">
+            <a:spAutoFit/>
+          </a:bodyPr>
+          <a:lstStyle/>
+          <a:p>
+            <a:r>
+              <a:rPr lang="en-GB" sz="1000" dirty="0"/>
+              <a:t>No</a:t>
+            </a:r>
+            <a:endParaRPr lang="en-GB" sz="1000" dirty="0"/>
+          </a:p>
+        </p:txBody>
+      </p:sp>
+      <p:sp>
+        <p:nvSpPr>
+          <p:cNvPr id="70" name="Rounded Rectangle 69"/>
+          <p:cNvSpPr/>
+          <p:nvPr/>
+        </p:nvSpPr>
+        <p:spPr>
+          <a:xfrm>
+            <a:off x="3832352" y="1348503"/>
+            <a:ext cx="1539957" cy="387454"/>
+          </a:xfrm>
+          <a:prstGeom prst="roundRect">
+            <a:avLst/>
+          </a:prstGeom>
+          <a:solidFill>
+            <a:schemeClr val="bg1"/>
+          </a:solidFill>
+          <a:ln w="12700">
+            <a:solidFill>
+              <a:schemeClr val="tx1"/>
+            </a:solidFill>
+          </a:ln>
+        </p:spPr>
+        <p:style>
+          <a:lnRef idx="2">
+            <a:schemeClr val="accent1">
+              <a:shade val="50000"/>
+            </a:schemeClr>
+          </a:lnRef>
+          <a:fillRef idx="1">
+            <a:schemeClr val="accent1"/>
+          </a:fillRef>
+          <a:effectRef idx="0">
+            <a:schemeClr val="accent1"/>
+          </a:effectRef>
+          <a:fontRef idx="minor">
+            <a:schemeClr val="lt1"/>
+          </a:fontRef>
+        </p:style>
+        <p:txBody>
+          <a:bodyPr lIns="91431" tIns="45715" rIns="91431" bIns="45715" rtlCol="0" anchor="ctr"/>
+          <a:lstStyle/>
+          <a:p>
+            <a:pPr algn="ctr"/>
+            <a:r>
+              <a:rPr lang="en-GB" sz="1000" dirty="0">
+                <a:solidFill>
+                  <a:schemeClr val="tx1"/>
+                </a:solidFill>
+              </a:rPr>
+              <a:t>Activate the buzzer for a short burst</a:t>
+            </a:r>
+            <a:endParaRPr lang="en-GB" sz="1000" dirty="0">
+              <a:solidFill>
+                <a:schemeClr val="tx1"/>
+              </a:solidFill>
+            </a:endParaRPr>
+          </a:p>
+        </p:txBody>
+      </p:sp>
+      <p:cxnSp>
+        <p:nvCxnSpPr>
+          <p:cNvPr id="8" name="Straight Arrow Connector 7"/>
+          <p:cNvCxnSpPr/>
+          <p:nvPr/>
+        </p:nvCxnSpPr>
+        <p:spPr>
+          <a:xfrm>
+            <a:off x="4602329" y="1172324"/>
+            <a:ext cx="0" cy="176179"/>
+          </a:xfrm>
+          <a:prstGeom prst="straightConnector1">
+            <a:avLst/>
+          </a:prstGeom>
+          <a:ln>
+            <a:solidFill>
+              <a:schemeClr val="tx1"/>
+            </a:solidFill>
+            <a:tailEnd type="arrow"/>
+          </a:ln>
+        </p:spPr>
+        <p:style>
+          <a:lnRef idx="1">
+            <a:schemeClr val="accent1"/>
+          </a:lnRef>
+          <a:fillRef idx="0">
+            <a:schemeClr val="accent1"/>
+          </a:fillRef>
+          <a:effectRef idx="0">
+            <a:schemeClr val="accent1"/>
+          </a:effectRef>
+          <a:fontRef idx="minor">
+            <a:schemeClr val="tx1"/>
+          </a:fontRef>
+        </p:style>
+      </p:cxnSp>
+      <p:cxnSp>
+        <p:nvCxnSpPr>
+          <p:cNvPr id="13" name="Elbow Connector 12"/>
+          <p:cNvCxnSpPr>
+            <a:endCxn id="72" idx="0"/>
+          </p:cNvCxnSpPr>
+          <p:nvPr/>
+        </p:nvCxnSpPr>
+        <p:spPr>
+          <a:xfrm rot="16200000" flipV="1">
+            <a:off x="5978161" y="2679388"/>
+            <a:ext cx="2020754" cy="918629"/>
+          </a:xfrm>
+          <a:prstGeom prst="bentConnector3">
+            <a:avLst>
+              <a:gd name="adj1" fmla="val 111313"/>
+            </a:avLst>
+          </a:prstGeom>
+          <a:ln>
+            <a:solidFill>
+              <a:schemeClr val="tx1"/>
+            </a:solidFill>
+            <a:tailEnd type="arrow"/>
+          </a:ln>
+        </p:spPr>
+        <p:style>
+          <a:lnRef idx="1">
+            <a:schemeClr val="accent1"/>
+          </a:lnRef>
+          <a:fillRef idx="0">
+            <a:schemeClr val="accent1"/>
+          </a:fillRef>
+          <a:effectRef idx="0">
+            <a:schemeClr val="accent1"/>
+          </a:effectRef>
+          <a:fontRef idx="minor">
+            <a:schemeClr val="tx1"/>
+          </a:fontRef>
+        </p:style>
+      </p:cxnSp>
+      <p:cxnSp>
+        <p:nvCxnSpPr>
+          <p:cNvPr id="89" name="Straight Arrow Connector 88"/>
+          <p:cNvCxnSpPr/>
+          <p:nvPr/>
+        </p:nvCxnSpPr>
+        <p:spPr>
+          <a:xfrm>
+            <a:off x="6529223" y="2365471"/>
+            <a:ext cx="0" cy="176179"/>
+          </a:xfrm>
+          <a:prstGeom prst="straightConnector1">
+            <a:avLst/>
+          </a:prstGeom>
+          <a:ln>
+            <a:solidFill>
+              <a:schemeClr val="tx1"/>
+            </a:solidFill>
+            <a:tailEnd type="arrow"/>
+          </a:ln>
+        </p:spPr>
+        <p:style>
+          <a:lnRef idx="1">
+            <a:schemeClr val="accent1"/>
+          </a:lnRef>
+          <a:fillRef idx="0">
+            <a:schemeClr val="accent1"/>
+          </a:fillRef>
+          <a:effectRef idx="0">
+            <a:schemeClr val="accent1"/>
+          </a:effectRef>
+          <a:fontRef idx="minor">
+            <a:schemeClr val="tx1"/>
+          </a:fontRef>
+        </p:style>
+      </p:cxnSp>
+      <p:cxnSp>
+        <p:nvCxnSpPr>
+          <p:cNvPr id="90" name="Straight Arrow Connector 89"/>
+          <p:cNvCxnSpPr/>
+          <p:nvPr/>
+        </p:nvCxnSpPr>
+        <p:spPr>
+          <a:xfrm>
+            <a:off x="6529223" y="2779289"/>
+            <a:ext cx="0" cy="176179"/>
+          </a:xfrm>
+          <a:prstGeom prst="straightConnector1">
+            <a:avLst/>
+          </a:prstGeom>
+          <a:ln>
+            <a:solidFill>
+              <a:schemeClr val="tx1"/>
+            </a:solidFill>
+            <a:tailEnd type="arrow"/>
+          </a:ln>
+        </p:spPr>
+        <p:style>
+          <a:lnRef idx="1">
+            <a:schemeClr val="accent1"/>
+          </a:lnRef>
+          <a:fillRef idx="0">
+            <a:schemeClr val="accent1"/>
+          </a:fillRef>
+          <a:effectRef idx="0">
+            <a:schemeClr val="accent1"/>
+          </a:effectRef>
+          <a:fontRef idx="minor">
+            <a:schemeClr val="tx1"/>
+          </a:fontRef>
+        </p:style>
+      </p:cxnSp>
+      <p:cxnSp>
+        <p:nvCxnSpPr>
+          <p:cNvPr id="96" name="Straight Arrow Connector 95"/>
+          <p:cNvCxnSpPr/>
+          <p:nvPr/>
+        </p:nvCxnSpPr>
+        <p:spPr>
+          <a:xfrm>
+            <a:off x="6529223" y="3193106"/>
+            <a:ext cx="0" cy="176179"/>
+          </a:xfrm>
+          <a:prstGeom prst="straightConnector1">
+            <a:avLst/>
+          </a:prstGeom>
+          <a:ln>
+            <a:solidFill>
+              <a:schemeClr val="tx1"/>
+            </a:solidFill>
+            <a:tailEnd type="arrow"/>
+          </a:ln>
+        </p:spPr>
+        <p:style>
+          <a:lnRef idx="1">
+            <a:schemeClr val="accent1"/>
+          </a:lnRef>
+          <a:fillRef idx="0">
+            <a:schemeClr val="accent1"/>
+          </a:fillRef>
+          <a:effectRef idx="0">
+            <a:schemeClr val="accent1"/>
+          </a:effectRef>
+          <a:fontRef idx="minor">
+            <a:schemeClr val="tx1"/>
+          </a:fontRef>
+        </p:style>
+      </p:cxnSp>
+      <p:cxnSp>
+        <p:nvCxnSpPr>
+          <p:cNvPr id="98" name="Straight Arrow Connector 97"/>
+          <p:cNvCxnSpPr/>
+          <p:nvPr/>
+        </p:nvCxnSpPr>
+        <p:spPr>
+          <a:xfrm>
+            <a:off x="6529223" y="3606923"/>
+            <a:ext cx="0" cy="176179"/>
+          </a:xfrm>
+          <a:prstGeom prst="straightConnector1">
+            <a:avLst/>
+          </a:prstGeom>
+          <a:ln>
+            <a:solidFill>
+              <a:schemeClr val="tx1"/>
+            </a:solidFill>
+            <a:tailEnd type="arrow"/>
+          </a:ln>
+        </p:spPr>
+        <p:style>
+          <a:lnRef idx="1">
+            <a:schemeClr val="accent1"/>
+          </a:lnRef>
+          <a:fillRef idx="0">
+            <a:schemeClr val="accent1"/>
+          </a:fillRef>
+          <a:effectRef idx="0">
+            <a:schemeClr val="accent1"/>
+          </a:effectRef>
+          <a:fontRef idx="minor">
+            <a:schemeClr val="tx1"/>
+          </a:fontRef>
+        </p:style>
+      </p:cxnSp>
+      <p:sp>
+        <p:nvSpPr>
+          <p:cNvPr id="72" name="Rounded Rectangle 71"/>
+          <p:cNvSpPr/>
+          <p:nvPr/>
+        </p:nvSpPr>
+        <p:spPr>
+          <a:xfrm>
+            <a:off x="5955246" y="2128325"/>
+            <a:ext cx="1147954" cy="236654"/>
+          </a:xfrm>
+          <a:prstGeom prst="roundRect">
+            <a:avLst/>
+          </a:prstGeom>
+          <a:solidFill>
+            <a:schemeClr val="bg1"/>
+          </a:solidFill>
+          <a:ln w="12700">
+            <a:solidFill>
+              <a:schemeClr val="tx1"/>
+            </a:solidFill>
+          </a:ln>
+        </p:spPr>
+        <p:style>
+          <a:lnRef idx="2">
+            <a:schemeClr val="accent1">
+              <a:shade val="50000"/>
+            </a:schemeClr>
+          </a:lnRef>
+          <a:fillRef idx="1">
+            <a:schemeClr val="accent1"/>
+          </a:fillRef>
+          <a:effectRef idx="0">
+            <a:schemeClr val="accent1"/>
+          </a:effectRef>
+          <a:fontRef idx="minor">
+            <a:schemeClr val="lt1"/>
+          </a:fontRef>
+        </p:style>
+        <p:txBody>
+          <a:bodyPr lIns="91431" tIns="45715" rIns="91431" bIns="45715" rtlCol="0" anchor="ctr"/>
+          <a:lstStyle/>
+          <a:p>
+            <a:pPr algn="ctr"/>
+            <a:r>
+              <a:rPr lang="en-GB" sz="1000" dirty="0">
+                <a:solidFill>
+                  <a:schemeClr val="tx1"/>
+                </a:solidFill>
+              </a:rPr>
+              <a:t>Turn LED on</a:t>
+            </a:r>
+            <a:endParaRPr lang="en-GB" sz="1000" dirty="0">
+              <a:solidFill>
+                <a:schemeClr val="tx1"/>
+              </a:solidFill>
+            </a:endParaRPr>
+          </a:p>
+        </p:txBody>
+      </p:sp>
+      <p:sp>
+        <p:nvSpPr>
+          <p:cNvPr id="84" name="Rounded Rectangle 83"/>
+          <p:cNvSpPr/>
+          <p:nvPr/>
+        </p:nvSpPr>
+        <p:spPr>
+          <a:xfrm>
+            <a:off x="5955246" y="2542142"/>
+            <a:ext cx="1147954" cy="236654"/>
+          </a:xfrm>
+          <a:prstGeom prst="roundRect">
+            <a:avLst/>
+          </a:prstGeom>
+          <a:solidFill>
+            <a:schemeClr val="bg1"/>
+          </a:solidFill>
+          <a:ln w="12700">
+            <a:solidFill>
+              <a:schemeClr val="tx1"/>
+            </a:solidFill>
+          </a:ln>
+        </p:spPr>
+        <p:style>
+          <a:lnRef idx="2">
+            <a:schemeClr val="accent1">
+              <a:shade val="50000"/>
+            </a:schemeClr>
+          </a:lnRef>
+          <a:fillRef idx="1">
+            <a:schemeClr val="accent1"/>
+          </a:fillRef>
+          <a:effectRef idx="0">
+            <a:schemeClr val="accent1"/>
+          </a:effectRef>
+          <a:fontRef idx="minor">
+            <a:schemeClr val="lt1"/>
+          </a:fontRef>
+        </p:style>
+        <p:txBody>
+          <a:bodyPr lIns="91431" tIns="45715" rIns="91431" bIns="45715" rtlCol="0" anchor="ctr"/>
+          <a:lstStyle/>
+          <a:p>
+            <a:pPr algn="ctr"/>
+            <a:r>
+              <a:rPr lang="en-GB" sz="1000" dirty="0">
+                <a:solidFill>
+                  <a:schemeClr val="tx1"/>
+                </a:solidFill>
+              </a:rPr>
+              <a:t>Wait 0.5 sec</a:t>
+            </a:r>
+            <a:endParaRPr lang="en-GB" sz="1000" dirty="0">
+              <a:solidFill>
+                <a:schemeClr val="tx1"/>
+              </a:solidFill>
+            </a:endParaRPr>
+          </a:p>
+        </p:txBody>
+      </p:sp>
+      <p:sp>
+        <p:nvSpPr>
+          <p:cNvPr id="86" name="Rounded Rectangle 85"/>
+          <p:cNvSpPr/>
+          <p:nvPr/>
+        </p:nvSpPr>
+        <p:spPr>
+          <a:xfrm>
+            <a:off x="5955246" y="2955959"/>
+            <a:ext cx="1147954" cy="236654"/>
+          </a:xfrm>
+          <a:prstGeom prst="roundRect">
+            <a:avLst/>
+          </a:prstGeom>
+          <a:solidFill>
+            <a:schemeClr val="bg1"/>
+          </a:solidFill>
+          <a:ln w="12700">
+            <a:solidFill>
+              <a:schemeClr val="tx1"/>
+            </a:solidFill>
+          </a:ln>
+        </p:spPr>
+        <p:style>
+          <a:lnRef idx="2">
+            <a:schemeClr val="accent1">
+              <a:shade val="50000"/>
+            </a:schemeClr>
+          </a:lnRef>
+          <a:fillRef idx="1">
+            <a:schemeClr val="accent1"/>
+          </a:fillRef>
+          <a:effectRef idx="0">
+            <a:schemeClr val="accent1"/>
+          </a:effectRef>
+          <a:fontRef idx="minor">
+            <a:schemeClr val="lt1"/>
+          </a:fontRef>
+        </p:style>
+        <p:txBody>
+          <a:bodyPr lIns="91431" tIns="45715" rIns="91431" bIns="45715" rtlCol="0" anchor="ctr"/>
+          <a:lstStyle/>
+          <a:p>
+            <a:pPr algn="ctr"/>
+            <a:r>
+              <a:rPr lang="en-GB" sz="1000" dirty="0">
+                <a:solidFill>
+                  <a:schemeClr val="tx1"/>
+                </a:solidFill>
+              </a:rPr>
+              <a:t>Turn LED off</a:t>
+            </a:r>
+            <a:endParaRPr lang="en-GB" sz="1000" dirty="0">
+              <a:solidFill>
+                <a:schemeClr val="tx1"/>
+              </a:solidFill>
+            </a:endParaRPr>
+          </a:p>
+        </p:txBody>
+      </p:sp>
+      <p:sp>
+        <p:nvSpPr>
+          <p:cNvPr id="88" name="Rounded Rectangle 87"/>
+          <p:cNvSpPr/>
+          <p:nvPr/>
+        </p:nvSpPr>
+        <p:spPr>
+          <a:xfrm>
+            <a:off x="5955246" y="3369776"/>
+            <a:ext cx="1147954" cy="236654"/>
+          </a:xfrm>
+          <a:prstGeom prst="roundRect">
+            <a:avLst/>
+          </a:prstGeom>
+          <a:solidFill>
+            <a:schemeClr val="bg1"/>
+          </a:solidFill>
+          <a:ln w="12700">
+            <a:solidFill>
+              <a:schemeClr val="tx1"/>
+            </a:solidFill>
+          </a:ln>
+        </p:spPr>
+        <p:style>
+          <a:lnRef idx="2">
+            <a:schemeClr val="accent1">
+              <a:shade val="50000"/>
+            </a:schemeClr>
+          </a:lnRef>
+          <a:fillRef idx="1">
+            <a:schemeClr val="accent1"/>
+          </a:fillRef>
+          <a:effectRef idx="0">
+            <a:schemeClr val="accent1"/>
+          </a:effectRef>
+          <a:fontRef idx="minor">
+            <a:schemeClr val="lt1"/>
+          </a:fontRef>
+        </p:style>
+        <p:txBody>
+          <a:bodyPr lIns="91431" tIns="45715" rIns="91431" bIns="45715" rtlCol="0" anchor="ctr"/>
+          <a:lstStyle/>
+          <a:p>
+            <a:pPr algn="ctr"/>
+            <a:r>
+              <a:rPr lang="en-GB" sz="1000" dirty="0">
+                <a:solidFill>
+                  <a:schemeClr val="tx1"/>
+                </a:solidFill>
+              </a:rPr>
+              <a:t>Wait 0.5 sec</a:t>
+            </a:r>
+            <a:endParaRPr lang="en-GB" sz="1000" dirty="0">
+              <a:solidFill>
+                <a:schemeClr val="tx1"/>
+              </a:solidFill>
+            </a:endParaRPr>
+          </a:p>
+        </p:txBody>
+      </p:sp>
+      <p:cxnSp>
+        <p:nvCxnSpPr>
+          <p:cNvPr id="19" name="Elbow Connector 18"/>
+          <p:cNvCxnSpPr>
+            <a:stCxn id="70" idx="2"/>
+            <a:endCxn id="72" idx="0"/>
+          </p:cNvCxnSpPr>
+          <p:nvPr/>
+        </p:nvCxnSpPr>
+        <p:spPr>
+          <a:xfrm rot="16200000" flipH="1">
+            <a:off x="5369593" y="968694"/>
+            <a:ext cx="392368" cy="1926893"/>
+          </a:xfrm>
+          <a:prstGeom prst="bentConnector3">
+            <a:avLst>
+              <a:gd name="adj1" fmla="val 41908"/>
+            </a:avLst>
+          </a:prstGeom>
+          <a:ln>
+            <a:solidFill>
+              <a:schemeClr val="tx1"/>
+            </a:solidFill>
+            <a:tailEnd type="arrow"/>
+          </a:ln>
+        </p:spPr>
+        <p:style>
+          <a:lnRef idx="1">
+            <a:schemeClr val="accent1"/>
+          </a:lnRef>
+          <a:fillRef idx="0">
+            <a:schemeClr val="accent1"/>
+          </a:fillRef>
+          <a:effectRef idx="0">
+            <a:schemeClr val="accent1"/>
+          </a:effectRef>
+          <a:fontRef idx="minor">
+            <a:schemeClr val="tx1"/>
+          </a:fontRef>
+        </p:style>
+      </p:cxnSp>
+      <p:cxnSp>
+        <p:nvCxnSpPr>
+          <p:cNvPr id="101" name="Straight Arrow Connector 100"/>
+          <p:cNvCxnSpPr/>
+          <p:nvPr/>
+        </p:nvCxnSpPr>
+        <p:spPr>
+          <a:xfrm>
+            <a:off x="4602329" y="1735956"/>
+            <a:ext cx="0" cy="324892"/>
+          </a:xfrm>
+          <a:prstGeom prst="straightConnector1">
+            <a:avLst/>
+          </a:prstGeom>
+          <a:ln>
+            <a:solidFill>
+              <a:schemeClr val="tx1"/>
+            </a:solidFill>
+            <a:tailEnd type="arrow"/>
+          </a:ln>
+        </p:spPr>
+        <p:style>
+          <a:lnRef idx="1">
+            <a:schemeClr val="accent1"/>
+          </a:lnRef>
+          <a:fillRef idx="0">
+            <a:schemeClr val="accent1"/>
+          </a:fillRef>
+          <a:effectRef idx="0">
+            <a:schemeClr val="accent1"/>
+          </a:effectRef>
+          <a:fontRef idx="minor">
+            <a:schemeClr val="tx1"/>
+          </a:fontRef>
+        </p:style>
+      </p:cxnSp>
+      <p:cxnSp>
+        <p:nvCxnSpPr>
+          <p:cNvPr id="102" name="Straight Arrow Connector 101"/>
+          <p:cNvCxnSpPr/>
+          <p:nvPr/>
+        </p:nvCxnSpPr>
+        <p:spPr>
+          <a:xfrm flipH="1">
+            <a:off x="2653184" y="4609820"/>
+            <a:ext cx="1655468" cy="0"/>
+          </a:xfrm>
+          <a:prstGeom prst="straightConnector1">
+            <a:avLst/>
+          </a:prstGeom>
+          <a:ln>
+            <a:solidFill>
+              <a:schemeClr val="tx1"/>
+            </a:solidFill>
+            <a:tailEnd type="none"/>
+          </a:ln>
+        </p:spPr>
+        <p:style>
+          <a:lnRef idx="1">
+            <a:schemeClr val="accent1"/>
+          </a:lnRef>
+          <a:fillRef idx="0">
+            <a:schemeClr val="accent1"/>
+          </a:fillRef>
+          <a:effectRef idx="0">
+            <a:schemeClr val="accent1"/>
+          </a:effectRef>
+          <a:fontRef idx="minor">
+            <a:schemeClr val="tx1"/>
+          </a:fontRef>
+        </p:style>
+      </p:cxnSp>
+      <p:sp>
+        <p:nvSpPr>
+          <p:cNvPr id="104" name="Rectangle 103"/>
+          <p:cNvSpPr/>
+          <p:nvPr/>
+        </p:nvSpPr>
+        <p:spPr>
+          <a:xfrm rot="2700000">
+            <a:off x="4396343" y="4355235"/>
+            <a:ext cx="509173" cy="509173"/>
+          </a:xfrm>
+          <a:prstGeom prst="rect">
+            <a:avLst/>
+          </a:prstGeom>
+          <a:solidFill>
+            <a:schemeClr val="bg1"/>
+          </a:solidFill>
+          <a:ln w="12700">
+            <a:solidFill>
+              <a:schemeClr val="tx1"/>
+            </a:solidFill>
+          </a:ln>
+        </p:spPr>
+        <p:style>
+          <a:lnRef idx="2">
+            <a:schemeClr val="accent1">
+              <a:shade val="50000"/>
+            </a:schemeClr>
+          </a:lnRef>
+          <a:fillRef idx="1">
+            <a:schemeClr val="accent1"/>
+          </a:fillRef>
+          <a:effectRef idx="0">
+            <a:schemeClr val="accent1"/>
+          </a:effectRef>
+          <a:fontRef idx="minor">
+            <a:schemeClr val="lt1"/>
+          </a:fontRef>
+        </p:style>
+        <p:txBody>
+          <a:bodyPr lIns="91431" tIns="45715" rIns="91431" bIns="45715" rtlCol="0" anchor="ctr"/>
+          <a:lstStyle/>
+          <a:p>
+            <a:pPr algn="ctr"/>
+            <a:endParaRPr lang="en-GB" dirty="0">
+              <a:solidFill>
+                <a:schemeClr val="tx1"/>
+              </a:solidFill>
+            </a:endParaRPr>
+          </a:p>
+        </p:txBody>
+      </p:sp>
+      <p:sp>
+        <p:nvSpPr>
+          <p:cNvPr id="107" name="TextBox 106"/>
+          <p:cNvSpPr txBox="1"/>
+          <p:nvPr/>
+        </p:nvSpPr>
+        <p:spPr>
+          <a:xfrm>
+            <a:off x="4393576" y="4396600"/>
+            <a:ext cx="674305" cy="369322"/>
+          </a:xfrm>
+          <a:prstGeom prst="rect">
+            <a:avLst/>
+          </a:prstGeom>
+          <a:noFill/>
+        </p:spPr>
+        <p:txBody>
+          <a:bodyPr wrap="square" lIns="91431" tIns="45715" rIns="91431" bIns="45715" rtlCol="0">
+            <a:spAutoFit/>
+          </a:bodyPr>
+          <a:lstStyle/>
+          <a:p>
+            <a:r>
+              <a:rPr lang="en-GB" sz="900" dirty="0"/>
+              <a:t>Timer Finished?</a:t>
+            </a:r>
+            <a:endParaRPr lang="en-GB" sz="900" dirty="0"/>
+          </a:p>
+        </p:txBody>
+      </p:sp>
+      <p:sp>
+        <p:nvSpPr>
+          <p:cNvPr id="108" name="TextBox 107"/>
+          <p:cNvSpPr txBox="1"/>
+          <p:nvPr/>
+        </p:nvSpPr>
+        <p:spPr>
+          <a:xfrm>
+            <a:off x="3997505" y="4363601"/>
+            <a:ext cx="360040" cy="246211"/>
+          </a:xfrm>
+          <a:prstGeom prst="rect">
+            <a:avLst/>
+          </a:prstGeom>
+          <a:noFill/>
+        </p:spPr>
+        <p:txBody>
+          <a:bodyPr wrap="square" lIns="91431" tIns="45715" rIns="91431" bIns="45715" rtlCol="0">
+            <a:spAutoFit/>
+          </a:bodyPr>
+          <a:lstStyle/>
+          <a:p>
+            <a:r>
+              <a:rPr lang="en-GB" sz="1000" dirty="0"/>
+              <a:t>No</a:t>
+            </a:r>
+            <a:endParaRPr lang="en-GB" sz="1000" dirty="0"/>
+          </a:p>
+        </p:txBody>
+      </p:sp>
+      <p:cxnSp>
+        <p:nvCxnSpPr>
+          <p:cNvPr id="31" name="Elbow Connector 30"/>
+          <p:cNvCxnSpPr/>
+          <p:nvPr/>
+        </p:nvCxnSpPr>
+        <p:spPr>
+          <a:xfrm flipV="1">
+            <a:off x="2653185" y="3369010"/>
+            <a:ext cx="1997744" cy="1240810"/>
+          </a:xfrm>
+          <a:prstGeom prst="bentConnector3">
+            <a:avLst>
+              <a:gd name="adj1" fmla="val 96"/>
+            </a:avLst>
+          </a:prstGeom>
+          <a:ln>
+            <a:solidFill>
+              <a:schemeClr val="tx1"/>
+            </a:solidFill>
+            <a:tailEnd type="arrow"/>
+          </a:ln>
+        </p:spPr>
+        <p:style>
+          <a:lnRef idx="1">
+            <a:schemeClr val="accent1"/>
+          </a:lnRef>
+          <a:fillRef idx="0">
+            <a:schemeClr val="accent1"/>
+          </a:fillRef>
+          <a:effectRef idx="0">
+            <a:schemeClr val="accent1"/>
+          </a:effectRef>
+          <a:fontRef idx="minor">
+            <a:schemeClr val="tx1"/>
+          </a:fontRef>
+        </p:style>
+      </p:cxnSp>
+      <p:cxnSp>
+        <p:nvCxnSpPr>
+          <p:cNvPr id="34" name="Straight Arrow Connector 33"/>
+          <p:cNvCxnSpPr/>
+          <p:nvPr/>
+        </p:nvCxnSpPr>
+        <p:spPr>
+          <a:xfrm flipV="1">
+            <a:off x="7447853" y="2060849"/>
+            <a:ext cx="0" cy="1634165"/>
+          </a:xfrm>
+          <a:prstGeom prst="straightConnector1">
+            <a:avLst/>
+          </a:prstGeom>
+          <a:ln>
+            <a:solidFill>
+              <a:schemeClr val="tx1"/>
+            </a:solidFill>
+            <a:tailEnd type="arrow"/>
+          </a:ln>
+        </p:spPr>
+        <p:style>
+          <a:lnRef idx="1">
+            <a:schemeClr val="accent1"/>
+          </a:lnRef>
+          <a:fillRef idx="0">
+            <a:schemeClr val="accent1"/>
+          </a:fillRef>
+          <a:effectRef idx="0">
+            <a:schemeClr val="accent1"/>
+          </a:effectRef>
+          <a:fontRef idx="minor">
+            <a:schemeClr val="tx1"/>
+          </a:fontRef>
+        </p:style>
+      </p:cxnSp>
+      <p:cxnSp>
+        <p:nvCxnSpPr>
+          <p:cNvPr id="38" name="Straight Arrow Connector 37"/>
+          <p:cNvCxnSpPr/>
+          <p:nvPr/>
+        </p:nvCxnSpPr>
+        <p:spPr>
+          <a:xfrm>
+            <a:off x="7021266" y="4149079"/>
+            <a:ext cx="180020" cy="0"/>
+          </a:xfrm>
+          <a:prstGeom prst="straightConnector1">
+            <a:avLst/>
+          </a:prstGeom>
+          <a:ln>
+            <a:solidFill>
+              <a:schemeClr val="tx1"/>
+            </a:solidFill>
+            <a:tailEnd type="arrow"/>
+          </a:ln>
+        </p:spPr>
+        <p:style>
+          <a:lnRef idx="1">
+            <a:schemeClr val="accent1"/>
+          </a:lnRef>
+          <a:fillRef idx="0">
+            <a:schemeClr val="accent1"/>
+          </a:fillRef>
+          <a:effectRef idx="0">
+            <a:schemeClr val="accent1"/>
+          </a:effectRef>
+          <a:fontRef idx="minor">
+            <a:schemeClr val="tx1"/>
+          </a:fontRef>
+        </p:style>
+      </p:cxnSp>
+      <p:sp>
+        <p:nvSpPr>
+          <p:cNvPr id="112" name="Oval 111"/>
+          <p:cNvSpPr/>
+          <p:nvPr/>
+        </p:nvSpPr>
+        <p:spPr>
+          <a:xfrm>
+            <a:off x="3823282" y="5770116"/>
+            <a:ext cx="1683975" cy="360040"/>
+          </a:xfrm>
+          <a:prstGeom prst="ellipse">
+            <a:avLst/>
+          </a:prstGeom>
+          <a:solidFill>
+            <a:schemeClr val="bg1"/>
+          </a:solidFill>
+          <a:ln w="12700">
+            <a:solidFill>
+              <a:schemeClr val="tx1"/>
+            </a:solidFill>
+          </a:ln>
+        </p:spPr>
+        <p:style>
+          <a:lnRef idx="2">
+            <a:schemeClr val="accent1">
+              <a:shade val="50000"/>
+            </a:schemeClr>
+          </a:lnRef>
+          <a:fillRef idx="1">
+            <a:schemeClr val="accent1"/>
+          </a:fillRef>
+          <a:effectRef idx="0">
+            <a:schemeClr val="accent1"/>
+          </a:effectRef>
+          <a:fontRef idx="minor">
+            <a:schemeClr val="lt1"/>
+          </a:fontRef>
+        </p:style>
+        <p:txBody>
+          <a:bodyPr lIns="91431" tIns="45715" rIns="91431" bIns="45715" rtlCol="0" anchor="ctr"/>
+          <a:lstStyle/>
+          <a:p>
+            <a:pPr algn="ctr"/>
+            <a:r>
+              <a:rPr lang="en-GB" sz="1100" dirty="0">
+                <a:solidFill>
+                  <a:schemeClr val="tx1"/>
+                </a:solidFill>
+              </a:rPr>
+              <a:t>Stop</a:t>
+            </a:r>
+            <a:endParaRPr lang="en-GB" sz="1100" dirty="0">
+              <a:solidFill>
+                <a:schemeClr val="tx1"/>
+              </a:solidFill>
+            </a:endParaRPr>
+          </a:p>
+        </p:txBody>
+      </p:sp>
+      <p:cxnSp>
+        <p:nvCxnSpPr>
+          <p:cNvPr id="43" name="Elbow Connector 42"/>
+          <p:cNvCxnSpPr>
+            <a:endCxn id="112" idx="6"/>
+          </p:cNvCxnSpPr>
+          <p:nvPr/>
+        </p:nvCxnSpPr>
+        <p:spPr>
+          <a:xfrm rot="5400000">
+            <a:off x="5286528" y="4707440"/>
+            <a:ext cx="1463426" cy="1021969"/>
+          </a:xfrm>
+          <a:prstGeom prst="bentConnector2">
+            <a:avLst/>
+          </a:prstGeom>
+          <a:ln>
+            <a:solidFill>
+              <a:schemeClr val="tx1"/>
+            </a:solidFill>
+            <a:tailEnd type="arrow"/>
+          </a:ln>
+        </p:spPr>
+        <p:style>
+          <a:lnRef idx="1">
+            <a:schemeClr val="accent1"/>
+          </a:lnRef>
+          <a:fillRef idx="0">
+            <a:schemeClr val="accent1"/>
+          </a:fillRef>
+          <a:effectRef idx="0">
+            <a:schemeClr val="accent1"/>
+          </a:effectRef>
+          <a:fontRef idx="minor">
+            <a:schemeClr val="tx1"/>
+          </a:fontRef>
+        </p:style>
+      </p:cxnSp>
+      <p:sp>
+        <p:nvSpPr>
+          <p:cNvPr id="114" name="TextBox 113"/>
+          <p:cNvSpPr txBox="1"/>
+          <p:nvPr/>
+        </p:nvSpPr>
+        <p:spPr>
+          <a:xfrm>
+            <a:off x="6156176" y="5703060"/>
+            <a:ext cx="360040" cy="246211"/>
+          </a:xfrm>
+          <a:prstGeom prst="rect">
+            <a:avLst/>
+          </a:prstGeom>
+          <a:noFill/>
+        </p:spPr>
+        <p:txBody>
+          <a:bodyPr wrap="square" lIns="91431" tIns="45715" rIns="91431" bIns="45715" rtlCol="0">
+            <a:spAutoFit/>
+          </a:bodyPr>
+          <a:lstStyle/>
+          <a:p>
+            <a:r>
+              <a:rPr lang="en-GB" sz="1000" dirty="0"/>
+              <a:t>Yes</a:t>
+            </a:r>
+            <a:endParaRPr lang="en-GB" sz="1000" dirty="0"/>
+          </a:p>
+        </p:txBody>
+      </p:sp>
+      <p:sp>
+        <p:nvSpPr>
+          <p:cNvPr id="115" name="TextBox 114"/>
+          <p:cNvSpPr txBox="1"/>
+          <p:nvPr/>
+        </p:nvSpPr>
+        <p:spPr>
+          <a:xfrm>
+            <a:off x="107505" y="752228"/>
+            <a:ext cx="2016224" cy="646321"/>
+          </a:xfrm>
+          <a:prstGeom prst="rect">
+            <a:avLst/>
+          </a:prstGeom>
+          <a:noFill/>
+        </p:spPr>
+        <p:txBody>
+          <a:bodyPr wrap="square" lIns="91431" tIns="45715" rIns="91431" bIns="45715" rtlCol="0">
+            <a:spAutoFit/>
+          </a:bodyPr>
+          <a:lstStyle/>
+          <a:p>
+            <a:r>
+              <a:rPr lang="en-GB" dirty="0" smtClean="0"/>
+              <a:t>Receiver </a:t>
+            </a:r>
+          </a:p>
+          <a:p>
+            <a:r>
+              <a:rPr lang="en-GB" dirty="0" smtClean="0"/>
+              <a:t>Flowchart</a:t>
+            </a:r>
+            <a:endParaRPr lang="en-GB" dirty="0"/>
+          </a:p>
+        </p:txBody>
+      </p:sp>
+      <p:cxnSp>
+        <p:nvCxnSpPr>
+          <p:cNvPr id="116" name="Straight Arrow Connector 115"/>
+          <p:cNvCxnSpPr/>
+          <p:nvPr/>
+        </p:nvCxnSpPr>
+        <p:spPr>
+          <a:xfrm>
+            <a:off x="4656376" y="3038704"/>
+            <a:ext cx="0" cy="324892"/>
+          </a:xfrm>
+          <a:prstGeom prst="straightConnector1">
+            <a:avLst/>
+          </a:prstGeom>
+          <a:ln>
+            <a:solidFill>
+              <a:schemeClr val="tx1"/>
+            </a:solidFill>
+            <a:tailEnd type="arrow"/>
+          </a:ln>
+        </p:spPr>
+        <p:style>
+          <a:lnRef idx="1">
+            <a:schemeClr val="accent1"/>
+          </a:lnRef>
+          <a:fillRef idx="0">
+            <a:schemeClr val="accent1"/>
+          </a:fillRef>
+          <a:effectRef idx="0">
+            <a:schemeClr val="accent1"/>
+          </a:effectRef>
+          <a:fontRef idx="minor">
+            <a:schemeClr val="tx1"/>
+          </a:fontRef>
+        </p:style>
+      </p:cxnSp>
+      <p:sp>
+        <p:nvSpPr>
+          <p:cNvPr id="117" name="Rounded Rectangle 116"/>
+          <p:cNvSpPr/>
+          <p:nvPr/>
+        </p:nvSpPr>
+        <p:spPr>
+          <a:xfrm>
+            <a:off x="3855550" y="2720348"/>
+            <a:ext cx="1539957" cy="387454"/>
+          </a:xfrm>
+          <a:prstGeom prst="roundRect">
+            <a:avLst/>
+          </a:prstGeom>
+          <a:solidFill>
+            <a:schemeClr val="bg1"/>
+          </a:solidFill>
+          <a:ln w="12700">
+            <a:solidFill>
+              <a:schemeClr val="tx1"/>
+            </a:solidFill>
+          </a:ln>
+        </p:spPr>
+        <p:style>
+          <a:lnRef idx="2">
+            <a:schemeClr val="accent1">
+              <a:shade val="50000"/>
+            </a:schemeClr>
+          </a:lnRef>
+          <a:fillRef idx="1">
+            <a:schemeClr val="accent1"/>
+          </a:fillRef>
+          <a:effectRef idx="0">
+            <a:schemeClr val="accent1"/>
+          </a:effectRef>
+          <a:fontRef idx="minor">
+            <a:schemeClr val="lt1"/>
+          </a:fontRef>
+        </p:style>
+        <p:txBody>
+          <a:bodyPr lIns="91431" tIns="45715" rIns="91431" bIns="45715" rtlCol="0" anchor="ctr"/>
+          <a:lstStyle/>
+          <a:p>
+            <a:pPr algn="ctr"/>
+            <a:r>
+              <a:rPr lang="en-GB" sz="1000" dirty="0">
+                <a:solidFill>
+                  <a:schemeClr val="tx1"/>
+                </a:solidFill>
+              </a:rPr>
+              <a:t>Move motor to restrict water flow from tap</a:t>
+            </a:r>
+            <a:endParaRPr lang="en-GB" sz="1000" dirty="0">
+              <a:solidFill>
+                <a:schemeClr val="tx1"/>
+              </a:solidFill>
+            </a:endParaRPr>
+          </a:p>
+        </p:txBody>
+      </p:sp>
+      <p:sp>
+        <p:nvSpPr>
+          <p:cNvPr id="118" name="Rounded Rectangle 117"/>
+          <p:cNvSpPr/>
+          <p:nvPr/>
+        </p:nvSpPr>
+        <p:spPr>
+          <a:xfrm>
+            <a:off x="3855550" y="5125442"/>
+            <a:ext cx="1539957" cy="387454"/>
+          </a:xfrm>
+          <a:prstGeom prst="roundRect">
+            <a:avLst/>
+          </a:prstGeom>
+          <a:solidFill>
+            <a:schemeClr val="bg1"/>
+          </a:solidFill>
+          <a:ln w="12700">
+            <a:solidFill>
+              <a:schemeClr val="tx1"/>
+            </a:solidFill>
+          </a:ln>
+        </p:spPr>
+        <p:style>
+          <a:lnRef idx="2">
+            <a:schemeClr val="accent1">
+              <a:shade val="50000"/>
+            </a:schemeClr>
+          </a:lnRef>
+          <a:fillRef idx="1">
+            <a:schemeClr val="accent1"/>
+          </a:fillRef>
+          <a:effectRef idx="0">
+            <a:schemeClr val="accent1"/>
+          </a:effectRef>
+          <a:fontRef idx="minor">
+            <a:schemeClr val="lt1"/>
+          </a:fontRef>
+        </p:style>
+        <p:txBody>
+          <a:bodyPr lIns="91431" tIns="45715" rIns="91431" bIns="45715" rtlCol="0" anchor="ctr"/>
+          <a:lstStyle/>
+          <a:p>
+            <a:pPr algn="ctr"/>
+            <a:r>
+              <a:rPr lang="en-GB" sz="1000" dirty="0">
+                <a:solidFill>
+                  <a:schemeClr val="tx1"/>
+                </a:solidFill>
+              </a:rPr>
+              <a:t>Move motor to allow full water flow from tap</a:t>
+            </a:r>
+            <a:endParaRPr lang="en-GB" sz="1000" dirty="0">
+              <a:solidFill>
+                <a:schemeClr val="tx1"/>
+              </a:solidFill>
+            </a:endParaRPr>
+          </a:p>
+        </p:txBody>
+      </p:sp>
+    </p:spTree>
+    <p:extLst>
+      <p:ext uri="{BB962C8B-B14F-4D97-AF65-F5344CB8AC3E}">
+        <p14:creationId xmlns:p14="http://schemas.microsoft.com/office/powerpoint/2010/main" val="1337589285"/>
       </p:ext>
     </p:extLst>
   </p:cSld>
